--- a/capstone_starter/resources/Presentation_Emilian_Utma.pptx
+++ b/capstone_starter/resources/Presentation_Emilian_Utma.pptx
@@ -5,7 +5,7 @@
     <p:sldMasterId id="2147483648" r:id="rId1"/>
   </p:sldMasterIdLst>
   <p:notesMasterIdLst>
-    <p:notesMasterId r:id="rId12"/>
+    <p:notesMasterId r:id="rId17"/>
   </p:notesMasterIdLst>
   <p:sldIdLst>
     <p:sldId id="256" r:id="rId2"/>
@@ -18,6 +18,11 @@
     <p:sldId id="263" r:id="rId9"/>
     <p:sldId id="264" r:id="rId10"/>
     <p:sldId id="265" r:id="rId11"/>
+    <p:sldId id="267" r:id="rId12"/>
+    <p:sldId id="268" r:id="rId13"/>
+    <p:sldId id="269" r:id="rId14"/>
+    <p:sldId id="270" r:id="rId15"/>
+    <p:sldId id="271" r:id="rId16"/>
   </p:sldIdLst>
   <p:sldSz cx="9144000" cy="6858000" type="screen4x3"/>
   <p:notesSz cx="6858000" cy="9144000"/>
@@ -4759,14 +4764,6 @@
               <a:rPr lang="en-US" dirty="0"/>
               <a:t>                  </a:t>
             </a:r>
-            <a:r>
-              <a:rPr lang="en-US" dirty="0" smtClean="0"/>
-              <a:t>Lessons </a:t>
-            </a:r>
-            <a:r>
-              <a:rPr lang="en-US" dirty="0"/>
-              <a:t>learnt</a:t>
-            </a:r>
             <a:br>
               <a:rPr lang="en-US" dirty="0"/>
             </a:br>
@@ -4809,7 +4806,7 @@
               </a:spcAft>
               <a:defRPr/>
             </a:pPr>
-            <a:endParaRPr lang="en-US" sz="2400" b="1" dirty="0" smtClean="0"/>
+            <a:endParaRPr lang="en-US" sz="2400" dirty="0" smtClean="0"/>
           </a:p>
           <a:p>
             <a:pPr fontAlgn="auto">
@@ -4819,80 +4816,77 @@
               <a:defRPr/>
             </a:pPr>
             <a:r>
+              <a:rPr lang="en-US" sz="2400" dirty="0" smtClean="0"/>
+              <a:t>For </a:t>
+            </a:r>
+            <a:r>
+              <a:rPr lang="en-US" sz="2400" dirty="0"/>
+              <a:t>question: “</a:t>
+            </a:r>
+            <a:r>
+              <a:rPr lang="en-US" sz="1500" i="1" dirty="0"/>
+              <a:t>Is male a person that says ‘i believe that life is a bold, dashing adventure’ </a:t>
+            </a:r>
+            <a:r>
+              <a:rPr lang="en-US" sz="2400" i="1" dirty="0"/>
+              <a:t>?</a:t>
+            </a:r>
+            <a:r>
+              <a:rPr lang="en-US" sz="2400" dirty="0"/>
+              <a:t>” (formalized as “</a:t>
+            </a:r>
+            <a:r>
+              <a:rPr lang="en-US" sz="1500" dirty="0"/>
+              <a:t>Predicts if "Is male" based on: essay0, essay3, essay6, essay8</a:t>
+            </a:r>
+            <a:r>
+              <a:rPr lang="en-US" sz="2400" dirty="0" smtClean="0"/>
+              <a:t>”) the following models have been used:</a:t>
+            </a:r>
+            <a:br>
+              <a:rPr lang="en-US" sz="2400" dirty="0" smtClean="0"/>
+            </a:br>
+            <a:r>
+              <a:rPr lang="en-US" sz="2400" b="1" dirty="0"/>
+              <a:t>Naive Bayes Classifier </a:t>
+            </a:r>
+            <a:r>
+              <a:rPr lang="en-US" sz="3600" b="1" dirty="0"/>
+              <a:t>(</a:t>
+            </a:r>
+            <a:r>
+              <a:rPr lang="en-US" sz="1500" dirty="0">
+                <a:latin typeface="Courier New" pitchFamily="49" charset="0"/>
+                <a:cs typeface="Courier New" pitchFamily="49" charset="0"/>
+              </a:rPr>
+              <a:t>classify_sex_naive_bayes.py</a:t>
+            </a:r>
+            <a:r>
+              <a:rPr lang="en-US" sz="3600" b="1" dirty="0" smtClean="0"/>
+              <a:t>)</a:t>
+            </a:r>
+            <a:br>
+              <a:rPr lang="en-US" sz="3600" b="1" dirty="0" smtClean="0"/>
+            </a:br>
+            <a:r>
               <a:rPr lang="en-US" sz="2400" b="1" dirty="0" smtClean="0"/>
-              <a:t>Sometimes the reviews from the market are not reliable </a:t>
+              <a:t>Support </a:t>
             </a:r>
             <a:r>
               <a:rPr lang="en-US" sz="2400" b="1" dirty="0"/>
-              <a:t>– see </a:t>
-            </a:r>
-            <a:r>
-              <a:rPr lang="en-US" sz="1700" b="1" dirty="0">
-                <a:hlinkClick r:id="rId2"/>
+              <a:t>Vector Machines (</a:t>
+            </a:r>
+            <a:r>
+              <a:rPr lang="en-US" sz="1500" dirty="0">
+                <a:latin typeface="Courier New" pitchFamily="49" charset="0"/>
+                <a:cs typeface="Courier New" pitchFamily="49" charset="0"/>
               </a:rPr>
-              <a:t>https://</a:t>
-            </a:r>
-            <a:r>
-              <a:rPr lang="en-US" sz="1700" b="1" smtClean="0">
-                <a:hlinkClick r:id="rId2"/>
-              </a:rPr>
-              <a:t>play.google.com/store/apps/details?id=com.jupiter.account</a:t>
-            </a:r>
-            <a:r>
-              <a:rPr lang="en-US" sz="1700" b="1" smtClean="0"/>
-              <a:t> .</a:t>
-            </a:r>
-            <a:endParaRPr lang="en-US" sz="1700" b="1" dirty="0" smtClean="0"/>
-          </a:p>
-          <a:p>
-            <a:pPr fontAlgn="auto">
-              <a:spcAft>
-                <a:spcPts val="0"/>
-              </a:spcAft>
-              <a:defRPr/>
-            </a:pPr>
-            <a:endParaRPr lang="en-US" sz="2400" b="1" dirty="0" smtClean="0"/>
-          </a:p>
-          <a:p>
-            <a:pPr fontAlgn="auto">
-              <a:spcAft>
-                <a:spcPts val="0"/>
-              </a:spcAft>
-              <a:defRPr/>
-            </a:pPr>
-            <a:r>
-              <a:rPr lang="en-US" sz="2000" b="1" dirty="0" smtClean="0"/>
-              <a:t>This type of software product MUST have a dedicated QA team before making available to market. Reasons: is for public use and a lot of similar applications are already on the market.</a:t>
-            </a:r>
-          </a:p>
-          <a:p>
-            <a:pPr fontAlgn="auto">
-              <a:spcAft>
-                <a:spcPts val="0"/>
-              </a:spcAft>
-              <a:defRPr/>
-            </a:pPr>
-            <a:endParaRPr lang="en-US" sz="2400" b="1" dirty="0" smtClean="0"/>
-          </a:p>
-          <a:p>
-            <a:pPr fontAlgn="auto">
-              <a:spcAft>
-                <a:spcPts val="0"/>
-              </a:spcAft>
-              <a:defRPr/>
-            </a:pPr>
+              <a:t>classify_sex_naive_svc.py</a:t>
+            </a:r>
             <a:r>
               <a:rPr lang="en-US" sz="2400" b="1" dirty="0" smtClean="0"/>
-              <a:t>Testing this application, personally helped me to improve my self-organizing skills: test-cases management and bugs tracking.</a:t>
-            </a:r>
-          </a:p>
-          <a:p>
-            <a:pPr fontAlgn="auto">
-              <a:spcAft>
-                <a:spcPts val="0"/>
-              </a:spcAft>
-              <a:defRPr/>
-            </a:pPr>
+              <a:t>)</a:t>
+            </a:r>
             <a:endParaRPr lang="en-US" sz="2400" dirty="0"/>
           </a:p>
           <a:p>
@@ -4944,26 +4938,6 @@
             <a:pPr>
               <a:defRPr/>
             </a:pPr>
-            <a:r>
-              <a:rPr lang="ro-RO" dirty="0" err="1" smtClean="0"/>
-              <a:t>Ș</a:t>
-            </a:r>
-            <a:r>
-              <a:rPr lang="en-US" dirty="0" err="1" smtClean="0"/>
-              <a:t>coala</a:t>
-            </a:r>
-            <a:r>
-              <a:rPr lang="en-US" dirty="0" smtClean="0"/>
-              <a:t> Informal</a:t>
-            </a:r>
-            <a:r>
-              <a:rPr lang="ro-RO" dirty="0" smtClean="0"/>
-              <a:t>ă</a:t>
-            </a:r>
-            <a:r>
-              <a:rPr lang="en-US" dirty="0" smtClean="0"/>
-              <a:t> de IT</a:t>
-            </a:r>
             <a:endParaRPr lang="en-US" dirty="0"/>
           </a:p>
         </p:txBody>
@@ -4986,130 +4960,10 @@
             <a:pPr>
               <a:defRPr/>
             </a:pPr>
-            <a:r>
-              <a:rPr lang="en-US" dirty="0" err="1"/>
-              <a:t>Madelușa</a:t>
-            </a:r>
-            <a:r>
-              <a:rPr lang="en-US" dirty="0"/>
-              <a:t> Laura </a:t>
-            </a:r>
-            <a:r>
-              <a:rPr lang="en-US" dirty="0" err="1"/>
-              <a:t>Utma</a:t>
-            </a:r>
             <a:endParaRPr lang="en-US" dirty="0"/>
           </a:p>
         </p:txBody>
       </p:sp>
-      <p:pic>
-        <p:nvPicPr>
-          <p:cNvPr id="12294" name="Picture 6"/>
-          <p:cNvPicPr>
-            <a:picLocks noChangeAspect="1"/>
-          </p:cNvPicPr>
-          <p:nvPr/>
-        </p:nvPicPr>
-        <p:blipFill>
-          <a:blip r:embed="rId3" cstate="print">
-            <a:extLst>
-              <a:ext uri="{28A0092B-C50C-407E-A947-70E740481C1C}">
-                <a14:useLocalDpi xmlns:a14="http://schemas.microsoft.com/office/drawing/2010/main" val="0"/>
-              </a:ext>
-            </a:extLst>
-          </a:blip>
-          <a:srcRect/>
-          <a:stretch>
-            <a:fillRect/>
-          </a:stretch>
-        </p:blipFill>
-        <p:spPr bwMode="auto">
-          <a:xfrm>
-            <a:off x="533400" y="381000"/>
-            <a:ext cx="996950" cy="838200"/>
-          </a:xfrm>
-          <a:prstGeom prst="rect">
-            <a:avLst/>
-          </a:prstGeom>
-          <a:noFill/>
-          <a:ln>
-            <a:noFill/>
-          </a:ln>
-          <a:extLst>
-            <a:ext uri="{909E8E84-426E-40DD-AFC4-6F175D3DCCD1}">
-              <a14:hiddenFill xmlns:a14="http://schemas.microsoft.com/office/drawing/2010/main">
-                <a:solidFill>
-                  <a:srgbClr val="FFFFFF"/>
-                </a:solidFill>
-              </a14:hiddenFill>
-            </a:ext>
-            <a:ext uri="{91240B29-F687-4F45-9708-019B960494DF}">
-              <a14:hiddenLine xmlns:a14="http://schemas.microsoft.com/office/drawing/2010/main" w="9525">
-                <a:solidFill>
-                  <a:srgbClr val="000000"/>
-                </a:solidFill>
-                <a:miter lim="800000"/>
-                <a:headEnd/>
-                <a:tailEnd/>
-              </a14:hiddenLine>
-            </a:ext>
-          </a:extLst>
-        </p:spPr>
-      </p:pic>
-      <p:pic>
-        <p:nvPicPr>
-          <p:cNvPr id="12295" name="Picture 8"/>
-          <p:cNvPicPr>
-            <a:picLocks noChangeAspect="1"/>
-          </p:cNvPicPr>
-          <p:nvPr/>
-        </p:nvPicPr>
-        <p:blipFill>
-          <a:blip r:embed="rId4">
-            <a:extLst>
-              <a:ext uri="{28A0092B-C50C-407E-A947-70E740481C1C}">
-                <a14:useLocalDpi xmlns:a14="http://schemas.microsoft.com/office/drawing/2010/main" val="0"/>
-              </a:ext>
-            </a:extLst>
-          </a:blip>
-          <a:srcRect/>
-          <a:stretch>
-            <a:fillRect/>
-          </a:stretch>
-        </p:blipFill>
-        <p:spPr bwMode="auto">
-          <a:xfrm>
-            <a:off x="7315200" y="228600"/>
-            <a:ext cx="1524000" cy="663575"/>
-          </a:xfrm>
-          <a:prstGeom prst="rect">
-            <a:avLst/>
-          </a:prstGeom>
-          <a:noFill/>
-          <a:ln>
-            <a:noFill/>
-          </a:ln>
-          <a:extLst>
-            <a:ext uri="{909E8E84-426E-40DD-AFC4-6F175D3DCCD1}">
-              <a14:hiddenFill xmlns:a14="http://schemas.microsoft.com/office/drawing/2010/main">
-                <a:solidFill>
-                  <a:srgbClr val="FFFFFF"/>
-                </a:solidFill>
-              </a14:hiddenFill>
-            </a:ext>
-            <a:ext uri="{91240B29-F687-4F45-9708-019B960494DF}">
-              <a14:hiddenLine xmlns:a14="http://schemas.microsoft.com/office/drawing/2010/main" w="9525">
-                <a:solidFill>
-                  <a:srgbClr val="000000"/>
-                </a:solidFill>
-                <a:miter lim="800000"/>
-                <a:headEnd/>
-                <a:tailEnd/>
-              </a14:hiddenLine>
-            </a:ext>
-          </a:extLst>
-        </p:spPr>
-      </p:pic>
       <p:cxnSp>
         <p:nvCxnSpPr>
           <p:cNvPr id="8" name="Straight Connector 7"/>
@@ -5145,6 +4999,221 @@
           </a:fontRef>
         </p:style>
       </p:cxnSp>
+      <p:sp>
+        <p:nvSpPr>
+          <p:cNvPr id="9" name="Title 5"/>
+          <p:cNvSpPr txBox="1">
+            <a:spLocks/>
+          </p:cNvSpPr>
+          <p:nvPr/>
+        </p:nvSpPr>
+        <p:spPr bwMode="auto">
+          <a:xfrm>
+            <a:off x="495300" y="304800"/>
+            <a:ext cx="8229600" cy="1143000"/>
+          </a:xfrm>
+          <a:prstGeom prst="rect">
+            <a:avLst/>
+          </a:prstGeom>
+          <a:noFill/>
+          <a:ln>
+            <a:noFill/>
+          </a:ln>
+          <a:extLst>
+            <a:ext uri="{909E8E84-426E-40DD-AFC4-6F175D3DCCD1}">
+              <a14:hiddenFill xmlns:a14="http://schemas.microsoft.com/office/drawing/2010/main">
+                <a:solidFill>
+                  <a:srgbClr val="FFFFFF"/>
+                </a:solidFill>
+              </a14:hiddenFill>
+            </a:ext>
+            <a:ext uri="{91240B29-F687-4F45-9708-019B960494DF}">
+              <a14:hiddenLine xmlns:a14="http://schemas.microsoft.com/office/drawing/2010/main" w="9525">
+                <a:solidFill>
+                  <a:srgbClr val="000000"/>
+                </a:solidFill>
+                <a:miter lim="800000"/>
+                <a:headEnd/>
+                <a:tailEnd/>
+              </a14:hiddenLine>
+            </a:ext>
+          </a:extLst>
+        </p:spPr>
+        <p:txBody>
+          <a:bodyPr vert="horz" wrap="square" lIns="91440" tIns="45720" rIns="91440" bIns="45720" numCol="1" anchor="ctr" anchorCtr="0" compatLnSpc="1">
+            <a:prstTxWarp prst="textNoShape">
+              <a:avLst/>
+            </a:prstTxWarp>
+          </a:bodyPr>
+          <a:lstStyle>
+            <a:lvl1pPr algn="ctr" rtl="0" fontAlgn="base">
+              <a:spcBef>
+                <a:spcPct val="0"/>
+              </a:spcBef>
+              <a:spcAft>
+                <a:spcPct val="0"/>
+              </a:spcAft>
+              <a:defRPr sz="4400" kern="1200">
+                <a:solidFill>
+                  <a:schemeClr val="tx1"/>
+                </a:solidFill>
+                <a:latin typeface="+mj-lt"/>
+                <a:ea typeface="+mj-ea"/>
+                <a:cs typeface="+mj-cs"/>
+              </a:defRPr>
+            </a:lvl1pPr>
+            <a:lvl2pPr algn="ctr" rtl="0" fontAlgn="base">
+              <a:spcBef>
+                <a:spcPct val="0"/>
+              </a:spcBef>
+              <a:spcAft>
+                <a:spcPct val="0"/>
+              </a:spcAft>
+              <a:defRPr sz="4400">
+                <a:solidFill>
+                  <a:schemeClr val="tx1"/>
+                </a:solidFill>
+                <a:latin typeface="Calibri" pitchFamily="34" charset="0"/>
+              </a:defRPr>
+            </a:lvl2pPr>
+            <a:lvl3pPr algn="ctr" rtl="0" fontAlgn="base">
+              <a:spcBef>
+                <a:spcPct val="0"/>
+              </a:spcBef>
+              <a:spcAft>
+                <a:spcPct val="0"/>
+              </a:spcAft>
+              <a:defRPr sz="4400">
+                <a:solidFill>
+                  <a:schemeClr val="tx1"/>
+                </a:solidFill>
+                <a:latin typeface="Calibri" pitchFamily="34" charset="0"/>
+              </a:defRPr>
+            </a:lvl3pPr>
+            <a:lvl4pPr algn="ctr" rtl="0" fontAlgn="base">
+              <a:spcBef>
+                <a:spcPct val="0"/>
+              </a:spcBef>
+              <a:spcAft>
+                <a:spcPct val="0"/>
+              </a:spcAft>
+              <a:defRPr sz="4400">
+                <a:solidFill>
+                  <a:schemeClr val="tx1"/>
+                </a:solidFill>
+                <a:latin typeface="Calibri" pitchFamily="34" charset="0"/>
+              </a:defRPr>
+            </a:lvl4pPr>
+            <a:lvl5pPr algn="ctr" rtl="0" fontAlgn="base">
+              <a:spcBef>
+                <a:spcPct val="0"/>
+              </a:spcBef>
+              <a:spcAft>
+                <a:spcPct val="0"/>
+              </a:spcAft>
+              <a:defRPr sz="4400">
+                <a:solidFill>
+                  <a:schemeClr val="tx1"/>
+                </a:solidFill>
+                <a:latin typeface="Calibri" pitchFamily="34" charset="0"/>
+              </a:defRPr>
+            </a:lvl5pPr>
+            <a:lvl6pPr marL="457200" algn="ctr" rtl="0" fontAlgn="base">
+              <a:spcBef>
+                <a:spcPct val="0"/>
+              </a:spcBef>
+              <a:spcAft>
+                <a:spcPct val="0"/>
+              </a:spcAft>
+              <a:defRPr sz="4400">
+                <a:solidFill>
+                  <a:schemeClr val="tx1"/>
+                </a:solidFill>
+                <a:latin typeface="Calibri" pitchFamily="34" charset="0"/>
+              </a:defRPr>
+            </a:lvl6pPr>
+            <a:lvl7pPr marL="914400" algn="ctr" rtl="0" fontAlgn="base">
+              <a:spcBef>
+                <a:spcPct val="0"/>
+              </a:spcBef>
+              <a:spcAft>
+                <a:spcPct val="0"/>
+              </a:spcAft>
+              <a:defRPr sz="4400">
+                <a:solidFill>
+                  <a:schemeClr val="tx1"/>
+                </a:solidFill>
+                <a:latin typeface="Calibri" pitchFamily="34" charset="0"/>
+              </a:defRPr>
+            </a:lvl7pPr>
+            <a:lvl8pPr marL="1371600" algn="ctr" rtl="0" fontAlgn="base">
+              <a:spcBef>
+                <a:spcPct val="0"/>
+              </a:spcBef>
+              <a:spcAft>
+                <a:spcPct val="0"/>
+              </a:spcAft>
+              <a:defRPr sz="4400">
+                <a:solidFill>
+                  <a:schemeClr val="tx1"/>
+                </a:solidFill>
+                <a:latin typeface="Calibri" pitchFamily="34" charset="0"/>
+              </a:defRPr>
+            </a:lvl8pPr>
+            <a:lvl9pPr marL="1828800" algn="ctr" rtl="0" fontAlgn="base">
+              <a:spcBef>
+                <a:spcPct val="0"/>
+              </a:spcBef>
+              <a:spcAft>
+                <a:spcPct val="0"/>
+              </a:spcAft>
+              <a:defRPr sz="4400">
+                <a:solidFill>
+                  <a:schemeClr val="tx1"/>
+                </a:solidFill>
+                <a:latin typeface="Calibri" pitchFamily="34" charset="0"/>
+              </a:defRPr>
+            </a:lvl9pPr>
+          </a:lstStyle>
+          <a:p>
+            <a:r>
+              <a:rPr lang="en-US" smtClean="0"/>
+              <a:t>Classification Approaches</a:t>
+            </a:r>
+            <a:endParaRPr lang="en-US" dirty="0"/>
+          </a:p>
+        </p:txBody>
+      </p:sp>
+      <p:pic>
+        <p:nvPicPr>
+          <p:cNvPr id="10" name="Picture 9"/>
+          <p:cNvPicPr>
+            <a:picLocks noChangeAspect="1"/>
+          </p:cNvPicPr>
+          <p:nvPr/>
+        </p:nvPicPr>
+        <p:blipFill>
+          <a:blip r:embed="rId2">
+            <a:extLst>
+              <a:ext uri="{28A0092B-C50C-407E-A947-70E740481C1C}">
+                <a14:useLocalDpi xmlns:a14="http://schemas.microsoft.com/office/drawing/2010/main" val="0"/>
+              </a:ext>
+            </a:extLst>
+          </a:blip>
+          <a:stretch>
+            <a:fillRect/>
+          </a:stretch>
+        </p:blipFill>
+        <p:spPr>
+          <a:xfrm>
+            <a:off x="6705600" y="228600"/>
+            <a:ext cx="2225040" cy="434340"/>
+          </a:xfrm>
+          <a:prstGeom prst="rect">
+            <a:avLst/>
+          </a:prstGeom>
+        </p:spPr>
+      </p:pic>
     </p:spTree>
   </p:cSld>
   <p:clrMapOvr>
@@ -5157,6 +5226,4151 @@
       </p:par>
     </p:tnLst>
   </p:timing>
+</p:sld>
+</file>
+
+<file path=ppt/slides/slide11.xml><?xml version="1.0" encoding="utf-8"?>
+<p:sld xmlns:a="http://schemas.openxmlformats.org/drawingml/2006/main" xmlns:r="http://schemas.openxmlformats.org/officeDocument/2006/relationships" xmlns:p="http://schemas.openxmlformats.org/presentationml/2006/main">
+  <p:cSld>
+    <p:spTree>
+      <p:nvGrpSpPr>
+        <p:cNvPr id="1" name=""/>
+        <p:cNvGrpSpPr/>
+        <p:nvPr/>
+      </p:nvGrpSpPr>
+      <p:grpSpPr>
+        <a:xfrm>
+          <a:off x="0" y="0"/>
+          <a:ext cx="0" cy="0"/>
+          <a:chOff x="0" y="0"/>
+          <a:chExt cx="0" cy="0"/>
+        </a:xfrm>
+      </p:grpSpPr>
+      <p:sp>
+        <p:nvSpPr>
+          <p:cNvPr id="2" name="Title 1"/>
+          <p:cNvSpPr>
+            <a:spLocks noGrp="1"/>
+          </p:cNvSpPr>
+          <p:nvPr>
+            <p:ph type="title"/>
+          </p:nvPr>
+        </p:nvSpPr>
+        <p:spPr>
+          <a:xfrm>
+            <a:off x="609600" y="609600"/>
+            <a:ext cx="8229600" cy="715963"/>
+          </a:xfrm>
+        </p:spPr>
+        <p:txBody>
+          <a:bodyPr rtlCol="0">
+            <a:normAutofit fontScale="90000"/>
+          </a:bodyPr>
+          <a:lstStyle/>
+          <a:p>
+            <a:pPr algn="l" fontAlgn="auto">
+              <a:spcAft>
+                <a:spcPts val="0"/>
+              </a:spcAft>
+              <a:defRPr/>
+            </a:pPr>
+            <a:r>
+              <a:rPr lang="en-US" dirty="0" smtClean="0"/>
+              <a:t/>
+            </a:r>
+            <a:br>
+              <a:rPr lang="en-US" dirty="0" smtClean="0"/>
+            </a:br>
+            <a:r>
+              <a:rPr lang="en-US" dirty="0"/>
+              <a:t>                  </a:t>
+            </a:r>
+            <a:br>
+              <a:rPr lang="en-US" dirty="0"/>
+            </a:br>
+            <a:r>
+              <a:rPr lang="en-US" dirty="0" smtClean="0"/>
+              <a:t/>
+            </a:r>
+            <a:br>
+              <a:rPr lang="en-US" dirty="0" smtClean="0"/>
+            </a:br>
+            <a:endParaRPr lang="en-US" dirty="0"/>
+          </a:p>
+        </p:txBody>
+      </p:sp>
+      <p:sp>
+        <p:nvSpPr>
+          <p:cNvPr id="3" name="Content Placeholder 2"/>
+          <p:cNvSpPr>
+            <a:spLocks noGrp="1"/>
+          </p:cNvSpPr>
+          <p:nvPr>
+            <p:ph idx="1"/>
+          </p:nvPr>
+        </p:nvSpPr>
+        <p:spPr>
+          <a:xfrm>
+            <a:off x="609600" y="1447800"/>
+            <a:ext cx="8229600" cy="4191000"/>
+          </a:xfrm>
+        </p:spPr>
+        <p:txBody>
+          <a:bodyPr rtlCol="0">
+            <a:noAutofit/>
+          </a:bodyPr>
+          <a:lstStyle/>
+          <a:p>
+            <a:pPr fontAlgn="auto">
+              <a:spcAft>
+                <a:spcPts val="0"/>
+              </a:spcAft>
+              <a:defRPr/>
+            </a:pPr>
+            <a:endParaRPr lang="en-US" sz="2400" dirty="0"/>
+          </a:p>
+          <a:p>
+            <a:pPr fontAlgn="auto">
+              <a:spcAft>
+                <a:spcPts val="0"/>
+              </a:spcAft>
+              <a:defRPr/>
+            </a:pPr>
+            <a:endParaRPr lang="en-US" sz="2400" b="1" dirty="0" smtClean="0"/>
+          </a:p>
+          <a:p>
+            <a:pPr fontAlgn="auto">
+              <a:spcAft>
+                <a:spcPts val="0"/>
+              </a:spcAft>
+              <a:defRPr/>
+            </a:pPr>
+            <a:endParaRPr lang="en-US" sz="2400" dirty="0"/>
+          </a:p>
+          <a:p>
+            <a:pPr fontAlgn="auto">
+              <a:spcAft>
+                <a:spcPts val="0"/>
+              </a:spcAft>
+              <a:defRPr/>
+            </a:pPr>
+            <a:endParaRPr lang="ro-RO" sz="2400" dirty="0" smtClean="0"/>
+          </a:p>
+          <a:p>
+            <a:pPr marL="0" indent="0" fontAlgn="auto">
+              <a:spcAft>
+                <a:spcPts val="0"/>
+              </a:spcAft>
+              <a:buFont typeface="Arial" pitchFamily="34" charset="0"/>
+              <a:buNone/>
+              <a:defRPr/>
+            </a:pPr>
+            <a:endParaRPr lang="en-GB" sz="2400" dirty="0" smtClean="0"/>
+          </a:p>
+          <a:p>
+            <a:pPr fontAlgn="auto">
+              <a:spcAft>
+                <a:spcPts val="0"/>
+              </a:spcAft>
+              <a:defRPr/>
+            </a:pPr>
+            <a:endParaRPr lang="en-US" sz="2000" dirty="0"/>
+          </a:p>
+        </p:txBody>
+      </p:sp>
+      <p:sp>
+        <p:nvSpPr>
+          <p:cNvPr id="4" name="Footer Placeholder 3"/>
+          <p:cNvSpPr>
+            <a:spLocks noGrp="1"/>
+          </p:cNvSpPr>
+          <p:nvPr>
+            <p:ph type="ftr" sz="quarter" idx="11"/>
+          </p:nvPr>
+        </p:nvSpPr>
+        <p:spPr/>
+        <p:txBody>
+          <a:bodyPr/>
+          <a:lstStyle/>
+          <a:p>
+            <a:pPr>
+              <a:defRPr/>
+            </a:pPr>
+            <a:endParaRPr lang="en-US" dirty="0"/>
+          </a:p>
+        </p:txBody>
+      </p:sp>
+      <p:sp>
+        <p:nvSpPr>
+          <p:cNvPr id="5" name="Slide Number Placeholder 4"/>
+          <p:cNvSpPr>
+            <a:spLocks noGrp="1"/>
+          </p:cNvSpPr>
+          <p:nvPr>
+            <p:ph type="sldNum" sz="quarter" idx="12"/>
+          </p:nvPr>
+        </p:nvSpPr>
+        <p:spPr/>
+        <p:txBody>
+          <a:bodyPr/>
+          <a:lstStyle/>
+          <a:p>
+            <a:pPr>
+              <a:defRPr/>
+            </a:pPr>
+            <a:endParaRPr lang="en-US" dirty="0"/>
+          </a:p>
+        </p:txBody>
+      </p:sp>
+      <p:cxnSp>
+        <p:nvCxnSpPr>
+          <p:cNvPr id="8" name="Straight Connector 7"/>
+          <p:cNvCxnSpPr/>
+          <p:nvPr/>
+        </p:nvCxnSpPr>
+        <p:spPr>
+          <a:xfrm>
+            <a:off x="685800" y="6629400"/>
+            <a:ext cx="8077200" cy="76200"/>
+          </a:xfrm>
+          <a:prstGeom prst="line">
+            <a:avLst/>
+          </a:prstGeom>
+          <a:ln w="63500">
+            <a:solidFill>
+              <a:srgbClr val="7030A0"/>
+            </a:solidFill>
+          </a:ln>
+        </p:spPr>
+        <p:style>
+          <a:lnRef idx="1">
+            <a:schemeClr val="accent1"/>
+          </a:lnRef>
+          <a:fillRef idx="0">
+            <a:schemeClr val="accent1"/>
+          </a:fillRef>
+          <a:effectRef idx="0">
+            <a:schemeClr val="accent1"/>
+          </a:effectRef>
+          <a:fontRef idx="minor">
+            <a:schemeClr val="tx1"/>
+          </a:fontRef>
+        </p:style>
+      </p:cxnSp>
+      <p:sp>
+        <p:nvSpPr>
+          <p:cNvPr id="9" name="Title 5"/>
+          <p:cNvSpPr txBox="1">
+            <a:spLocks/>
+          </p:cNvSpPr>
+          <p:nvPr/>
+        </p:nvSpPr>
+        <p:spPr bwMode="auto">
+          <a:xfrm>
+            <a:off x="495300" y="304800"/>
+            <a:ext cx="8229600" cy="1143000"/>
+          </a:xfrm>
+          <a:prstGeom prst="rect">
+            <a:avLst/>
+          </a:prstGeom>
+          <a:noFill/>
+          <a:ln>
+            <a:noFill/>
+          </a:ln>
+          <a:extLst>
+            <a:ext uri="{909E8E84-426E-40DD-AFC4-6F175D3DCCD1}">
+              <a14:hiddenFill xmlns:a14="http://schemas.microsoft.com/office/drawing/2010/main">
+                <a:solidFill>
+                  <a:srgbClr val="FFFFFF"/>
+                </a:solidFill>
+              </a14:hiddenFill>
+            </a:ext>
+            <a:ext uri="{91240B29-F687-4F45-9708-019B960494DF}">
+              <a14:hiddenLine xmlns:a14="http://schemas.microsoft.com/office/drawing/2010/main" w="9525">
+                <a:solidFill>
+                  <a:srgbClr val="000000"/>
+                </a:solidFill>
+                <a:miter lim="800000"/>
+                <a:headEnd/>
+                <a:tailEnd/>
+              </a14:hiddenLine>
+            </a:ext>
+          </a:extLst>
+        </p:spPr>
+        <p:txBody>
+          <a:bodyPr vert="horz" wrap="square" lIns="91440" tIns="45720" rIns="91440" bIns="45720" numCol="1" anchor="ctr" anchorCtr="0" compatLnSpc="1">
+            <a:prstTxWarp prst="textNoShape">
+              <a:avLst/>
+            </a:prstTxWarp>
+          </a:bodyPr>
+          <a:lstStyle>
+            <a:lvl1pPr algn="ctr" rtl="0" fontAlgn="base">
+              <a:spcBef>
+                <a:spcPct val="0"/>
+              </a:spcBef>
+              <a:spcAft>
+                <a:spcPct val="0"/>
+              </a:spcAft>
+              <a:defRPr sz="4400" kern="1200">
+                <a:solidFill>
+                  <a:schemeClr val="tx1"/>
+                </a:solidFill>
+                <a:latin typeface="+mj-lt"/>
+                <a:ea typeface="+mj-ea"/>
+                <a:cs typeface="+mj-cs"/>
+              </a:defRPr>
+            </a:lvl1pPr>
+            <a:lvl2pPr algn="ctr" rtl="0" fontAlgn="base">
+              <a:spcBef>
+                <a:spcPct val="0"/>
+              </a:spcBef>
+              <a:spcAft>
+                <a:spcPct val="0"/>
+              </a:spcAft>
+              <a:defRPr sz="4400">
+                <a:solidFill>
+                  <a:schemeClr val="tx1"/>
+                </a:solidFill>
+                <a:latin typeface="Calibri" pitchFamily="34" charset="0"/>
+              </a:defRPr>
+            </a:lvl2pPr>
+            <a:lvl3pPr algn="ctr" rtl="0" fontAlgn="base">
+              <a:spcBef>
+                <a:spcPct val="0"/>
+              </a:spcBef>
+              <a:spcAft>
+                <a:spcPct val="0"/>
+              </a:spcAft>
+              <a:defRPr sz="4400">
+                <a:solidFill>
+                  <a:schemeClr val="tx1"/>
+                </a:solidFill>
+                <a:latin typeface="Calibri" pitchFamily="34" charset="0"/>
+              </a:defRPr>
+            </a:lvl3pPr>
+            <a:lvl4pPr algn="ctr" rtl="0" fontAlgn="base">
+              <a:spcBef>
+                <a:spcPct val="0"/>
+              </a:spcBef>
+              <a:spcAft>
+                <a:spcPct val="0"/>
+              </a:spcAft>
+              <a:defRPr sz="4400">
+                <a:solidFill>
+                  <a:schemeClr val="tx1"/>
+                </a:solidFill>
+                <a:latin typeface="Calibri" pitchFamily="34" charset="0"/>
+              </a:defRPr>
+            </a:lvl4pPr>
+            <a:lvl5pPr algn="ctr" rtl="0" fontAlgn="base">
+              <a:spcBef>
+                <a:spcPct val="0"/>
+              </a:spcBef>
+              <a:spcAft>
+                <a:spcPct val="0"/>
+              </a:spcAft>
+              <a:defRPr sz="4400">
+                <a:solidFill>
+                  <a:schemeClr val="tx1"/>
+                </a:solidFill>
+                <a:latin typeface="Calibri" pitchFamily="34" charset="0"/>
+              </a:defRPr>
+            </a:lvl5pPr>
+            <a:lvl6pPr marL="457200" algn="ctr" rtl="0" fontAlgn="base">
+              <a:spcBef>
+                <a:spcPct val="0"/>
+              </a:spcBef>
+              <a:spcAft>
+                <a:spcPct val="0"/>
+              </a:spcAft>
+              <a:defRPr sz="4400">
+                <a:solidFill>
+                  <a:schemeClr val="tx1"/>
+                </a:solidFill>
+                <a:latin typeface="Calibri" pitchFamily="34" charset="0"/>
+              </a:defRPr>
+            </a:lvl6pPr>
+            <a:lvl7pPr marL="914400" algn="ctr" rtl="0" fontAlgn="base">
+              <a:spcBef>
+                <a:spcPct val="0"/>
+              </a:spcBef>
+              <a:spcAft>
+                <a:spcPct val="0"/>
+              </a:spcAft>
+              <a:defRPr sz="4400">
+                <a:solidFill>
+                  <a:schemeClr val="tx1"/>
+                </a:solidFill>
+                <a:latin typeface="Calibri" pitchFamily="34" charset="0"/>
+              </a:defRPr>
+            </a:lvl7pPr>
+            <a:lvl8pPr marL="1371600" algn="ctr" rtl="0" fontAlgn="base">
+              <a:spcBef>
+                <a:spcPct val="0"/>
+              </a:spcBef>
+              <a:spcAft>
+                <a:spcPct val="0"/>
+              </a:spcAft>
+              <a:defRPr sz="4400">
+                <a:solidFill>
+                  <a:schemeClr val="tx1"/>
+                </a:solidFill>
+                <a:latin typeface="Calibri" pitchFamily="34" charset="0"/>
+              </a:defRPr>
+            </a:lvl8pPr>
+            <a:lvl9pPr marL="1828800" algn="ctr" rtl="0" fontAlgn="base">
+              <a:spcBef>
+                <a:spcPct val="0"/>
+              </a:spcBef>
+              <a:spcAft>
+                <a:spcPct val="0"/>
+              </a:spcAft>
+              <a:defRPr sz="4400">
+                <a:solidFill>
+                  <a:schemeClr val="tx1"/>
+                </a:solidFill>
+                <a:latin typeface="Calibri" pitchFamily="34" charset="0"/>
+              </a:defRPr>
+            </a:lvl9pPr>
+          </a:lstStyle>
+          <a:p>
+            <a:r>
+              <a:rPr lang="en-US" dirty="0" smtClean="0"/>
+              <a:t>Classification model comparison</a:t>
+            </a:r>
+            <a:endParaRPr lang="en-US" dirty="0"/>
+          </a:p>
+        </p:txBody>
+      </p:sp>
+      <p:pic>
+        <p:nvPicPr>
+          <p:cNvPr id="10" name="Picture 9"/>
+          <p:cNvPicPr>
+            <a:picLocks noChangeAspect="1"/>
+          </p:cNvPicPr>
+          <p:nvPr/>
+        </p:nvPicPr>
+        <p:blipFill>
+          <a:blip r:embed="rId2">
+            <a:extLst>
+              <a:ext uri="{28A0092B-C50C-407E-A947-70E740481C1C}">
+                <a14:useLocalDpi xmlns:a14="http://schemas.microsoft.com/office/drawing/2010/main" val="0"/>
+              </a:ext>
+            </a:extLst>
+          </a:blip>
+          <a:stretch>
+            <a:fillRect/>
+          </a:stretch>
+        </p:blipFill>
+        <p:spPr>
+          <a:xfrm>
+            <a:off x="6705600" y="228600"/>
+            <a:ext cx="2225040" cy="434340"/>
+          </a:xfrm>
+          <a:prstGeom prst="rect">
+            <a:avLst/>
+          </a:prstGeom>
+        </p:spPr>
+      </p:pic>
+      <p:graphicFrame>
+        <p:nvGraphicFramePr>
+          <p:cNvPr id="6" name="Table 5"/>
+          <p:cNvGraphicFramePr>
+            <a:graphicFrameLocks noGrp="1"/>
+          </p:cNvGraphicFramePr>
+          <p:nvPr>
+            <p:extLst>
+              <p:ext uri="{D42A27DB-BD31-4B8C-83A1-F6EECF244321}">
+                <p14:modId xmlns:p14="http://schemas.microsoft.com/office/powerpoint/2010/main" val="681109629"/>
+              </p:ext>
+            </p:extLst>
+          </p:nvPr>
+        </p:nvGraphicFramePr>
+        <p:xfrm>
+          <a:off x="533400" y="1752600"/>
+          <a:ext cx="8001000" cy="1854200"/>
+        </p:xfrm>
+        <a:graphic>
+          <a:graphicData uri="http://schemas.openxmlformats.org/drawingml/2006/table">
+            <a:tbl>
+              <a:tblPr firstRow="1" bandRow="1">
+                <a:tableStyleId>{5C22544A-7EE6-4342-B048-85BDC9FD1C3A}</a:tableStyleId>
+              </a:tblPr>
+              <a:tblGrid>
+                <a:gridCol w="2590800"/>
+                <a:gridCol w="3048000"/>
+                <a:gridCol w="2362200"/>
+              </a:tblGrid>
+              <a:tr h="370840">
+                <a:tc>
+                  <a:txBody>
+                    <a:bodyPr/>
+                    <a:lstStyle/>
+                    <a:p>
+                      <a:r>
+                        <a:rPr lang="en-US" dirty="0" smtClean="0"/>
+                        <a:t>Model</a:t>
+                      </a:r>
+                      <a:endParaRPr lang="en-US" dirty="0"/>
+                    </a:p>
+                  </a:txBody>
+                  <a:tcPr/>
+                </a:tc>
+                <a:tc>
+                  <a:txBody>
+                    <a:bodyPr/>
+                    <a:lstStyle/>
+                    <a:p>
+                      <a:r>
+                        <a:rPr lang="en-US" dirty="0" smtClean="0"/>
+                        <a:t>Action</a:t>
+                      </a:r>
+                      <a:endParaRPr lang="en-US" dirty="0"/>
+                    </a:p>
+                  </a:txBody>
+                  <a:tcPr/>
+                </a:tc>
+                <a:tc>
+                  <a:txBody>
+                    <a:bodyPr/>
+                    <a:lstStyle/>
+                    <a:p>
+                      <a:r>
+                        <a:rPr lang="en-US" dirty="0" smtClean="0"/>
+                        <a:t>Exec time (sec)</a:t>
+                      </a:r>
+                      <a:endParaRPr lang="en-US" dirty="0"/>
+                    </a:p>
+                  </a:txBody>
+                  <a:tcPr/>
+                </a:tc>
+              </a:tr>
+              <a:tr h="370840">
+                <a:tc>
+                  <a:txBody>
+                    <a:bodyPr/>
+                    <a:lstStyle/>
+                    <a:p>
+                      <a:r>
+                        <a:rPr lang="en-US" sz="1500" b="1" dirty="0" smtClean="0"/>
+                        <a:t>Naive Bayes Classifier </a:t>
+                      </a:r>
+                      <a:endParaRPr lang="en-US" sz="1500" dirty="0"/>
+                    </a:p>
+                  </a:txBody>
+                  <a:tcPr/>
+                </a:tc>
+                <a:tc>
+                  <a:txBody>
+                    <a:bodyPr/>
+                    <a:lstStyle/>
+                    <a:p>
+                      <a:pPr marL="0" marR="0" indent="0" algn="l" defTabSz="914400" rtl="0" eaLnBrk="1" fontAlgn="auto" latinLnBrk="0" hangingPunct="1">
+                        <a:lnSpc>
+                          <a:spcPct val="100000"/>
+                        </a:lnSpc>
+                        <a:spcBef>
+                          <a:spcPts val="0"/>
+                        </a:spcBef>
+                        <a:spcAft>
+                          <a:spcPts val="0"/>
+                        </a:spcAft>
+                        <a:buClrTx/>
+                        <a:buSzTx/>
+                        <a:buFontTx/>
+                        <a:buNone/>
+                        <a:tabLst/>
+                        <a:defRPr/>
+                      </a:pPr>
+                      <a:r>
+                        <a:rPr lang="en-US" sz="1400" kern="1200" dirty="0" smtClean="0">
+                          <a:solidFill>
+                            <a:schemeClr val="dk1"/>
+                          </a:solidFill>
+                          <a:latin typeface="+mn-lt"/>
+                          <a:ea typeface="+mn-ea"/>
+                          <a:cs typeface="+mn-cs"/>
+                        </a:rPr>
+                        <a:t>Prediction of a question</a:t>
+                      </a:r>
+                    </a:p>
+                  </a:txBody>
+                  <a:tcPr/>
+                </a:tc>
+                <a:tc>
+                  <a:txBody>
+                    <a:bodyPr/>
+                    <a:lstStyle/>
+                    <a:p>
+                      <a:pPr marL="0" marR="0" indent="0" algn="l" defTabSz="914400" rtl="0" eaLnBrk="1" fontAlgn="auto" latinLnBrk="0" hangingPunct="1">
+                        <a:lnSpc>
+                          <a:spcPct val="100000"/>
+                        </a:lnSpc>
+                        <a:spcBef>
+                          <a:spcPts val="0"/>
+                        </a:spcBef>
+                        <a:spcAft>
+                          <a:spcPts val="0"/>
+                        </a:spcAft>
+                        <a:buClrTx/>
+                        <a:buSzTx/>
+                        <a:buFontTx/>
+                        <a:buNone/>
+                        <a:tabLst/>
+                        <a:defRPr/>
+                      </a:pPr>
+                      <a:r>
+                        <a:rPr lang="en-US" sz="1500" kern="1200" dirty="0" smtClean="0">
+                          <a:solidFill>
+                            <a:schemeClr val="dk1"/>
+                          </a:solidFill>
+                          <a:latin typeface="+mn-lt"/>
+                          <a:ea typeface="+mn-ea"/>
+                          <a:cs typeface="+mn-cs"/>
+                        </a:rPr>
+                        <a:t>0.059999942779541016</a:t>
+                      </a:r>
+                    </a:p>
+                  </a:txBody>
+                  <a:tcPr/>
+                </a:tc>
+              </a:tr>
+              <a:tr h="370840">
+                <a:tc>
+                  <a:txBody>
+                    <a:bodyPr/>
+                    <a:lstStyle/>
+                    <a:p>
+                      <a:r>
+                        <a:rPr lang="en-US" sz="1500" b="1" dirty="0" smtClean="0"/>
+                        <a:t>Naive Bayes Classifier </a:t>
+                      </a:r>
+                      <a:endParaRPr lang="en-US" sz="1500" dirty="0"/>
+                    </a:p>
+                  </a:txBody>
+                  <a:tcPr/>
+                </a:tc>
+                <a:tc>
+                  <a:txBody>
+                    <a:bodyPr/>
+                    <a:lstStyle/>
+                    <a:p>
+                      <a:pPr marL="0" marR="0" indent="0" algn="l" defTabSz="914400" rtl="0" eaLnBrk="1" fontAlgn="auto" latinLnBrk="0" hangingPunct="1">
+                        <a:lnSpc>
+                          <a:spcPct val="100000"/>
+                        </a:lnSpc>
+                        <a:spcBef>
+                          <a:spcPts val="0"/>
+                        </a:spcBef>
+                        <a:spcAft>
+                          <a:spcPts val="0"/>
+                        </a:spcAft>
+                        <a:buClrTx/>
+                        <a:buSzTx/>
+                        <a:buFontTx/>
+                        <a:buNone/>
+                        <a:tabLst/>
+                        <a:defRPr/>
+                      </a:pPr>
+                      <a:r>
+                        <a:rPr lang="en-US" sz="1400" kern="1200" dirty="0" smtClean="0">
+                          <a:solidFill>
+                            <a:schemeClr val="dk1"/>
+                          </a:solidFill>
+                          <a:latin typeface="+mn-lt"/>
+                          <a:ea typeface="+mn-ea"/>
+                          <a:cs typeface="+mn-cs"/>
+                        </a:rPr>
+                        <a:t>Performance tests time</a:t>
+                      </a:r>
+                      <a:endParaRPr lang="en-US" sz="1400" kern="1200" dirty="0">
+                        <a:solidFill>
+                          <a:schemeClr val="dk1"/>
+                        </a:solidFill>
+                        <a:latin typeface="+mn-lt"/>
+                        <a:ea typeface="+mn-ea"/>
+                        <a:cs typeface="+mn-cs"/>
+                      </a:endParaRPr>
+                    </a:p>
+                  </a:txBody>
+                  <a:tcPr/>
+                </a:tc>
+                <a:tc>
+                  <a:txBody>
+                    <a:bodyPr/>
+                    <a:lstStyle/>
+                    <a:p>
+                      <a:pPr marL="0" marR="0" indent="0" algn="l" defTabSz="914400" rtl="0" eaLnBrk="1" fontAlgn="auto" latinLnBrk="0" hangingPunct="1">
+                        <a:lnSpc>
+                          <a:spcPct val="100000"/>
+                        </a:lnSpc>
+                        <a:spcBef>
+                          <a:spcPts val="0"/>
+                        </a:spcBef>
+                        <a:spcAft>
+                          <a:spcPts val="0"/>
+                        </a:spcAft>
+                        <a:buClrTx/>
+                        <a:buSzTx/>
+                        <a:buFontTx/>
+                        <a:buNone/>
+                        <a:tabLst/>
+                        <a:defRPr/>
+                      </a:pPr>
+                      <a:r>
+                        <a:rPr lang="en-US" sz="1500" kern="1200" dirty="0" smtClean="0">
+                          <a:solidFill>
+                            <a:schemeClr val="dk1"/>
+                          </a:solidFill>
+                          <a:latin typeface="+mn-lt"/>
+                          <a:ea typeface="+mn-ea"/>
+                          <a:cs typeface="+mn-cs"/>
+                        </a:rPr>
+                        <a:t>0.10199999809265137</a:t>
+                      </a:r>
+                      <a:endParaRPr lang="en-US" sz="1500" kern="1200" dirty="0">
+                        <a:solidFill>
+                          <a:schemeClr val="dk1"/>
+                        </a:solidFill>
+                        <a:latin typeface="+mn-lt"/>
+                        <a:ea typeface="+mn-ea"/>
+                        <a:cs typeface="+mn-cs"/>
+                      </a:endParaRPr>
+                    </a:p>
+                  </a:txBody>
+                  <a:tcPr/>
+                </a:tc>
+              </a:tr>
+              <a:tr h="370840">
+                <a:tc>
+                  <a:txBody>
+                    <a:bodyPr/>
+                    <a:lstStyle/>
+                    <a:p>
+                      <a:r>
+                        <a:rPr lang="en-US" sz="1500" b="1" kern="1200" dirty="0" smtClean="0">
+                          <a:solidFill>
+                            <a:schemeClr val="dk1"/>
+                          </a:solidFill>
+                          <a:latin typeface="+mn-lt"/>
+                          <a:ea typeface="+mn-ea"/>
+                          <a:cs typeface="+mn-cs"/>
+                        </a:rPr>
+                        <a:t>Support Vector Machines</a:t>
+                      </a:r>
+                      <a:endParaRPr lang="en-US" sz="1500" b="1" kern="1200" dirty="0">
+                        <a:solidFill>
+                          <a:schemeClr val="dk1"/>
+                        </a:solidFill>
+                        <a:latin typeface="+mn-lt"/>
+                        <a:ea typeface="+mn-ea"/>
+                        <a:cs typeface="+mn-cs"/>
+                      </a:endParaRPr>
+                    </a:p>
+                  </a:txBody>
+                  <a:tcPr/>
+                </a:tc>
+                <a:tc>
+                  <a:txBody>
+                    <a:bodyPr/>
+                    <a:lstStyle/>
+                    <a:p>
+                      <a:pPr marL="0" marR="0" indent="0" algn="l" defTabSz="914400" rtl="0" eaLnBrk="1" fontAlgn="auto" latinLnBrk="0" hangingPunct="1">
+                        <a:lnSpc>
+                          <a:spcPct val="100000"/>
+                        </a:lnSpc>
+                        <a:spcBef>
+                          <a:spcPts val="0"/>
+                        </a:spcBef>
+                        <a:spcAft>
+                          <a:spcPts val="0"/>
+                        </a:spcAft>
+                        <a:buClrTx/>
+                        <a:buSzTx/>
+                        <a:buFontTx/>
+                        <a:buNone/>
+                        <a:tabLst/>
+                        <a:defRPr/>
+                      </a:pPr>
+                      <a:r>
+                        <a:rPr lang="en-US" sz="1400" kern="1200" dirty="0" smtClean="0">
+                          <a:solidFill>
+                            <a:schemeClr val="dk1"/>
+                          </a:solidFill>
+                          <a:latin typeface="+mn-lt"/>
+                          <a:ea typeface="+mn-ea"/>
+                          <a:cs typeface="+mn-cs"/>
+                        </a:rPr>
+                        <a:t>Prediction of a question</a:t>
+                      </a:r>
+                    </a:p>
+                  </a:txBody>
+                  <a:tcPr/>
+                </a:tc>
+                <a:tc>
+                  <a:txBody>
+                    <a:bodyPr/>
+                    <a:lstStyle/>
+                    <a:p>
+                      <a:pPr marL="0" marR="0" indent="0" algn="l" defTabSz="914400" rtl="0" eaLnBrk="1" fontAlgn="auto" latinLnBrk="0" hangingPunct="1">
+                        <a:lnSpc>
+                          <a:spcPct val="100000"/>
+                        </a:lnSpc>
+                        <a:spcBef>
+                          <a:spcPts val="0"/>
+                        </a:spcBef>
+                        <a:spcAft>
+                          <a:spcPts val="0"/>
+                        </a:spcAft>
+                        <a:buClrTx/>
+                        <a:buSzTx/>
+                        <a:buFontTx/>
+                        <a:buNone/>
+                        <a:tabLst/>
+                        <a:defRPr/>
+                      </a:pPr>
+                      <a:r>
+                        <a:rPr lang="en-US" sz="1500" kern="1200" dirty="0" smtClean="0">
+                          <a:solidFill>
+                            <a:schemeClr val="dk1"/>
+                          </a:solidFill>
+                          <a:latin typeface="+mn-lt"/>
+                          <a:ea typeface="+mn-ea"/>
+                          <a:cs typeface="+mn-cs"/>
+                        </a:rPr>
+                        <a:t>993.8599998950958</a:t>
+                      </a:r>
+                      <a:endParaRPr lang="en-US" sz="1500" kern="1200" dirty="0">
+                        <a:solidFill>
+                          <a:schemeClr val="dk1"/>
+                        </a:solidFill>
+                        <a:latin typeface="+mn-lt"/>
+                        <a:ea typeface="+mn-ea"/>
+                        <a:cs typeface="+mn-cs"/>
+                      </a:endParaRPr>
+                    </a:p>
+                  </a:txBody>
+                  <a:tcPr/>
+                </a:tc>
+              </a:tr>
+              <a:tr h="370840">
+                <a:tc>
+                  <a:txBody>
+                    <a:bodyPr/>
+                    <a:lstStyle/>
+                    <a:p>
+                      <a:pPr marL="0" marR="0" indent="0" algn="l" defTabSz="914400" rtl="0" eaLnBrk="1" fontAlgn="auto" latinLnBrk="0" hangingPunct="1">
+                        <a:lnSpc>
+                          <a:spcPct val="100000"/>
+                        </a:lnSpc>
+                        <a:spcBef>
+                          <a:spcPts val="0"/>
+                        </a:spcBef>
+                        <a:spcAft>
+                          <a:spcPts val="0"/>
+                        </a:spcAft>
+                        <a:buClrTx/>
+                        <a:buSzTx/>
+                        <a:buFontTx/>
+                        <a:buNone/>
+                        <a:tabLst/>
+                        <a:defRPr/>
+                      </a:pPr>
+                      <a:r>
+                        <a:rPr lang="en-US" sz="1500" b="1" kern="1200" dirty="0" smtClean="0">
+                          <a:solidFill>
+                            <a:schemeClr val="dk1"/>
+                          </a:solidFill>
+                          <a:latin typeface="+mn-lt"/>
+                          <a:ea typeface="+mn-ea"/>
+                          <a:cs typeface="+mn-cs"/>
+                        </a:rPr>
+                        <a:t>Support Vector Machines</a:t>
+                      </a:r>
+                    </a:p>
+                  </a:txBody>
+                  <a:tcPr/>
+                </a:tc>
+                <a:tc>
+                  <a:txBody>
+                    <a:bodyPr/>
+                    <a:lstStyle/>
+                    <a:p>
+                      <a:pPr marL="0" marR="0" indent="0" algn="l" defTabSz="914400" rtl="0" eaLnBrk="1" fontAlgn="auto" latinLnBrk="0" hangingPunct="1">
+                        <a:lnSpc>
+                          <a:spcPct val="100000"/>
+                        </a:lnSpc>
+                        <a:spcBef>
+                          <a:spcPts val="0"/>
+                        </a:spcBef>
+                        <a:spcAft>
+                          <a:spcPts val="0"/>
+                        </a:spcAft>
+                        <a:buClrTx/>
+                        <a:buSzTx/>
+                        <a:buFontTx/>
+                        <a:buNone/>
+                        <a:tabLst/>
+                        <a:defRPr/>
+                      </a:pPr>
+                      <a:r>
+                        <a:rPr lang="en-US" sz="1400" dirty="0" smtClean="0"/>
+                        <a:t>Performance tests time</a:t>
+                      </a:r>
+                    </a:p>
+                  </a:txBody>
+                  <a:tcPr/>
+                </a:tc>
+                <a:tc>
+                  <a:txBody>
+                    <a:bodyPr/>
+                    <a:lstStyle/>
+                    <a:p>
+                      <a:pPr marL="0" marR="0" indent="0" algn="l" defTabSz="914400" rtl="0" eaLnBrk="1" fontAlgn="auto" latinLnBrk="0" hangingPunct="1">
+                        <a:lnSpc>
+                          <a:spcPct val="100000"/>
+                        </a:lnSpc>
+                        <a:spcBef>
+                          <a:spcPts val="0"/>
+                        </a:spcBef>
+                        <a:spcAft>
+                          <a:spcPts val="0"/>
+                        </a:spcAft>
+                        <a:buClrTx/>
+                        <a:buSzTx/>
+                        <a:buFontTx/>
+                        <a:buNone/>
+                        <a:tabLst/>
+                        <a:defRPr/>
+                      </a:pPr>
+                      <a:r>
+                        <a:rPr lang="en-US" sz="1500" kern="1200" dirty="0" smtClean="0">
+                          <a:solidFill>
+                            <a:schemeClr val="dk1"/>
+                          </a:solidFill>
+                          <a:latin typeface="+mn-lt"/>
+                          <a:ea typeface="+mn-ea"/>
+                          <a:cs typeface="+mn-cs"/>
+                        </a:rPr>
+                        <a:t>593.0480000972748</a:t>
+                      </a:r>
+                      <a:endParaRPr lang="en-US" sz="1500" kern="1200" dirty="0">
+                        <a:solidFill>
+                          <a:schemeClr val="dk1"/>
+                        </a:solidFill>
+                        <a:latin typeface="+mn-lt"/>
+                        <a:ea typeface="+mn-ea"/>
+                        <a:cs typeface="+mn-cs"/>
+                      </a:endParaRPr>
+                    </a:p>
+                  </a:txBody>
+                  <a:tcPr/>
+                </a:tc>
+              </a:tr>
+            </a:tbl>
+          </a:graphicData>
+        </a:graphic>
+      </p:graphicFrame>
+      <p:graphicFrame>
+        <p:nvGraphicFramePr>
+          <p:cNvPr id="7" name="Table 6"/>
+          <p:cNvGraphicFramePr>
+            <a:graphicFrameLocks noGrp="1"/>
+          </p:cNvGraphicFramePr>
+          <p:nvPr>
+            <p:extLst>
+              <p:ext uri="{D42A27DB-BD31-4B8C-83A1-F6EECF244321}">
+                <p14:modId xmlns:p14="http://schemas.microsoft.com/office/powerpoint/2010/main" val="2206770959"/>
+              </p:ext>
+            </p:extLst>
+          </p:nvPr>
+        </p:nvGraphicFramePr>
+        <p:xfrm>
+          <a:off x="495300" y="3810000"/>
+          <a:ext cx="8001000" cy="1290320"/>
+        </p:xfrm>
+        <a:graphic>
+          <a:graphicData uri="http://schemas.openxmlformats.org/drawingml/2006/table">
+            <a:tbl>
+              <a:tblPr firstRow="1" bandRow="1">
+                <a:tableStyleId>{5C22544A-7EE6-4342-B048-85BDC9FD1C3A}</a:tableStyleId>
+              </a:tblPr>
+              <a:tblGrid>
+                <a:gridCol w="2590800"/>
+                <a:gridCol w="1600200"/>
+                <a:gridCol w="1981200"/>
+                <a:gridCol w="1828800"/>
+              </a:tblGrid>
+              <a:tr h="370840">
+                <a:tc>
+                  <a:txBody>
+                    <a:bodyPr/>
+                    <a:lstStyle/>
+                    <a:p>
+                      <a:r>
+                        <a:rPr lang="en-US" dirty="0" smtClean="0"/>
+                        <a:t>Model</a:t>
+                      </a:r>
+                      <a:endParaRPr lang="en-US" dirty="0"/>
+                    </a:p>
+                  </a:txBody>
+                  <a:tcPr/>
+                </a:tc>
+                <a:tc>
+                  <a:txBody>
+                    <a:bodyPr/>
+                    <a:lstStyle/>
+                    <a:p>
+                      <a:r>
+                        <a:rPr lang="en-US" dirty="0" smtClean="0"/>
+                        <a:t>Accuracy score</a:t>
+                      </a:r>
+                      <a:endParaRPr lang="en-US" dirty="0"/>
+                    </a:p>
+                  </a:txBody>
+                  <a:tcPr/>
+                </a:tc>
+                <a:tc>
+                  <a:txBody>
+                    <a:bodyPr/>
+                    <a:lstStyle/>
+                    <a:p>
+                      <a:r>
+                        <a:rPr lang="en-US" dirty="0" smtClean="0"/>
+                        <a:t>Precision score</a:t>
+                      </a:r>
+                      <a:endParaRPr lang="en-US" dirty="0"/>
+                    </a:p>
+                  </a:txBody>
+                  <a:tcPr/>
+                </a:tc>
+                <a:tc>
+                  <a:txBody>
+                    <a:bodyPr/>
+                    <a:lstStyle/>
+                    <a:p>
+                      <a:r>
+                        <a:rPr lang="en-US" dirty="0" smtClean="0"/>
+                        <a:t>Recall score</a:t>
+                      </a:r>
+                      <a:endParaRPr lang="en-US" dirty="0"/>
+                    </a:p>
+                  </a:txBody>
+                  <a:tcPr/>
+                </a:tc>
+              </a:tr>
+              <a:tr h="370840">
+                <a:tc>
+                  <a:txBody>
+                    <a:bodyPr/>
+                    <a:lstStyle/>
+                    <a:p>
+                      <a:pPr marL="0" marR="0" indent="0" algn="l" defTabSz="914400" rtl="0" eaLnBrk="1" fontAlgn="auto" latinLnBrk="0" hangingPunct="1">
+                        <a:lnSpc>
+                          <a:spcPct val="100000"/>
+                        </a:lnSpc>
+                        <a:spcBef>
+                          <a:spcPts val="0"/>
+                        </a:spcBef>
+                        <a:spcAft>
+                          <a:spcPts val="0"/>
+                        </a:spcAft>
+                        <a:buClrTx/>
+                        <a:buSzTx/>
+                        <a:buFontTx/>
+                        <a:buNone/>
+                        <a:tabLst/>
+                        <a:defRPr/>
+                      </a:pPr>
+                      <a:r>
+                        <a:rPr lang="en-US" sz="1500" b="1" kern="1200" dirty="0" smtClean="0">
+                          <a:solidFill>
+                            <a:schemeClr val="dk1"/>
+                          </a:solidFill>
+                          <a:latin typeface="+mn-lt"/>
+                          <a:ea typeface="+mn-ea"/>
+                          <a:cs typeface="+mn-cs"/>
+                        </a:rPr>
+                        <a:t>Naive Bayes Classifier </a:t>
+                      </a:r>
+                    </a:p>
+                    <a:p>
+                      <a:endParaRPr lang="en-US" sz="1500" b="1" kern="1200" dirty="0">
+                        <a:solidFill>
+                          <a:schemeClr val="dk1"/>
+                        </a:solidFill>
+                        <a:latin typeface="+mn-lt"/>
+                        <a:ea typeface="+mn-ea"/>
+                        <a:cs typeface="+mn-cs"/>
+                      </a:endParaRPr>
+                    </a:p>
+                  </a:txBody>
+                  <a:tcPr/>
+                </a:tc>
+                <a:tc>
+                  <a:txBody>
+                    <a:bodyPr/>
+                    <a:lstStyle/>
+                    <a:p>
+                      <a:pPr marL="0" algn="l" defTabSz="914400" rtl="0" eaLnBrk="1" latinLnBrk="0" hangingPunct="1"/>
+                      <a:r>
+                        <a:rPr lang="en-US" sz="1200" kern="1200" dirty="0" smtClean="0">
+                          <a:solidFill>
+                            <a:schemeClr val="dk1"/>
+                          </a:solidFill>
+                          <a:latin typeface="+mn-lt"/>
+                          <a:ea typeface="+mn-ea"/>
+                          <a:cs typeface="+mn-cs"/>
+                        </a:rPr>
+                        <a:t>0.5993678387988938</a:t>
+                      </a:r>
+                      <a:endParaRPr lang="en-US" sz="1200" kern="1200" dirty="0">
+                        <a:solidFill>
+                          <a:schemeClr val="dk1"/>
+                        </a:solidFill>
+                        <a:latin typeface="+mn-lt"/>
+                        <a:ea typeface="+mn-ea"/>
+                        <a:cs typeface="+mn-cs"/>
+                      </a:endParaRPr>
+                    </a:p>
+                  </a:txBody>
+                  <a:tcPr/>
+                </a:tc>
+                <a:tc>
+                  <a:txBody>
+                    <a:bodyPr/>
+                    <a:lstStyle/>
+                    <a:p>
+                      <a:pPr marL="0" algn="l" defTabSz="914400" rtl="0" eaLnBrk="1" latinLnBrk="0" hangingPunct="1"/>
+                      <a:r>
+                        <a:rPr lang="en-US" sz="1200" kern="1200" dirty="0" smtClean="0">
+                          <a:solidFill>
+                            <a:schemeClr val="dk1"/>
+                          </a:solidFill>
+                          <a:latin typeface="+mn-lt"/>
+                          <a:ea typeface="+mn-ea"/>
+                          <a:cs typeface="+mn-cs"/>
+                        </a:rPr>
+                        <a:t>0.6002485948984003</a:t>
+                      </a:r>
+                      <a:endParaRPr lang="en-US" sz="1200" kern="1200" dirty="0">
+                        <a:solidFill>
+                          <a:schemeClr val="dk1"/>
+                        </a:solidFill>
+                        <a:latin typeface="+mn-lt"/>
+                        <a:ea typeface="+mn-ea"/>
+                        <a:cs typeface="+mn-cs"/>
+                      </a:endParaRPr>
+                    </a:p>
+                  </a:txBody>
+                  <a:tcPr/>
+                </a:tc>
+                <a:tc>
+                  <a:txBody>
+                    <a:bodyPr/>
+                    <a:lstStyle/>
+                    <a:p>
+                      <a:pPr marL="0" algn="l" defTabSz="914400" rtl="0" eaLnBrk="1" latinLnBrk="0" hangingPunct="1"/>
+                      <a:r>
+                        <a:rPr lang="en-US" sz="1200" kern="1200" dirty="0" smtClean="0">
+                          <a:solidFill>
+                            <a:schemeClr val="dk1"/>
+                          </a:solidFill>
+                          <a:latin typeface="+mn-lt"/>
+                          <a:ea typeface="+mn-ea"/>
+                          <a:cs typeface="+mn-cs"/>
+                        </a:rPr>
+                        <a:t>0.9816173221387539</a:t>
+                      </a:r>
+                      <a:endParaRPr lang="en-US" sz="1200" kern="1200" dirty="0">
+                        <a:solidFill>
+                          <a:schemeClr val="dk1"/>
+                        </a:solidFill>
+                        <a:latin typeface="+mn-lt"/>
+                        <a:ea typeface="+mn-ea"/>
+                        <a:cs typeface="+mn-cs"/>
+                      </a:endParaRPr>
+                    </a:p>
+                  </a:txBody>
+                  <a:tcPr/>
+                </a:tc>
+              </a:tr>
+              <a:tr h="370840">
+                <a:tc>
+                  <a:txBody>
+                    <a:bodyPr/>
+                    <a:lstStyle/>
+                    <a:p>
+                      <a:r>
+                        <a:rPr lang="en-US" sz="1500" b="1" kern="1200" dirty="0" smtClean="0">
+                          <a:solidFill>
+                            <a:schemeClr val="dk1"/>
+                          </a:solidFill>
+                          <a:latin typeface="+mn-lt"/>
+                          <a:ea typeface="+mn-ea"/>
+                          <a:cs typeface="+mn-cs"/>
+                        </a:rPr>
+                        <a:t>Support Vector Machines</a:t>
+                      </a:r>
+                      <a:endParaRPr lang="en-US" sz="1500" b="1" kern="1200" dirty="0">
+                        <a:solidFill>
+                          <a:schemeClr val="dk1"/>
+                        </a:solidFill>
+                        <a:latin typeface="+mn-lt"/>
+                        <a:ea typeface="+mn-ea"/>
+                        <a:cs typeface="+mn-cs"/>
+                      </a:endParaRPr>
+                    </a:p>
+                  </a:txBody>
+                  <a:tcPr/>
+                </a:tc>
+                <a:tc>
+                  <a:txBody>
+                    <a:bodyPr/>
+                    <a:lstStyle/>
+                    <a:p>
+                      <a:r>
+                        <a:rPr lang="en-US" sz="1000" kern="1200" dirty="0" smtClean="0">
+                          <a:solidFill>
+                            <a:srgbClr val="000000"/>
+                          </a:solidFill>
+                          <a:latin typeface="Consolas"/>
+                          <a:ea typeface="+mn-ea"/>
+                          <a:cs typeface="+mn-cs"/>
+                        </a:rPr>
+                        <a:t>0.6008277033002016</a:t>
+                      </a:r>
+                      <a:endParaRPr lang="en-US" sz="1000" kern="1200" dirty="0">
+                        <a:solidFill>
+                          <a:srgbClr val="000000"/>
+                        </a:solidFill>
+                        <a:latin typeface="Consolas"/>
+                        <a:ea typeface="+mn-ea"/>
+                        <a:cs typeface="+mn-cs"/>
+                      </a:endParaRPr>
+                    </a:p>
+                  </a:txBody>
+                  <a:tcPr/>
+                </a:tc>
+                <a:tc>
+                  <a:txBody>
+                    <a:bodyPr/>
+                    <a:lstStyle/>
+                    <a:p>
+                      <a:r>
+                        <a:rPr lang="en-US" sz="1000" kern="1200" dirty="0" smtClean="0">
+                          <a:solidFill>
+                            <a:srgbClr val="000000"/>
+                          </a:solidFill>
+                          <a:latin typeface="Consolas"/>
+                          <a:ea typeface="+mn-ea"/>
+                          <a:cs typeface="+mn-cs"/>
+                        </a:rPr>
+                        <a:t>0.6008277033002016</a:t>
+                      </a:r>
+                      <a:endParaRPr lang="en-US" sz="1000" kern="1200" dirty="0">
+                        <a:solidFill>
+                          <a:srgbClr val="000000"/>
+                        </a:solidFill>
+                        <a:latin typeface="Consolas"/>
+                        <a:ea typeface="+mn-ea"/>
+                        <a:cs typeface="+mn-cs"/>
+                      </a:endParaRPr>
+                    </a:p>
+                  </a:txBody>
+                  <a:tcPr/>
+                </a:tc>
+                <a:tc>
+                  <a:txBody>
+                    <a:bodyPr/>
+                    <a:lstStyle/>
+                    <a:p>
+                      <a:r>
+                        <a:rPr lang="en-US" sz="1000" dirty="0" smtClean="0">
+                          <a:solidFill>
+                            <a:srgbClr val="000000"/>
+                          </a:solidFill>
+                          <a:latin typeface="Consolas"/>
+                        </a:rPr>
+                        <a:t>1.0</a:t>
+                      </a:r>
+                      <a:endParaRPr lang="en-US" dirty="0"/>
+                    </a:p>
+                  </a:txBody>
+                  <a:tcPr/>
+                </a:tc>
+              </a:tr>
+            </a:tbl>
+          </a:graphicData>
+        </a:graphic>
+      </p:graphicFrame>
+    </p:spTree>
+    <p:extLst>
+      <p:ext uri="{BB962C8B-B14F-4D97-AF65-F5344CB8AC3E}">
+        <p14:creationId xmlns:p14="http://schemas.microsoft.com/office/powerpoint/2010/main" val="4245138678"/>
+      </p:ext>
+    </p:extLst>
+  </p:cSld>
+  <p:clrMapOvr>
+    <a:masterClrMapping/>
+  </p:clrMapOvr>
+  <p:timing>
+    <p:tnLst>
+      <p:par>
+        <p:cTn id="1" dur="indefinite" restart="never" nodeType="tmRoot"/>
+      </p:par>
+    </p:tnLst>
+  </p:timing>
+</p:sld>
+</file>
+
+<file path=ppt/slides/slide12.xml><?xml version="1.0" encoding="utf-8"?>
+<p:sld xmlns:a="http://schemas.openxmlformats.org/drawingml/2006/main" xmlns:r="http://schemas.openxmlformats.org/officeDocument/2006/relationships" xmlns:p="http://schemas.openxmlformats.org/presentationml/2006/main">
+  <p:cSld>
+    <p:spTree>
+      <p:nvGrpSpPr>
+        <p:cNvPr id="1" name=""/>
+        <p:cNvGrpSpPr/>
+        <p:nvPr/>
+      </p:nvGrpSpPr>
+      <p:grpSpPr>
+        <a:xfrm>
+          <a:off x="0" y="0"/>
+          <a:ext cx="0" cy="0"/>
+          <a:chOff x="0" y="0"/>
+          <a:chExt cx="0" cy="0"/>
+        </a:xfrm>
+      </p:grpSpPr>
+      <p:sp>
+        <p:nvSpPr>
+          <p:cNvPr id="2" name="Title 1"/>
+          <p:cNvSpPr>
+            <a:spLocks noGrp="1"/>
+          </p:cNvSpPr>
+          <p:nvPr>
+            <p:ph type="title"/>
+          </p:nvPr>
+        </p:nvSpPr>
+        <p:spPr>
+          <a:xfrm>
+            <a:off x="609600" y="609600"/>
+            <a:ext cx="8229600" cy="715963"/>
+          </a:xfrm>
+        </p:spPr>
+        <p:txBody>
+          <a:bodyPr rtlCol="0">
+            <a:normAutofit fontScale="90000"/>
+          </a:bodyPr>
+          <a:lstStyle/>
+          <a:p>
+            <a:pPr algn="l" fontAlgn="auto">
+              <a:spcAft>
+                <a:spcPts val="0"/>
+              </a:spcAft>
+              <a:defRPr/>
+            </a:pPr>
+            <a:r>
+              <a:rPr lang="en-US" dirty="0" smtClean="0"/>
+              <a:t/>
+            </a:r>
+            <a:br>
+              <a:rPr lang="en-US" dirty="0" smtClean="0"/>
+            </a:br>
+            <a:r>
+              <a:rPr lang="en-US" dirty="0"/>
+              <a:t>                  </a:t>
+            </a:r>
+            <a:br>
+              <a:rPr lang="en-US" dirty="0"/>
+            </a:br>
+            <a:r>
+              <a:rPr lang="en-US" dirty="0" smtClean="0"/>
+              <a:t/>
+            </a:r>
+            <a:br>
+              <a:rPr lang="en-US" dirty="0" smtClean="0"/>
+            </a:br>
+            <a:endParaRPr lang="en-US" dirty="0"/>
+          </a:p>
+        </p:txBody>
+      </p:sp>
+      <p:sp>
+        <p:nvSpPr>
+          <p:cNvPr id="3" name="Content Placeholder 2"/>
+          <p:cNvSpPr>
+            <a:spLocks noGrp="1"/>
+          </p:cNvSpPr>
+          <p:nvPr>
+            <p:ph idx="1"/>
+          </p:nvPr>
+        </p:nvSpPr>
+        <p:spPr>
+          <a:xfrm>
+            <a:off x="609600" y="1447800"/>
+            <a:ext cx="8229600" cy="4191000"/>
+          </a:xfrm>
+        </p:spPr>
+        <p:txBody>
+          <a:bodyPr rtlCol="0">
+            <a:noAutofit/>
+          </a:bodyPr>
+          <a:lstStyle/>
+          <a:p>
+            <a:pPr fontAlgn="auto">
+              <a:spcAft>
+                <a:spcPts val="0"/>
+              </a:spcAft>
+              <a:defRPr/>
+            </a:pPr>
+            <a:endParaRPr lang="en-US" sz="2400" dirty="0"/>
+          </a:p>
+          <a:p>
+            <a:pPr fontAlgn="auto">
+              <a:spcAft>
+                <a:spcPts val="0"/>
+              </a:spcAft>
+              <a:defRPr/>
+            </a:pPr>
+            <a:endParaRPr lang="en-US" sz="2400" b="1" dirty="0" smtClean="0"/>
+          </a:p>
+          <a:p>
+            <a:pPr fontAlgn="auto">
+              <a:spcAft>
+                <a:spcPts val="0"/>
+              </a:spcAft>
+              <a:defRPr/>
+            </a:pPr>
+            <a:endParaRPr lang="en-US" sz="2400" dirty="0"/>
+          </a:p>
+          <a:p>
+            <a:pPr fontAlgn="auto">
+              <a:spcAft>
+                <a:spcPts val="0"/>
+              </a:spcAft>
+              <a:defRPr/>
+            </a:pPr>
+            <a:endParaRPr lang="ro-RO" sz="2400" dirty="0" smtClean="0"/>
+          </a:p>
+          <a:p>
+            <a:pPr marL="0" indent="0" fontAlgn="auto">
+              <a:spcAft>
+                <a:spcPts val="0"/>
+              </a:spcAft>
+              <a:buFont typeface="Arial" pitchFamily="34" charset="0"/>
+              <a:buNone/>
+              <a:defRPr/>
+            </a:pPr>
+            <a:endParaRPr lang="en-GB" sz="2400" dirty="0" smtClean="0"/>
+          </a:p>
+          <a:p>
+            <a:pPr fontAlgn="auto">
+              <a:spcAft>
+                <a:spcPts val="0"/>
+              </a:spcAft>
+              <a:defRPr/>
+            </a:pPr>
+            <a:endParaRPr lang="en-US" sz="2000" dirty="0"/>
+          </a:p>
+        </p:txBody>
+      </p:sp>
+      <p:sp>
+        <p:nvSpPr>
+          <p:cNvPr id="4" name="Footer Placeholder 3"/>
+          <p:cNvSpPr>
+            <a:spLocks noGrp="1"/>
+          </p:cNvSpPr>
+          <p:nvPr>
+            <p:ph type="ftr" sz="quarter" idx="11"/>
+          </p:nvPr>
+        </p:nvSpPr>
+        <p:spPr/>
+        <p:txBody>
+          <a:bodyPr/>
+          <a:lstStyle/>
+          <a:p>
+            <a:pPr>
+              <a:defRPr/>
+            </a:pPr>
+            <a:endParaRPr lang="en-US" dirty="0"/>
+          </a:p>
+        </p:txBody>
+      </p:sp>
+      <p:sp>
+        <p:nvSpPr>
+          <p:cNvPr id="5" name="Slide Number Placeholder 4"/>
+          <p:cNvSpPr>
+            <a:spLocks noGrp="1"/>
+          </p:cNvSpPr>
+          <p:nvPr>
+            <p:ph type="sldNum" sz="quarter" idx="12"/>
+          </p:nvPr>
+        </p:nvSpPr>
+        <p:spPr/>
+        <p:txBody>
+          <a:bodyPr/>
+          <a:lstStyle/>
+          <a:p>
+            <a:pPr>
+              <a:defRPr/>
+            </a:pPr>
+            <a:endParaRPr lang="en-US" dirty="0"/>
+          </a:p>
+        </p:txBody>
+      </p:sp>
+      <p:cxnSp>
+        <p:nvCxnSpPr>
+          <p:cNvPr id="8" name="Straight Connector 7"/>
+          <p:cNvCxnSpPr/>
+          <p:nvPr/>
+        </p:nvCxnSpPr>
+        <p:spPr>
+          <a:xfrm>
+            <a:off x="685800" y="6629400"/>
+            <a:ext cx="8077200" cy="76200"/>
+          </a:xfrm>
+          <a:prstGeom prst="line">
+            <a:avLst/>
+          </a:prstGeom>
+          <a:ln w="63500">
+            <a:solidFill>
+              <a:srgbClr val="7030A0"/>
+            </a:solidFill>
+          </a:ln>
+        </p:spPr>
+        <p:style>
+          <a:lnRef idx="1">
+            <a:schemeClr val="accent1"/>
+          </a:lnRef>
+          <a:fillRef idx="0">
+            <a:schemeClr val="accent1"/>
+          </a:fillRef>
+          <a:effectRef idx="0">
+            <a:schemeClr val="accent1"/>
+          </a:effectRef>
+          <a:fontRef idx="minor">
+            <a:schemeClr val="tx1"/>
+          </a:fontRef>
+        </p:style>
+      </p:cxnSp>
+      <p:sp>
+        <p:nvSpPr>
+          <p:cNvPr id="9" name="Title 5"/>
+          <p:cNvSpPr txBox="1">
+            <a:spLocks/>
+          </p:cNvSpPr>
+          <p:nvPr/>
+        </p:nvSpPr>
+        <p:spPr bwMode="auto">
+          <a:xfrm>
+            <a:off x="495300" y="304800"/>
+            <a:ext cx="8229600" cy="1143000"/>
+          </a:xfrm>
+          <a:prstGeom prst="rect">
+            <a:avLst/>
+          </a:prstGeom>
+          <a:noFill/>
+          <a:ln>
+            <a:noFill/>
+          </a:ln>
+          <a:extLst>
+            <a:ext uri="{909E8E84-426E-40DD-AFC4-6F175D3DCCD1}">
+              <a14:hiddenFill xmlns:a14="http://schemas.microsoft.com/office/drawing/2010/main">
+                <a:solidFill>
+                  <a:srgbClr val="FFFFFF"/>
+                </a:solidFill>
+              </a14:hiddenFill>
+            </a:ext>
+            <a:ext uri="{91240B29-F687-4F45-9708-019B960494DF}">
+              <a14:hiddenLine xmlns:a14="http://schemas.microsoft.com/office/drawing/2010/main" w="9525">
+                <a:solidFill>
+                  <a:srgbClr val="000000"/>
+                </a:solidFill>
+                <a:miter lim="800000"/>
+                <a:headEnd/>
+                <a:tailEnd/>
+              </a14:hiddenLine>
+            </a:ext>
+          </a:extLst>
+        </p:spPr>
+        <p:txBody>
+          <a:bodyPr vert="horz" wrap="square" lIns="91440" tIns="45720" rIns="91440" bIns="45720" numCol="1" anchor="ctr" anchorCtr="0" compatLnSpc="1">
+            <a:prstTxWarp prst="textNoShape">
+              <a:avLst/>
+            </a:prstTxWarp>
+          </a:bodyPr>
+          <a:lstStyle>
+            <a:lvl1pPr algn="ctr" rtl="0" fontAlgn="base">
+              <a:spcBef>
+                <a:spcPct val="0"/>
+              </a:spcBef>
+              <a:spcAft>
+                <a:spcPct val="0"/>
+              </a:spcAft>
+              <a:defRPr sz="4400" kern="1200">
+                <a:solidFill>
+                  <a:schemeClr val="tx1"/>
+                </a:solidFill>
+                <a:latin typeface="+mj-lt"/>
+                <a:ea typeface="+mj-ea"/>
+                <a:cs typeface="+mj-cs"/>
+              </a:defRPr>
+            </a:lvl1pPr>
+            <a:lvl2pPr algn="ctr" rtl="0" fontAlgn="base">
+              <a:spcBef>
+                <a:spcPct val="0"/>
+              </a:spcBef>
+              <a:spcAft>
+                <a:spcPct val="0"/>
+              </a:spcAft>
+              <a:defRPr sz="4400">
+                <a:solidFill>
+                  <a:schemeClr val="tx1"/>
+                </a:solidFill>
+                <a:latin typeface="Calibri" pitchFamily="34" charset="0"/>
+              </a:defRPr>
+            </a:lvl2pPr>
+            <a:lvl3pPr algn="ctr" rtl="0" fontAlgn="base">
+              <a:spcBef>
+                <a:spcPct val="0"/>
+              </a:spcBef>
+              <a:spcAft>
+                <a:spcPct val="0"/>
+              </a:spcAft>
+              <a:defRPr sz="4400">
+                <a:solidFill>
+                  <a:schemeClr val="tx1"/>
+                </a:solidFill>
+                <a:latin typeface="Calibri" pitchFamily="34" charset="0"/>
+              </a:defRPr>
+            </a:lvl3pPr>
+            <a:lvl4pPr algn="ctr" rtl="0" fontAlgn="base">
+              <a:spcBef>
+                <a:spcPct val="0"/>
+              </a:spcBef>
+              <a:spcAft>
+                <a:spcPct val="0"/>
+              </a:spcAft>
+              <a:defRPr sz="4400">
+                <a:solidFill>
+                  <a:schemeClr val="tx1"/>
+                </a:solidFill>
+                <a:latin typeface="Calibri" pitchFamily="34" charset="0"/>
+              </a:defRPr>
+            </a:lvl4pPr>
+            <a:lvl5pPr algn="ctr" rtl="0" fontAlgn="base">
+              <a:spcBef>
+                <a:spcPct val="0"/>
+              </a:spcBef>
+              <a:spcAft>
+                <a:spcPct val="0"/>
+              </a:spcAft>
+              <a:defRPr sz="4400">
+                <a:solidFill>
+                  <a:schemeClr val="tx1"/>
+                </a:solidFill>
+                <a:latin typeface="Calibri" pitchFamily="34" charset="0"/>
+              </a:defRPr>
+            </a:lvl5pPr>
+            <a:lvl6pPr marL="457200" algn="ctr" rtl="0" fontAlgn="base">
+              <a:spcBef>
+                <a:spcPct val="0"/>
+              </a:spcBef>
+              <a:spcAft>
+                <a:spcPct val="0"/>
+              </a:spcAft>
+              <a:defRPr sz="4400">
+                <a:solidFill>
+                  <a:schemeClr val="tx1"/>
+                </a:solidFill>
+                <a:latin typeface="Calibri" pitchFamily="34" charset="0"/>
+              </a:defRPr>
+            </a:lvl6pPr>
+            <a:lvl7pPr marL="914400" algn="ctr" rtl="0" fontAlgn="base">
+              <a:spcBef>
+                <a:spcPct val="0"/>
+              </a:spcBef>
+              <a:spcAft>
+                <a:spcPct val="0"/>
+              </a:spcAft>
+              <a:defRPr sz="4400">
+                <a:solidFill>
+                  <a:schemeClr val="tx1"/>
+                </a:solidFill>
+                <a:latin typeface="Calibri" pitchFamily="34" charset="0"/>
+              </a:defRPr>
+            </a:lvl7pPr>
+            <a:lvl8pPr marL="1371600" algn="ctr" rtl="0" fontAlgn="base">
+              <a:spcBef>
+                <a:spcPct val="0"/>
+              </a:spcBef>
+              <a:spcAft>
+                <a:spcPct val="0"/>
+              </a:spcAft>
+              <a:defRPr sz="4400">
+                <a:solidFill>
+                  <a:schemeClr val="tx1"/>
+                </a:solidFill>
+                <a:latin typeface="Calibri" pitchFamily="34" charset="0"/>
+              </a:defRPr>
+            </a:lvl8pPr>
+            <a:lvl9pPr marL="1828800" algn="ctr" rtl="0" fontAlgn="base">
+              <a:spcBef>
+                <a:spcPct val="0"/>
+              </a:spcBef>
+              <a:spcAft>
+                <a:spcPct val="0"/>
+              </a:spcAft>
+              <a:defRPr sz="4400">
+                <a:solidFill>
+                  <a:schemeClr val="tx1"/>
+                </a:solidFill>
+                <a:latin typeface="Calibri" pitchFamily="34" charset="0"/>
+              </a:defRPr>
+            </a:lvl9pPr>
+          </a:lstStyle>
+          <a:p>
+            <a:r>
+              <a:rPr lang="en-US" dirty="0" smtClean="0"/>
+              <a:t>Regression Approaches</a:t>
+            </a:r>
+            <a:endParaRPr lang="en-US" dirty="0"/>
+          </a:p>
+        </p:txBody>
+      </p:sp>
+      <p:pic>
+        <p:nvPicPr>
+          <p:cNvPr id="10" name="Picture 9"/>
+          <p:cNvPicPr>
+            <a:picLocks noChangeAspect="1"/>
+          </p:cNvPicPr>
+          <p:nvPr/>
+        </p:nvPicPr>
+        <p:blipFill>
+          <a:blip r:embed="rId2">
+            <a:extLst>
+              <a:ext uri="{28A0092B-C50C-407E-A947-70E740481C1C}">
+                <a14:useLocalDpi xmlns:a14="http://schemas.microsoft.com/office/drawing/2010/main" val="0"/>
+              </a:ext>
+            </a:extLst>
+          </a:blip>
+          <a:stretch>
+            <a:fillRect/>
+          </a:stretch>
+        </p:blipFill>
+        <p:spPr>
+          <a:xfrm>
+            <a:off x="6705600" y="228600"/>
+            <a:ext cx="2225040" cy="434340"/>
+          </a:xfrm>
+          <a:prstGeom prst="rect">
+            <a:avLst/>
+          </a:prstGeom>
+        </p:spPr>
+      </p:pic>
+      <p:sp>
+        <p:nvSpPr>
+          <p:cNvPr id="11" name="Rectangle 10"/>
+          <p:cNvSpPr/>
+          <p:nvPr/>
+        </p:nvSpPr>
+        <p:spPr>
+          <a:xfrm>
+            <a:off x="381000" y="1371601"/>
+            <a:ext cx="8458200" cy="3416320"/>
+          </a:xfrm>
+          <a:prstGeom prst="rect">
+            <a:avLst/>
+          </a:prstGeom>
+        </p:spPr>
+        <p:txBody>
+          <a:bodyPr wrap="square">
+            <a:spAutoFit/>
+          </a:bodyPr>
+          <a:lstStyle/>
+          <a:p>
+            <a:pPr marL="285750" indent="-285750">
+              <a:buFont typeface="Arial" pitchFamily="34" charset="0"/>
+              <a:buChar char="•"/>
+            </a:pPr>
+            <a:r>
+              <a:rPr lang="en-US" dirty="0" smtClean="0"/>
+              <a:t>For question: “</a:t>
+            </a:r>
+            <a:r>
+              <a:rPr lang="en-US" sz="1500" i="1" dirty="0"/>
+              <a:t>What age is a person earning 50000 $ per year and job as 'science / tech / engineering</a:t>
+            </a:r>
+            <a:r>
+              <a:rPr lang="en-US" sz="1500" i="1" dirty="0"/>
+              <a:t>‘?</a:t>
+            </a:r>
+            <a:r>
+              <a:rPr lang="en-US" dirty="0"/>
+              <a:t>”, </a:t>
+            </a:r>
+            <a:r>
+              <a:rPr lang="en-US" dirty="0" smtClean="0"/>
+              <a:t>formalized as</a:t>
+            </a:r>
+            <a:r>
+              <a:rPr lang="en-US" dirty="0"/>
+              <a:t>: </a:t>
+            </a:r>
+            <a:r>
+              <a:rPr lang="en-US" dirty="0" smtClean="0"/>
+              <a:t>“</a:t>
+            </a:r>
+            <a:r>
+              <a:rPr lang="en-US" sz="1500" i="1" dirty="0" smtClean="0"/>
+              <a:t>Predict </a:t>
+            </a:r>
+            <a:r>
+              <a:rPr lang="en-US" sz="1500" i="1" dirty="0"/>
+              <a:t>age with income and </a:t>
+            </a:r>
+            <a:r>
+              <a:rPr lang="en-US" sz="1500" i="1" dirty="0" smtClean="0"/>
+              <a:t>job</a:t>
+            </a:r>
+            <a:r>
+              <a:rPr lang="en-US" dirty="0" smtClean="0"/>
+              <a:t>”, the following models has been used:</a:t>
+            </a:r>
+            <a:br>
+              <a:rPr lang="en-US" dirty="0" smtClean="0"/>
+            </a:br>
+            <a:r>
+              <a:rPr lang="en-US" b="1" dirty="0"/>
+              <a:t>K-Nearest Neighbors Classifier </a:t>
+            </a:r>
+            <a:r>
+              <a:rPr lang="en-US" b="1" dirty="0" smtClean="0"/>
+              <a:t>Regression (</a:t>
+            </a:r>
+            <a:r>
+              <a:rPr lang="en-US" b="1" dirty="0" smtClean="0">
+                <a:latin typeface="Courier New" pitchFamily="49" charset="0"/>
+                <a:cs typeface="Courier New" pitchFamily="49" charset="0"/>
+              </a:rPr>
+              <a:t>predict_age_knr.py)</a:t>
+            </a:r>
+            <a:r>
+              <a:rPr lang="en-US" b="1" dirty="0">
+                <a:latin typeface="Courier New" pitchFamily="49" charset="0"/>
+                <a:cs typeface="Courier New" pitchFamily="49" charset="0"/>
+              </a:rPr>
+              <a:t/>
+            </a:r>
+            <a:br>
+              <a:rPr lang="en-US" b="1" dirty="0">
+                <a:latin typeface="Courier New" pitchFamily="49" charset="0"/>
+                <a:cs typeface="Courier New" pitchFamily="49" charset="0"/>
+              </a:rPr>
+            </a:br>
+            <a:r>
+              <a:rPr lang="en-US" b="1" dirty="0" err="1" smtClean="0"/>
+              <a:t>LinearRegression</a:t>
+            </a:r>
+            <a:r>
+              <a:rPr lang="en-US" b="1" dirty="0" smtClean="0"/>
+              <a:t> (</a:t>
+            </a:r>
+            <a:r>
+              <a:rPr lang="en-US" b="1" dirty="0">
+                <a:latin typeface="Courier New" pitchFamily="49" charset="0"/>
+                <a:cs typeface="Courier New" pitchFamily="49" charset="0"/>
+              </a:rPr>
+              <a:t>predict_age_mlr.py</a:t>
+            </a:r>
+            <a:r>
+              <a:rPr lang="en-US" b="1" dirty="0" smtClean="0"/>
+              <a:t>)</a:t>
+            </a:r>
+            <a:r>
+              <a:rPr lang="en-US" b="1" dirty="0" smtClean="0">
+                <a:latin typeface="Courier New" pitchFamily="49" charset="0"/>
+                <a:cs typeface="Courier New" pitchFamily="49" charset="0"/>
+              </a:rPr>
+              <a:t/>
+            </a:r>
+            <a:br>
+              <a:rPr lang="en-US" b="1" dirty="0" smtClean="0">
+                <a:latin typeface="Courier New" pitchFamily="49" charset="0"/>
+                <a:cs typeface="Courier New" pitchFamily="49" charset="0"/>
+              </a:rPr>
+            </a:br>
+            <a:endParaRPr lang="en-US" dirty="0"/>
+          </a:p>
+          <a:p>
+            <a:endParaRPr lang="en-US" dirty="0"/>
+          </a:p>
+          <a:p>
+            <a:pPr marL="285750" indent="-285750">
+              <a:buFont typeface="Arial" pitchFamily="34" charset="0"/>
+              <a:buChar char="•"/>
+            </a:pPr>
+            <a:r>
+              <a:rPr lang="en-US" dirty="0" smtClean="0"/>
+              <a:t>For question: “</a:t>
+            </a:r>
+            <a:r>
+              <a:rPr lang="en-US" sz="1500" i="1" dirty="0" smtClean="0"/>
+              <a:t>What </a:t>
+            </a:r>
+            <a:r>
+              <a:rPr lang="en-US" sz="1500" i="1" dirty="0"/>
+              <a:t>income has a person with 'graduated from law school' as education level, takes drugs often and is a woman</a:t>
+            </a:r>
+            <a:r>
+              <a:rPr lang="en-US" sz="1500" i="1" dirty="0" smtClean="0"/>
+              <a:t>?</a:t>
+            </a:r>
+            <a:r>
+              <a:rPr lang="en-US" b="1" dirty="0" smtClean="0"/>
+              <a:t>”</a:t>
+            </a:r>
+            <a:r>
+              <a:rPr lang="en-US" dirty="0" smtClean="0"/>
+              <a:t>, </a:t>
+            </a:r>
+            <a:r>
+              <a:rPr lang="en-US" dirty="0"/>
+              <a:t>formalized as: </a:t>
+            </a:r>
+            <a:r>
+              <a:rPr lang="en-US" dirty="0" smtClean="0"/>
+              <a:t>“</a:t>
+            </a:r>
+            <a:r>
+              <a:rPr lang="en-US" sz="1500" i="1" dirty="0" smtClean="0"/>
+              <a:t>Predict </a:t>
+            </a:r>
+            <a:r>
+              <a:rPr lang="en-US" sz="1500" i="1" dirty="0"/>
+              <a:t>income based on education, drugs and sex</a:t>
+            </a:r>
+            <a:r>
+              <a:rPr lang="en-US" dirty="0" smtClean="0"/>
+              <a:t>”, </a:t>
+            </a:r>
+            <a:r>
+              <a:rPr lang="en-US" dirty="0"/>
+              <a:t>the following models has been used</a:t>
+            </a:r>
+            <a:r>
+              <a:rPr lang="en-US" dirty="0" smtClean="0"/>
+              <a:t>:</a:t>
+            </a:r>
+            <a:br>
+              <a:rPr lang="en-US" dirty="0" smtClean="0"/>
+            </a:br>
+            <a:r>
+              <a:rPr lang="en-US" b="1" dirty="0"/>
+              <a:t>K-Nearest Neighbors Classifier Regression (</a:t>
+            </a:r>
+            <a:r>
+              <a:rPr lang="en-US" b="1" dirty="0" smtClean="0">
+                <a:latin typeface="Courier New" pitchFamily="49" charset="0"/>
+                <a:cs typeface="Courier New" pitchFamily="49" charset="0"/>
+              </a:rPr>
+              <a:t>predict_income_knr.py</a:t>
+            </a:r>
+            <a:r>
+              <a:rPr lang="en-US" b="1" dirty="0">
+                <a:latin typeface="Courier New" pitchFamily="49" charset="0"/>
+                <a:cs typeface="Courier New" pitchFamily="49" charset="0"/>
+              </a:rPr>
+              <a:t>)</a:t>
+            </a:r>
+            <a:br>
+              <a:rPr lang="en-US" b="1" dirty="0">
+                <a:latin typeface="Courier New" pitchFamily="49" charset="0"/>
+                <a:cs typeface="Courier New" pitchFamily="49" charset="0"/>
+              </a:rPr>
+            </a:br>
+            <a:r>
+              <a:rPr lang="en-US" b="1" dirty="0" err="1"/>
+              <a:t>LinearRegression</a:t>
+            </a:r>
+            <a:r>
+              <a:rPr lang="en-US" b="1" dirty="0"/>
+              <a:t> (</a:t>
+            </a:r>
+            <a:r>
+              <a:rPr lang="en-US" b="1" dirty="0" smtClean="0">
+                <a:latin typeface="Courier New" pitchFamily="49" charset="0"/>
+                <a:cs typeface="Courier New" pitchFamily="49" charset="0"/>
+              </a:rPr>
+              <a:t>predict_</a:t>
+            </a:r>
+            <a:r>
+              <a:rPr lang="en-US" b="1" dirty="0">
+                <a:latin typeface="Courier New" pitchFamily="49" charset="0"/>
+                <a:cs typeface="Courier New" pitchFamily="49" charset="0"/>
+              </a:rPr>
+              <a:t>income</a:t>
+            </a:r>
+            <a:r>
+              <a:rPr lang="en-US" b="1" dirty="0" smtClean="0">
+                <a:latin typeface="Courier New" pitchFamily="49" charset="0"/>
+                <a:cs typeface="Courier New" pitchFamily="49" charset="0"/>
+              </a:rPr>
+              <a:t>_mlr.py</a:t>
+            </a:r>
+            <a:r>
+              <a:rPr lang="en-US" b="1" dirty="0"/>
+              <a:t>)</a:t>
+            </a:r>
+            <a:endParaRPr lang="en-US" dirty="0"/>
+          </a:p>
+        </p:txBody>
+      </p:sp>
+    </p:spTree>
+    <p:extLst>
+      <p:ext uri="{BB962C8B-B14F-4D97-AF65-F5344CB8AC3E}">
+        <p14:creationId xmlns:p14="http://schemas.microsoft.com/office/powerpoint/2010/main" val="2430342752"/>
+      </p:ext>
+    </p:extLst>
+  </p:cSld>
+  <p:clrMapOvr>
+    <a:masterClrMapping/>
+  </p:clrMapOvr>
+  <p:timing>
+    <p:tnLst>
+      <p:par>
+        <p:cTn id="1" dur="indefinite" restart="never" nodeType="tmRoot"/>
+      </p:par>
+    </p:tnLst>
+  </p:timing>
+</p:sld>
+</file>
+
+<file path=ppt/slides/slide13.xml><?xml version="1.0" encoding="utf-8"?>
+<p:sld xmlns:a="http://schemas.openxmlformats.org/drawingml/2006/main" xmlns:r="http://schemas.openxmlformats.org/officeDocument/2006/relationships" xmlns:p="http://schemas.openxmlformats.org/presentationml/2006/main">
+  <p:cSld>
+    <p:spTree>
+      <p:nvGrpSpPr>
+        <p:cNvPr id="1" name=""/>
+        <p:cNvGrpSpPr/>
+        <p:nvPr/>
+      </p:nvGrpSpPr>
+      <p:grpSpPr>
+        <a:xfrm>
+          <a:off x="0" y="0"/>
+          <a:ext cx="0" cy="0"/>
+          <a:chOff x="0" y="0"/>
+          <a:chExt cx="0" cy="0"/>
+        </a:xfrm>
+      </p:grpSpPr>
+      <p:sp>
+        <p:nvSpPr>
+          <p:cNvPr id="2" name="Title 1"/>
+          <p:cNvSpPr>
+            <a:spLocks noGrp="1"/>
+          </p:cNvSpPr>
+          <p:nvPr>
+            <p:ph type="title"/>
+          </p:nvPr>
+        </p:nvSpPr>
+        <p:spPr>
+          <a:xfrm>
+            <a:off x="609600" y="609600"/>
+            <a:ext cx="8229600" cy="715963"/>
+          </a:xfrm>
+        </p:spPr>
+        <p:txBody>
+          <a:bodyPr rtlCol="0">
+            <a:normAutofit fontScale="90000"/>
+          </a:bodyPr>
+          <a:lstStyle/>
+          <a:p>
+            <a:pPr algn="l" fontAlgn="auto">
+              <a:spcAft>
+                <a:spcPts val="0"/>
+              </a:spcAft>
+              <a:defRPr/>
+            </a:pPr>
+            <a:r>
+              <a:rPr lang="en-US" dirty="0" smtClean="0"/>
+              <a:t/>
+            </a:r>
+            <a:br>
+              <a:rPr lang="en-US" dirty="0" smtClean="0"/>
+            </a:br>
+            <a:r>
+              <a:rPr lang="en-US" dirty="0"/>
+              <a:t>                  </a:t>
+            </a:r>
+            <a:br>
+              <a:rPr lang="en-US" dirty="0"/>
+            </a:br>
+            <a:r>
+              <a:rPr lang="en-US" dirty="0" smtClean="0"/>
+              <a:t/>
+            </a:r>
+            <a:br>
+              <a:rPr lang="en-US" dirty="0" smtClean="0"/>
+            </a:br>
+            <a:endParaRPr lang="en-US" dirty="0"/>
+          </a:p>
+        </p:txBody>
+      </p:sp>
+      <p:sp>
+        <p:nvSpPr>
+          <p:cNvPr id="3" name="Content Placeholder 2"/>
+          <p:cNvSpPr>
+            <a:spLocks noGrp="1"/>
+          </p:cNvSpPr>
+          <p:nvPr>
+            <p:ph idx="1"/>
+          </p:nvPr>
+        </p:nvSpPr>
+        <p:spPr>
+          <a:xfrm>
+            <a:off x="495300" y="1447800"/>
+            <a:ext cx="8343900" cy="4191000"/>
+          </a:xfrm>
+        </p:spPr>
+        <p:txBody>
+          <a:bodyPr rtlCol="0">
+            <a:noAutofit/>
+          </a:bodyPr>
+          <a:lstStyle/>
+          <a:p>
+            <a:pPr fontAlgn="auto">
+              <a:spcAft>
+                <a:spcPts val="0"/>
+              </a:spcAft>
+              <a:defRPr/>
+            </a:pPr>
+            <a:endParaRPr lang="en-US" sz="2400" dirty="0"/>
+          </a:p>
+          <a:p>
+            <a:pPr fontAlgn="auto">
+              <a:spcAft>
+                <a:spcPts val="0"/>
+              </a:spcAft>
+              <a:defRPr/>
+            </a:pPr>
+            <a:endParaRPr lang="en-US" sz="2400" b="1" dirty="0" smtClean="0"/>
+          </a:p>
+          <a:p>
+            <a:pPr fontAlgn="auto">
+              <a:spcAft>
+                <a:spcPts val="0"/>
+              </a:spcAft>
+              <a:defRPr/>
+            </a:pPr>
+            <a:endParaRPr lang="en-US" sz="2400" dirty="0"/>
+          </a:p>
+          <a:p>
+            <a:pPr fontAlgn="auto">
+              <a:spcAft>
+                <a:spcPts val="0"/>
+              </a:spcAft>
+              <a:defRPr/>
+            </a:pPr>
+            <a:endParaRPr lang="ro-RO" sz="2400" dirty="0" smtClean="0"/>
+          </a:p>
+          <a:p>
+            <a:pPr marL="0" indent="0" fontAlgn="auto">
+              <a:spcAft>
+                <a:spcPts val="0"/>
+              </a:spcAft>
+              <a:buFont typeface="Arial" pitchFamily="34" charset="0"/>
+              <a:buNone/>
+              <a:defRPr/>
+            </a:pPr>
+            <a:endParaRPr lang="en-GB" sz="2400" dirty="0" smtClean="0"/>
+          </a:p>
+          <a:p>
+            <a:pPr fontAlgn="auto">
+              <a:spcAft>
+                <a:spcPts val="0"/>
+              </a:spcAft>
+              <a:defRPr/>
+            </a:pPr>
+            <a:endParaRPr lang="en-US" sz="2000" dirty="0"/>
+          </a:p>
+        </p:txBody>
+      </p:sp>
+      <p:sp>
+        <p:nvSpPr>
+          <p:cNvPr id="4" name="Footer Placeholder 3"/>
+          <p:cNvSpPr>
+            <a:spLocks noGrp="1"/>
+          </p:cNvSpPr>
+          <p:nvPr>
+            <p:ph type="ftr" sz="quarter" idx="11"/>
+          </p:nvPr>
+        </p:nvSpPr>
+        <p:spPr/>
+        <p:txBody>
+          <a:bodyPr/>
+          <a:lstStyle/>
+          <a:p>
+            <a:pPr>
+              <a:defRPr/>
+            </a:pPr>
+            <a:endParaRPr lang="en-US" dirty="0"/>
+          </a:p>
+        </p:txBody>
+      </p:sp>
+      <p:sp>
+        <p:nvSpPr>
+          <p:cNvPr id="5" name="Slide Number Placeholder 4"/>
+          <p:cNvSpPr>
+            <a:spLocks noGrp="1"/>
+          </p:cNvSpPr>
+          <p:nvPr>
+            <p:ph type="sldNum" sz="quarter" idx="12"/>
+          </p:nvPr>
+        </p:nvSpPr>
+        <p:spPr/>
+        <p:txBody>
+          <a:bodyPr/>
+          <a:lstStyle/>
+          <a:p>
+            <a:pPr>
+              <a:defRPr/>
+            </a:pPr>
+            <a:endParaRPr lang="en-US" dirty="0"/>
+          </a:p>
+        </p:txBody>
+      </p:sp>
+      <p:cxnSp>
+        <p:nvCxnSpPr>
+          <p:cNvPr id="8" name="Straight Connector 7"/>
+          <p:cNvCxnSpPr/>
+          <p:nvPr/>
+        </p:nvCxnSpPr>
+        <p:spPr>
+          <a:xfrm>
+            <a:off x="685800" y="6629400"/>
+            <a:ext cx="8077200" cy="76200"/>
+          </a:xfrm>
+          <a:prstGeom prst="line">
+            <a:avLst/>
+          </a:prstGeom>
+          <a:ln w="63500">
+            <a:solidFill>
+              <a:srgbClr val="7030A0"/>
+            </a:solidFill>
+          </a:ln>
+        </p:spPr>
+        <p:style>
+          <a:lnRef idx="1">
+            <a:schemeClr val="accent1"/>
+          </a:lnRef>
+          <a:fillRef idx="0">
+            <a:schemeClr val="accent1"/>
+          </a:fillRef>
+          <a:effectRef idx="0">
+            <a:schemeClr val="accent1"/>
+          </a:effectRef>
+          <a:fontRef idx="minor">
+            <a:schemeClr val="tx1"/>
+          </a:fontRef>
+        </p:style>
+      </p:cxnSp>
+      <p:sp>
+        <p:nvSpPr>
+          <p:cNvPr id="9" name="Title 5"/>
+          <p:cNvSpPr txBox="1">
+            <a:spLocks/>
+          </p:cNvSpPr>
+          <p:nvPr/>
+        </p:nvSpPr>
+        <p:spPr bwMode="auto">
+          <a:xfrm>
+            <a:off x="495300" y="304800"/>
+            <a:ext cx="8229600" cy="1143000"/>
+          </a:xfrm>
+          <a:prstGeom prst="rect">
+            <a:avLst/>
+          </a:prstGeom>
+          <a:noFill/>
+          <a:ln>
+            <a:noFill/>
+          </a:ln>
+          <a:extLst>
+            <a:ext uri="{909E8E84-426E-40DD-AFC4-6F175D3DCCD1}">
+              <a14:hiddenFill xmlns:a14="http://schemas.microsoft.com/office/drawing/2010/main">
+                <a:solidFill>
+                  <a:srgbClr val="FFFFFF"/>
+                </a:solidFill>
+              </a14:hiddenFill>
+            </a:ext>
+            <a:ext uri="{91240B29-F687-4F45-9708-019B960494DF}">
+              <a14:hiddenLine xmlns:a14="http://schemas.microsoft.com/office/drawing/2010/main" w="9525">
+                <a:solidFill>
+                  <a:srgbClr val="000000"/>
+                </a:solidFill>
+                <a:miter lim="800000"/>
+                <a:headEnd/>
+                <a:tailEnd/>
+              </a14:hiddenLine>
+            </a:ext>
+          </a:extLst>
+        </p:spPr>
+        <p:txBody>
+          <a:bodyPr vert="horz" wrap="square" lIns="91440" tIns="45720" rIns="91440" bIns="45720" numCol="1" anchor="ctr" anchorCtr="0" compatLnSpc="1">
+            <a:prstTxWarp prst="textNoShape">
+              <a:avLst/>
+            </a:prstTxWarp>
+          </a:bodyPr>
+          <a:lstStyle>
+            <a:lvl1pPr algn="ctr" rtl="0" fontAlgn="base">
+              <a:spcBef>
+                <a:spcPct val="0"/>
+              </a:spcBef>
+              <a:spcAft>
+                <a:spcPct val="0"/>
+              </a:spcAft>
+              <a:defRPr sz="4400" kern="1200">
+                <a:solidFill>
+                  <a:schemeClr val="tx1"/>
+                </a:solidFill>
+                <a:latin typeface="+mj-lt"/>
+                <a:ea typeface="+mj-ea"/>
+                <a:cs typeface="+mj-cs"/>
+              </a:defRPr>
+            </a:lvl1pPr>
+            <a:lvl2pPr algn="ctr" rtl="0" fontAlgn="base">
+              <a:spcBef>
+                <a:spcPct val="0"/>
+              </a:spcBef>
+              <a:spcAft>
+                <a:spcPct val="0"/>
+              </a:spcAft>
+              <a:defRPr sz="4400">
+                <a:solidFill>
+                  <a:schemeClr val="tx1"/>
+                </a:solidFill>
+                <a:latin typeface="Calibri" pitchFamily="34" charset="0"/>
+              </a:defRPr>
+            </a:lvl2pPr>
+            <a:lvl3pPr algn="ctr" rtl="0" fontAlgn="base">
+              <a:spcBef>
+                <a:spcPct val="0"/>
+              </a:spcBef>
+              <a:spcAft>
+                <a:spcPct val="0"/>
+              </a:spcAft>
+              <a:defRPr sz="4400">
+                <a:solidFill>
+                  <a:schemeClr val="tx1"/>
+                </a:solidFill>
+                <a:latin typeface="Calibri" pitchFamily="34" charset="0"/>
+              </a:defRPr>
+            </a:lvl3pPr>
+            <a:lvl4pPr algn="ctr" rtl="0" fontAlgn="base">
+              <a:spcBef>
+                <a:spcPct val="0"/>
+              </a:spcBef>
+              <a:spcAft>
+                <a:spcPct val="0"/>
+              </a:spcAft>
+              <a:defRPr sz="4400">
+                <a:solidFill>
+                  <a:schemeClr val="tx1"/>
+                </a:solidFill>
+                <a:latin typeface="Calibri" pitchFamily="34" charset="0"/>
+              </a:defRPr>
+            </a:lvl4pPr>
+            <a:lvl5pPr algn="ctr" rtl="0" fontAlgn="base">
+              <a:spcBef>
+                <a:spcPct val="0"/>
+              </a:spcBef>
+              <a:spcAft>
+                <a:spcPct val="0"/>
+              </a:spcAft>
+              <a:defRPr sz="4400">
+                <a:solidFill>
+                  <a:schemeClr val="tx1"/>
+                </a:solidFill>
+                <a:latin typeface="Calibri" pitchFamily="34" charset="0"/>
+              </a:defRPr>
+            </a:lvl5pPr>
+            <a:lvl6pPr marL="457200" algn="ctr" rtl="0" fontAlgn="base">
+              <a:spcBef>
+                <a:spcPct val="0"/>
+              </a:spcBef>
+              <a:spcAft>
+                <a:spcPct val="0"/>
+              </a:spcAft>
+              <a:defRPr sz="4400">
+                <a:solidFill>
+                  <a:schemeClr val="tx1"/>
+                </a:solidFill>
+                <a:latin typeface="Calibri" pitchFamily="34" charset="0"/>
+              </a:defRPr>
+            </a:lvl6pPr>
+            <a:lvl7pPr marL="914400" algn="ctr" rtl="0" fontAlgn="base">
+              <a:spcBef>
+                <a:spcPct val="0"/>
+              </a:spcBef>
+              <a:spcAft>
+                <a:spcPct val="0"/>
+              </a:spcAft>
+              <a:defRPr sz="4400">
+                <a:solidFill>
+                  <a:schemeClr val="tx1"/>
+                </a:solidFill>
+                <a:latin typeface="Calibri" pitchFamily="34" charset="0"/>
+              </a:defRPr>
+            </a:lvl7pPr>
+            <a:lvl8pPr marL="1371600" algn="ctr" rtl="0" fontAlgn="base">
+              <a:spcBef>
+                <a:spcPct val="0"/>
+              </a:spcBef>
+              <a:spcAft>
+                <a:spcPct val="0"/>
+              </a:spcAft>
+              <a:defRPr sz="4400">
+                <a:solidFill>
+                  <a:schemeClr val="tx1"/>
+                </a:solidFill>
+                <a:latin typeface="Calibri" pitchFamily="34" charset="0"/>
+              </a:defRPr>
+            </a:lvl8pPr>
+            <a:lvl9pPr marL="1828800" algn="ctr" rtl="0" fontAlgn="base">
+              <a:spcBef>
+                <a:spcPct val="0"/>
+              </a:spcBef>
+              <a:spcAft>
+                <a:spcPct val="0"/>
+              </a:spcAft>
+              <a:defRPr sz="4400">
+                <a:solidFill>
+                  <a:schemeClr val="tx1"/>
+                </a:solidFill>
+                <a:latin typeface="Calibri" pitchFamily="34" charset="0"/>
+              </a:defRPr>
+            </a:lvl9pPr>
+          </a:lstStyle>
+          <a:p>
+            <a:r>
+              <a:rPr lang="en-US" dirty="0" smtClean="0"/>
+              <a:t>Regression model comparison</a:t>
+            </a:r>
+            <a:endParaRPr lang="en-US" dirty="0"/>
+          </a:p>
+        </p:txBody>
+      </p:sp>
+      <p:pic>
+        <p:nvPicPr>
+          <p:cNvPr id="10" name="Picture 9"/>
+          <p:cNvPicPr>
+            <a:picLocks noChangeAspect="1"/>
+          </p:cNvPicPr>
+          <p:nvPr/>
+        </p:nvPicPr>
+        <p:blipFill>
+          <a:blip r:embed="rId2">
+            <a:extLst>
+              <a:ext uri="{28A0092B-C50C-407E-A947-70E740481C1C}">
+                <a14:useLocalDpi xmlns:a14="http://schemas.microsoft.com/office/drawing/2010/main" val="0"/>
+              </a:ext>
+            </a:extLst>
+          </a:blip>
+          <a:stretch>
+            <a:fillRect/>
+          </a:stretch>
+        </p:blipFill>
+        <p:spPr>
+          <a:xfrm>
+            <a:off x="6705600" y="228600"/>
+            <a:ext cx="2225040" cy="434340"/>
+          </a:xfrm>
+          <a:prstGeom prst="rect">
+            <a:avLst/>
+          </a:prstGeom>
+        </p:spPr>
+      </p:pic>
+      <p:graphicFrame>
+        <p:nvGraphicFramePr>
+          <p:cNvPr id="6" name="Table 5"/>
+          <p:cNvGraphicFramePr>
+            <a:graphicFrameLocks noGrp="1"/>
+          </p:cNvGraphicFramePr>
+          <p:nvPr>
+            <p:extLst>
+              <p:ext uri="{D42A27DB-BD31-4B8C-83A1-F6EECF244321}">
+                <p14:modId xmlns:p14="http://schemas.microsoft.com/office/powerpoint/2010/main" val="4280846065"/>
+              </p:ext>
+            </p:extLst>
+          </p:nvPr>
+        </p:nvGraphicFramePr>
+        <p:xfrm>
+          <a:off x="508000" y="1524000"/>
+          <a:ext cx="8331200" cy="3520440"/>
+        </p:xfrm>
+        <a:graphic>
+          <a:graphicData uri="http://schemas.openxmlformats.org/drawingml/2006/table">
+            <a:tbl>
+              <a:tblPr firstRow="1" bandRow="1">
+                <a:tableStyleId>{5C22544A-7EE6-4342-B048-85BDC9FD1C3A}</a:tableStyleId>
+              </a:tblPr>
+              <a:tblGrid>
+                <a:gridCol w="3165856"/>
+                <a:gridCol w="3260344"/>
+                <a:gridCol w="1905000"/>
+              </a:tblGrid>
+              <a:tr h="370840">
+                <a:tc>
+                  <a:txBody>
+                    <a:bodyPr/>
+                    <a:lstStyle/>
+                    <a:p>
+                      <a:r>
+                        <a:rPr lang="en-US" dirty="0" smtClean="0"/>
+                        <a:t>Model</a:t>
+                      </a:r>
+                      <a:endParaRPr lang="en-US" dirty="0"/>
+                    </a:p>
+                  </a:txBody>
+                  <a:tcPr/>
+                </a:tc>
+                <a:tc>
+                  <a:txBody>
+                    <a:bodyPr/>
+                    <a:lstStyle/>
+                    <a:p>
+                      <a:r>
+                        <a:rPr lang="en-US" dirty="0" smtClean="0"/>
+                        <a:t>Action</a:t>
+                      </a:r>
+                      <a:endParaRPr lang="en-US" dirty="0"/>
+                    </a:p>
+                  </a:txBody>
+                  <a:tcPr/>
+                </a:tc>
+                <a:tc>
+                  <a:txBody>
+                    <a:bodyPr/>
+                    <a:lstStyle/>
+                    <a:p>
+                      <a:r>
+                        <a:rPr lang="en-US" dirty="0" smtClean="0"/>
+                        <a:t>Exec time (sec)</a:t>
+                      </a:r>
+                      <a:endParaRPr lang="en-US" dirty="0"/>
+                    </a:p>
+                  </a:txBody>
+                  <a:tcPr/>
+                </a:tc>
+              </a:tr>
+              <a:tr h="370840">
+                <a:tc>
+                  <a:txBody>
+                    <a:bodyPr/>
+                    <a:lstStyle/>
+                    <a:p>
+                      <a:r>
+                        <a:rPr lang="en-US" sz="1300" b="1" dirty="0" smtClean="0"/>
+                        <a:t>K-Nearest Neighbors Classifier Regression </a:t>
+                      </a:r>
+                      <a:endParaRPr lang="en-US" sz="1300" dirty="0"/>
+                    </a:p>
+                  </a:txBody>
+                  <a:tcPr/>
+                </a:tc>
+                <a:tc>
+                  <a:txBody>
+                    <a:bodyPr/>
+                    <a:lstStyle/>
+                    <a:p>
+                      <a:pPr marL="0" algn="l" defTabSz="914400" rtl="0" eaLnBrk="1" latinLnBrk="0" hangingPunct="1"/>
+                      <a:r>
+                        <a:rPr lang="en-US" sz="1300" b="0" kern="1200" dirty="0" smtClean="0">
+                          <a:solidFill>
+                            <a:schemeClr val="dk1"/>
+                          </a:solidFill>
+                          <a:latin typeface="+mn-lt"/>
+                          <a:ea typeface="+mn-ea"/>
+                          <a:cs typeface="+mn-cs"/>
+                        </a:rPr>
+                        <a:t>Predict age with income and job</a:t>
+                      </a:r>
+                      <a:endParaRPr lang="en-US" sz="1300" b="0" kern="1200" dirty="0">
+                        <a:solidFill>
+                          <a:schemeClr val="dk1"/>
+                        </a:solidFill>
+                        <a:latin typeface="+mn-lt"/>
+                        <a:ea typeface="+mn-ea"/>
+                        <a:cs typeface="+mn-cs"/>
+                      </a:endParaRPr>
+                    </a:p>
+                  </a:txBody>
+                  <a:tcPr/>
+                </a:tc>
+                <a:tc>
+                  <a:txBody>
+                    <a:bodyPr/>
+                    <a:lstStyle/>
+                    <a:p>
+                      <a:r>
+                        <a:rPr lang="en-US" sz="1300" kern="1200" dirty="0" smtClean="0">
+                          <a:solidFill>
+                            <a:schemeClr val="dk1"/>
+                          </a:solidFill>
+                          <a:latin typeface="+mn-lt"/>
+                          <a:ea typeface="+mn-ea"/>
+                          <a:cs typeface="+mn-cs"/>
+                        </a:rPr>
+                        <a:t>1.4320001602172852</a:t>
+                      </a:r>
+                      <a:endParaRPr lang="en-US" sz="1300" dirty="0"/>
+                    </a:p>
+                  </a:txBody>
+                  <a:tcPr/>
+                </a:tc>
+              </a:tr>
+              <a:tr h="370840">
+                <a:tc>
+                  <a:txBody>
+                    <a:bodyPr/>
+                    <a:lstStyle/>
+                    <a:p>
+                      <a:pPr marL="0" marR="0" indent="0" algn="l" defTabSz="914400" rtl="0" eaLnBrk="1" fontAlgn="auto" latinLnBrk="0" hangingPunct="1">
+                        <a:lnSpc>
+                          <a:spcPct val="100000"/>
+                        </a:lnSpc>
+                        <a:spcBef>
+                          <a:spcPts val="0"/>
+                        </a:spcBef>
+                        <a:spcAft>
+                          <a:spcPts val="0"/>
+                        </a:spcAft>
+                        <a:buClrTx/>
+                        <a:buSzTx/>
+                        <a:buFontTx/>
+                        <a:buNone/>
+                        <a:tabLst/>
+                        <a:defRPr/>
+                      </a:pPr>
+                      <a:r>
+                        <a:rPr lang="en-US" sz="1300" b="1" dirty="0" smtClean="0"/>
+                        <a:t>K-Nearest Neighbors Classifier Regression </a:t>
+                      </a:r>
+                      <a:endParaRPr lang="en-US" sz="1300" dirty="0" smtClean="0"/>
+                    </a:p>
+                  </a:txBody>
+                  <a:tcPr/>
+                </a:tc>
+                <a:tc>
+                  <a:txBody>
+                    <a:bodyPr/>
+                    <a:lstStyle/>
+                    <a:p>
+                      <a:pPr marL="0" marR="0" indent="0" algn="l" defTabSz="914400" rtl="0" eaLnBrk="1" fontAlgn="auto" latinLnBrk="0" hangingPunct="1">
+                        <a:lnSpc>
+                          <a:spcPct val="100000"/>
+                        </a:lnSpc>
+                        <a:spcBef>
+                          <a:spcPts val="0"/>
+                        </a:spcBef>
+                        <a:spcAft>
+                          <a:spcPts val="0"/>
+                        </a:spcAft>
+                        <a:buClrTx/>
+                        <a:buSzTx/>
+                        <a:buFontTx/>
+                        <a:buNone/>
+                        <a:tabLst/>
+                        <a:defRPr/>
+                      </a:pPr>
+                      <a:r>
+                        <a:rPr lang="en-US" sz="1300" b="0" kern="1200" dirty="0" smtClean="0">
+                          <a:solidFill>
+                            <a:schemeClr val="dk1"/>
+                          </a:solidFill>
+                          <a:latin typeface="+mn-lt"/>
+                          <a:ea typeface="+mn-ea"/>
+                          <a:cs typeface="+mn-cs"/>
+                        </a:rPr>
+                        <a:t>Test performance for</a:t>
+                      </a:r>
+                      <a:r>
+                        <a:rPr lang="en-US" sz="1300" b="0" kern="1200" baseline="0" dirty="0" smtClean="0">
+                          <a:solidFill>
+                            <a:schemeClr val="dk1"/>
+                          </a:solidFill>
+                          <a:latin typeface="+mn-lt"/>
+                          <a:ea typeface="+mn-ea"/>
+                          <a:cs typeface="+mn-cs"/>
+                        </a:rPr>
+                        <a:t> k between 1 and 100</a:t>
+                      </a:r>
+                      <a:endParaRPr lang="en-US" sz="1300" b="0" kern="1200" dirty="0" smtClean="0">
+                        <a:solidFill>
+                          <a:schemeClr val="dk1"/>
+                        </a:solidFill>
+                        <a:latin typeface="+mn-lt"/>
+                        <a:ea typeface="+mn-ea"/>
+                        <a:cs typeface="+mn-cs"/>
+                      </a:endParaRPr>
+                    </a:p>
+                  </a:txBody>
+                  <a:tcPr/>
+                </a:tc>
+                <a:tc>
+                  <a:txBody>
+                    <a:bodyPr/>
+                    <a:lstStyle/>
+                    <a:p>
+                      <a:r>
+                        <a:rPr lang="en-US" sz="1300" dirty="0" smtClean="0"/>
+                        <a:t>350.4079999923706</a:t>
+                      </a:r>
+                      <a:endParaRPr lang="en-US" sz="1300" dirty="0"/>
+                    </a:p>
+                  </a:txBody>
+                  <a:tcPr/>
+                </a:tc>
+              </a:tr>
+              <a:tr h="370840">
+                <a:tc>
+                  <a:txBody>
+                    <a:bodyPr/>
+                    <a:lstStyle/>
+                    <a:p>
+                      <a:r>
+                        <a:rPr lang="en-US" sz="1300" b="1" dirty="0" smtClean="0"/>
+                        <a:t>Linear Regression</a:t>
+                      </a:r>
+                      <a:endParaRPr lang="en-US" sz="1300" dirty="0"/>
+                    </a:p>
+                  </a:txBody>
+                  <a:tcPr/>
+                </a:tc>
+                <a:tc>
+                  <a:txBody>
+                    <a:bodyPr/>
+                    <a:lstStyle/>
+                    <a:p>
+                      <a:pPr marL="0" marR="0" indent="0" algn="l" defTabSz="914400" rtl="0" eaLnBrk="1" fontAlgn="auto" latinLnBrk="0" hangingPunct="1">
+                        <a:lnSpc>
+                          <a:spcPct val="100000"/>
+                        </a:lnSpc>
+                        <a:spcBef>
+                          <a:spcPts val="0"/>
+                        </a:spcBef>
+                        <a:spcAft>
+                          <a:spcPts val="0"/>
+                        </a:spcAft>
+                        <a:buClrTx/>
+                        <a:buSzTx/>
+                        <a:buFontTx/>
+                        <a:buNone/>
+                        <a:tabLst/>
+                        <a:defRPr/>
+                      </a:pPr>
+                      <a:r>
+                        <a:rPr lang="en-US" sz="1300" b="0" kern="1200" dirty="0" smtClean="0">
+                          <a:solidFill>
+                            <a:schemeClr val="dk1"/>
+                          </a:solidFill>
+                          <a:latin typeface="+mn-lt"/>
+                          <a:ea typeface="+mn-ea"/>
+                          <a:cs typeface="+mn-cs"/>
+                        </a:rPr>
+                        <a:t>Predict age with income and job</a:t>
+                      </a:r>
+                    </a:p>
+                  </a:txBody>
+                  <a:tcPr/>
+                </a:tc>
+                <a:tc>
+                  <a:txBody>
+                    <a:bodyPr/>
+                    <a:lstStyle/>
+                    <a:p>
+                      <a:r>
+                        <a:rPr lang="en-US" sz="1300" dirty="0" smtClean="0"/>
+                        <a:t>0.029000043869018555</a:t>
+                      </a:r>
+                      <a:endParaRPr lang="en-US" sz="1300" dirty="0"/>
+                    </a:p>
+                  </a:txBody>
+                  <a:tcPr/>
+                </a:tc>
+              </a:tr>
+              <a:tr h="370840">
+                <a:tc>
+                  <a:txBody>
+                    <a:bodyPr/>
+                    <a:lstStyle/>
+                    <a:p>
+                      <a:pPr marL="0" marR="0" indent="0" algn="l" defTabSz="914400" rtl="0" eaLnBrk="1" fontAlgn="auto" latinLnBrk="0" hangingPunct="1">
+                        <a:lnSpc>
+                          <a:spcPct val="100000"/>
+                        </a:lnSpc>
+                        <a:spcBef>
+                          <a:spcPts val="0"/>
+                        </a:spcBef>
+                        <a:spcAft>
+                          <a:spcPts val="0"/>
+                        </a:spcAft>
+                        <a:buClrTx/>
+                        <a:buSzTx/>
+                        <a:buFontTx/>
+                        <a:buNone/>
+                        <a:tabLst/>
+                        <a:defRPr/>
+                      </a:pPr>
+                      <a:r>
+                        <a:rPr lang="en-US" sz="1300" b="1" dirty="0" smtClean="0"/>
+                        <a:t>Linear Regression</a:t>
+                      </a:r>
+                      <a:endParaRPr lang="en-US" sz="1300" dirty="0" smtClean="0"/>
+                    </a:p>
+                  </a:txBody>
+                  <a:tcPr/>
+                </a:tc>
+                <a:tc>
+                  <a:txBody>
+                    <a:bodyPr/>
+                    <a:lstStyle/>
+                    <a:p>
+                      <a:pPr marL="0" marR="0" indent="0" algn="l" defTabSz="914400" rtl="0" eaLnBrk="1" fontAlgn="auto" latinLnBrk="0" hangingPunct="1">
+                        <a:lnSpc>
+                          <a:spcPct val="100000"/>
+                        </a:lnSpc>
+                        <a:spcBef>
+                          <a:spcPts val="0"/>
+                        </a:spcBef>
+                        <a:spcAft>
+                          <a:spcPts val="0"/>
+                        </a:spcAft>
+                        <a:buClrTx/>
+                        <a:buSzTx/>
+                        <a:buFontTx/>
+                        <a:buNone/>
+                        <a:tabLst/>
+                        <a:defRPr/>
+                      </a:pPr>
+                      <a:r>
+                        <a:rPr lang="en-US" sz="1300" b="0" kern="1200" dirty="0" smtClean="0">
+                          <a:solidFill>
+                            <a:schemeClr val="dk1"/>
+                          </a:solidFill>
+                          <a:latin typeface="+mn-lt"/>
+                          <a:ea typeface="+mn-ea"/>
+                          <a:cs typeface="+mn-cs"/>
+                        </a:rPr>
+                        <a:t>Test performance</a:t>
+                      </a:r>
+                    </a:p>
+                  </a:txBody>
+                  <a:tcPr/>
+                </a:tc>
+                <a:tc>
+                  <a:txBody>
+                    <a:bodyPr/>
+                    <a:lstStyle/>
+                    <a:p>
+                      <a:r>
+                        <a:rPr lang="en-US" sz="1300" dirty="0" smtClean="0"/>
+                        <a:t>0.003000020980834961</a:t>
+                      </a:r>
+                      <a:endParaRPr lang="en-US" sz="1300" dirty="0"/>
+                    </a:p>
+                  </a:txBody>
+                  <a:tcPr/>
+                </a:tc>
+              </a:tr>
+              <a:tr h="426720">
+                <a:tc>
+                  <a:txBody>
+                    <a:bodyPr/>
+                    <a:lstStyle/>
+                    <a:p>
+                      <a:pPr marL="0" marR="0" indent="0" algn="l" defTabSz="914400" rtl="0" eaLnBrk="1" fontAlgn="auto" latinLnBrk="0" hangingPunct="1">
+                        <a:lnSpc>
+                          <a:spcPct val="100000"/>
+                        </a:lnSpc>
+                        <a:spcBef>
+                          <a:spcPts val="0"/>
+                        </a:spcBef>
+                        <a:spcAft>
+                          <a:spcPts val="0"/>
+                        </a:spcAft>
+                        <a:buClrTx/>
+                        <a:buSzTx/>
+                        <a:buFontTx/>
+                        <a:buNone/>
+                        <a:tabLst/>
+                        <a:defRPr/>
+                      </a:pPr>
+                      <a:r>
+                        <a:rPr lang="en-US" sz="1300" b="1" dirty="0" smtClean="0"/>
+                        <a:t>K-Nearest Neighbors Classifier Regression </a:t>
+                      </a:r>
+                      <a:endParaRPr lang="en-US" sz="1300" dirty="0" smtClean="0"/>
+                    </a:p>
+                    <a:p>
+                      <a:endParaRPr lang="en-US" sz="1300" dirty="0"/>
+                    </a:p>
+                  </a:txBody>
+                  <a:tcPr/>
+                </a:tc>
+                <a:tc>
+                  <a:txBody>
+                    <a:bodyPr/>
+                    <a:lstStyle/>
+                    <a:p>
+                      <a:pPr marL="0" algn="l" defTabSz="914400" rtl="0" eaLnBrk="1" latinLnBrk="0" hangingPunct="1"/>
+                      <a:r>
+                        <a:rPr lang="en-US" sz="1300" b="0" kern="1200" dirty="0" smtClean="0">
+                          <a:solidFill>
+                            <a:schemeClr val="dk1"/>
+                          </a:solidFill>
+                          <a:latin typeface="+mn-lt"/>
+                          <a:ea typeface="+mn-ea"/>
+                          <a:cs typeface="+mn-cs"/>
+                        </a:rPr>
+                        <a:t>Predict income based on education, drugs and sex</a:t>
+                      </a:r>
+                      <a:endParaRPr lang="en-US" sz="1300" b="0" kern="1200" dirty="0">
+                        <a:solidFill>
+                          <a:schemeClr val="dk1"/>
+                        </a:solidFill>
+                        <a:latin typeface="+mn-lt"/>
+                        <a:ea typeface="+mn-ea"/>
+                        <a:cs typeface="+mn-cs"/>
+                      </a:endParaRPr>
+                    </a:p>
+                  </a:txBody>
+                  <a:tcPr/>
+                </a:tc>
+                <a:tc>
+                  <a:txBody>
+                    <a:bodyPr/>
+                    <a:lstStyle/>
+                    <a:p>
+                      <a:pPr marL="0" algn="l" defTabSz="914400" rtl="0" eaLnBrk="1" latinLnBrk="0" hangingPunct="1"/>
+                      <a:r>
+                        <a:rPr lang="en-US" sz="1300" kern="1200" dirty="0" smtClean="0">
+                          <a:solidFill>
+                            <a:schemeClr val="dk1"/>
+                          </a:solidFill>
+                          <a:latin typeface="+mn-lt"/>
+                          <a:ea typeface="+mn-ea"/>
+                          <a:cs typeface="+mn-cs"/>
+                        </a:rPr>
+                        <a:t>0.7210001945495605</a:t>
+                      </a:r>
+                      <a:endParaRPr lang="en-US" sz="1300" kern="1200" dirty="0">
+                        <a:solidFill>
+                          <a:schemeClr val="dk1"/>
+                        </a:solidFill>
+                        <a:latin typeface="+mn-lt"/>
+                        <a:ea typeface="+mn-ea"/>
+                        <a:cs typeface="+mn-cs"/>
+                      </a:endParaRPr>
+                    </a:p>
+                  </a:txBody>
+                  <a:tcPr/>
+                </a:tc>
+              </a:tr>
+              <a:tr h="320040">
+                <a:tc>
+                  <a:txBody>
+                    <a:bodyPr/>
+                    <a:lstStyle/>
+                    <a:p>
+                      <a:pPr marL="0" marR="0" indent="0" algn="l" defTabSz="914400" rtl="0" eaLnBrk="1" fontAlgn="auto" latinLnBrk="0" hangingPunct="1">
+                        <a:lnSpc>
+                          <a:spcPct val="100000"/>
+                        </a:lnSpc>
+                        <a:spcBef>
+                          <a:spcPts val="0"/>
+                        </a:spcBef>
+                        <a:spcAft>
+                          <a:spcPts val="0"/>
+                        </a:spcAft>
+                        <a:buClrTx/>
+                        <a:buSzTx/>
+                        <a:buFontTx/>
+                        <a:buNone/>
+                        <a:tabLst/>
+                        <a:defRPr/>
+                      </a:pPr>
+                      <a:r>
+                        <a:rPr lang="en-US" sz="1300" b="1" dirty="0" smtClean="0"/>
+                        <a:t>K-Nearest Neighbors Classifier Regression</a:t>
+                      </a:r>
+                      <a:endParaRPr lang="en-US" sz="1300" dirty="0" smtClean="0"/>
+                    </a:p>
+                  </a:txBody>
+                  <a:tcPr/>
+                </a:tc>
+                <a:tc>
+                  <a:txBody>
+                    <a:bodyPr/>
+                    <a:lstStyle/>
+                    <a:p>
+                      <a:pPr marL="0" marR="0" indent="0" algn="l" defTabSz="914400" rtl="0" eaLnBrk="1" fontAlgn="auto" latinLnBrk="0" hangingPunct="1">
+                        <a:lnSpc>
+                          <a:spcPct val="100000"/>
+                        </a:lnSpc>
+                        <a:spcBef>
+                          <a:spcPts val="0"/>
+                        </a:spcBef>
+                        <a:spcAft>
+                          <a:spcPts val="0"/>
+                        </a:spcAft>
+                        <a:buClrTx/>
+                        <a:buSzTx/>
+                        <a:buFontTx/>
+                        <a:buNone/>
+                        <a:tabLst/>
+                        <a:defRPr/>
+                      </a:pPr>
+                      <a:r>
+                        <a:rPr lang="en-US" sz="1300" b="0" kern="1200" dirty="0" smtClean="0">
+                          <a:solidFill>
+                            <a:schemeClr val="dk1"/>
+                          </a:solidFill>
+                          <a:latin typeface="+mn-lt"/>
+                          <a:ea typeface="+mn-ea"/>
+                          <a:cs typeface="+mn-cs"/>
+                        </a:rPr>
+                        <a:t>Test performance for</a:t>
+                      </a:r>
+                      <a:r>
+                        <a:rPr lang="en-US" sz="1300" b="0" kern="1200" baseline="0" dirty="0" smtClean="0">
+                          <a:solidFill>
+                            <a:schemeClr val="dk1"/>
+                          </a:solidFill>
+                          <a:latin typeface="+mn-lt"/>
+                          <a:ea typeface="+mn-ea"/>
+                          <a:cs typeface="+mn-cs"/>
+                        </a:rPr>
+                        <a:t> k between 1 and 100</a:t>
+                      </a:r>
+                      <a:endParaRPr lang="en-US" sz="1300" b="0" kern="1200" dirty="0" smtClean="0">
+                        <a:solidFill>
+                          <a:schemeClr val="dk1"/>
+                        </a:solidFill>
+                        <a:latin typeface="+mn-lt"/>
+                        <a:ea typeface="+mn-ea"/>
+                        <a:cs typeface="+mn-cs"/>
+                      </a:endParaRPr>
+                    </a:p>
+                  </a:txBody>
+                  <a:tcPr/>
+                </a:tc>
+                <a:tc>
+                  <a:txBody>
+                    <a:bodyPr/>
+                    <a:lstStyle/>
+                    <a:p>
+                      <a:pPr marL="0" algn="l" defTabSz="914400" rtl="0" eaLnBrk="1" latinLnBrk="0" hangingPunct="1"/>
+                      <a:r>
+                        <a:rPr lang="en-US" sz="1300" kern="1200" dirty="0" smtClean="0">
+                          <a:solidFill>
+                            <a:schemeClr val="dk1"/>
+                          </a:solidFill>
+                          <a:latin typeface="+mn-lt"/>
+                          <a:ea typeface="+mn-ea"/>
+                          <a:cs typeface="+mn-cs"/>
+                        </a:rPr>
+                        <a:t>378.03399991989136</a:t>
+                      </a:r>
+                      <a:endParaRPr lang="en-US" sz="1300" kern="1200" dirty="0">
+                        <a:solidFill>
+                          <a:schemeClr val="dk1"/>
+                        </a:solidFill>
+                        <a:latin typeface="+mn-lt"/>
+                        <a:ea typeface="+mn-ea"/>
+                        <a:cs typeface="+mn-cs"/>
+                      </a:endParaRPr>
+                    </a:p>
+                  </a:txBody>
+                  <a:tcPr/>
+                </a:tc>
+              </a:tr>
+              <a:tr h="370840">
+                <a:tc>
+                  <a:txBody>
+                    <a:bodyPr/>
+                    <a:lstStyle/>
+                    <a:p>
+                      <a:pPr marL="0" marR="0" indent="0" algn="l" defTabSz="914400" rtl="0" eaLnBrk="1" fontAlgn="auto" latinLnBrk="0" hangingPunct="1">
+                        <a:lnSpc>
+                          <a:spcPct val="100000"/>
+                        </a:lnSpc>
+                        <a:spcBef>
+                          <a:spcPts val="0"/>
+                        </a:spcBef>
+                        <a:spcAft>
+                          <a:spcPts val="0"/>
+                        </a:spcAft>
+                        <a:buClrTx/>
+                        <a:buSzTx/>
+                        <a:buFontTx/>
+                        <a:buNone/>
+                        <a:tabLst/>
+                        <a:defRPr/>
+                      </a:pPr>
+                      <a:r>
+                        <a:rPr lang="en-US" sz="1300" b="1" dirty="0" smtClean="0"/>
+                        <a:t>Linear Regression</a:t>
+                      </a:r>
+                      <a:endParaRPr lang="en-US" sz="1300" dirty="0" smtClean="0"/>
+                    </a:p>
+                  </a:txBody>
+                  <a:tcPr/>
+                </a:tc>
+                <a:tc>
+                  <a:txBody>
+                    <a:bodyPr/>
+                    <a:lstStyle/>
+                    <a:p>
+                      <a:pPr marL="0" marR="0" indent="0" algn="l" defTabSz="914400" rtl="0" eaLnBrk="1" fontAlgn="auto" latinLnBrk="0" hangingPunct="1">
+                        <a:lnSpc>
+                          <a:spcPct val="100000"/>
+                        </a:lnSpc>
+                        <a:spcBef>
+                          <a:spcPts val="0"/>
+                        </a:spcBef>
+                        <a:spcAft>
+                          <a:spcPts val="0"/>
+                        </a:spcAft>
+                        <a:buClrTx/>
+                        <a:buSzTx/>
+                        <a:buFontTx/>
+                        <a:buNone/>
+                        <a:tabLst/>
+                        <a:defRPr/>
+                      </a:pPr>
+                      <a:r>
+                        <a:rPr lang="en-US" sz="1300" b="0" kern="1200" dirty="0" smtClean="0">
+                          <a:solidFill>
+                            <a:schemeClr val="dk1"/>
+                          </a:solidFill>
+                          <a:latin typeface="+mn-lt"/>
+                          <a:ea typeface="+mn-ea"/>
+                          <a:cs typeface="+mn-cs"/>
+                        </a:rPr>
+                        <a:t>Predict income based on education, drugs and sex</a:t>
+                      </a:r>
+                    </a:p>
+                  </a:txBody>
+                  <a:tcPr/>
+                </a:tc>
+                <a:tc>
+                  <a:txBody>
+                    <a:bodyPr/>
+                    <a:lstStyle/>
+                    <a:p>
+                      <a:r>
+                        <a:rPr lang="en-US" sz="1300" dirty="0" smtClean="0"/>
+                        <a:t>0.009999990463256836</a:t>
+                      </a:r>
+                      <a:endParaRPr lang="en-US" sz="1300" dirty="0"/>
+                    </a:p>
+                  </a:txBody>
+                  <a:tcPr/>
+                </a:tc>
+              </a:tr>
+              <a:tr h="370840">
+                <a:tc>
+                  <a:txBody>
+                    <a:bodyPr/>
+                    <a:lstStyle/>
+                    <a:p>
+                      <a:pPr marL="0" marR="0" indent="0" algn="l" defTabSz="914400" rtl="0" eaLnBrk="1" fontAlgn="auto" latinLnBrk="0" hangingPunct="1">
+                        <a:lnSpc>
+                          <a:spcPct val="100000"/>
+                        </a:lnSpc>
+                        <a:spcBef>
+                          <a:spcPts val="0"/>
+                        </a:spcBef>
+                        <a:spcAft>
+                          <a:spcPts val="0"/>
+                        </a:spcAft>
+                        <a:buClrTx/>
+                        <a:buSzTx/>
+                        <a:buFontTx/>
+                        <a:buNone/>
+                        <a:tabLst/>
+                        <a:defRPr/>
+                      </a:pPr>
+                      <a:r>
+                        <a:rPr lang="en-US" sz="1300" b="1" dirty="0" smtClean="0"/>
+                        <a:t>Linear Regression</a:t>
+                      </a:r>
+                      <a:endParaRPr lang="en-US" sz="1300" dirty="0" smtClean="0"/>
+                    </a:p>
+                  </a:txBody>
+                  <a:tcPr/>
+                </a:tc>
+                <a:tc>
+                  <a:txBody>
+                    <a:bodyPr/>
+                    <a:lstStyle/>
+                    <a:p>
+                      <a:pPr marL="0" marR="0" indent="0" algn="l" defTabSz="914400" rtl="0" eaLnBrk="1" fontAlgn="auto" latinLnBrk="0" hangingPunct="1">
+                        <a:lnSpc>
+                          <a:spcPct val="100000"/>
+                        </a:lnSpc>
+                        <a:spcBef>
+                          <a:spcPts val="0"/>
+                        </a:spcBef>
+                        <a:spcAft>
+                          <a:spcPts val="0"/>
+                        </a:spcAft>
+                        <a:buClrTx/>
+                        <a:buSzTx/>
+                        <a:buFontTx/>
+                        <a:buNone/>
+                        <a:tabLst/>
+                        <a:defRPr/>
+                      </a:pPr>
+                      <a:r>
+                        <a:rPr lang="en-US" sz="1300" b="0" kern="1200" dirty="0" smtClean="0">
+                          <a:solidFill>
+                            <a:schemeClr val="dk1"/>
+                          </a:solidFill>
+                          <a:latin typeface="+mn-lt"/>
+                          <a:ea typeface="+mn-ea"/>
+                          <a:cs typeface="+mn-cs"/>
+                        </a:rPr>
+                        <a:t>Test performance</a:t>
+                      </a:r>
+                    </a:p>
+                  </a:txBody>
+                  <a:tcPr/>
+                </a:tc>
+                <a:tc>
+                  <a:txBody>
+                    <a:bodyPr/>
+                    <a:lstStyle/>
+                    <a:p>
+                      <a:r>
+                        <a:rPr lang="en-US" sz="1300" dirty="0" smtClean="0"/>
+                        <a:t>0.006999969482421875</a:t>
+                      </a:r>
+                      <a:endParaRPr lang="en-US" sz="1300" dirty="0"/>
+                    </a:p>
+                  </a:txBody>
+                  <a:tcPr/>
+                </a:tc>
+              </a:tr>
+            </a:tbl>
+          </a:graphicData>
+        </a:graphic>
+      </p:graphicFrame>
+    </p:spTree>
+    <p:extLst>
+      <p:ext uri="{BB962C8B-B14F-4D97-AF65-F5344CB8AC3E}">
+        <p14:creationId xmlns:p14="http://schemas.microsoft.com/office/powerpoint/2010/main" val="4142955862"/>
+      </p:ext>
+    </p:extLst>
+  </p:cSld>
+  <p:clrMapOvr>
+    <a:masterClrMapping/>
+  </p:clrMapOvr>
+  <p:timing>
+    <p:tnLst>
+      <p:par>
+        <p:cTn id="1" dur="indefinite" restart="never" nodeType="tmRoot"/>
+      </p:par>
+    </p:tnLst>
+  </p:timing>
+</p:sld>
+</file>
+
+<file path=ppt/slides/slide14.xml><?xml version="1.0" encoding="utf-8"?>
+<p:sld xmlns:a="http://schemas.openxmlformats.org/drawingml/2006/main" xmlns:r="http://schemas.openxmlformats.org/officeDocument/2006/relationships" xmlns:p="http://schemas.openxmlformats.org/presentationml/2006/main">
+  <p:cSld>
+    <p:spTree>
+      <p:nvGrpSpPr>
+        <p:cNvPr id="1" name=""/>
+        <p:cNvGrpSpPr/>
+        <p:nvPr/>
+      </p:nvGrpSpPr>
+      <p:grpSpPr>
+        <a:xfrm>
+          <a:off x="0" y="0"/>
+          <a:ext cx="0" cy="0"/>
+          <a:chOff x="0" y="0"/>
+          <a:chExt cx="0" cy="0"/>
+        </a:xfrm>
+      </p:grpSpPr>
+      <p:sp>
+        <p:nvSpPr>
+          <p:cNvPr id="2" name="Title 1"/>
+          <p:cNvSpPr>
+            <a:spLocks noGrp="1"/>
+          </p:cNvSpPr>
+          <p:nvPr>
+            <p:ph type="title"/>
+          </p:nvPr>
+        </p:nvSpPr>
+        <p:spPr>
+          <a:xfrm>
+            <a:off x="609600" y="609600"/>
+            <a:ext cx="8229600" cy="715963"/>
+          </a:xfrm>
+        </p:spPr>
+        <p:txBody>
+          <a:bodyPr rtlCol="0">
+            <a:normAutofit fontScale="90000"/>
+          </a:bodyPr>
+          <a:lstStyle/>
+          <a:p>
+            <a:pPr algn="l" fontAlgn="auto">
+              <a:spcAft>
+                <a:spcPts val="0"/>
+              </a:spcAft>
+              <a:defRPr/>
+            </a:pPr>
+            <a:r>
+              <a:rPr lang="en-US" dirty="0" smtClean="0"/>
+              <a:t/>
+            </a:r>
+            <a:br>
+              <a:rPr lang="en-US" dirty="0" smtClean="0"/>
+            </a:br>
+            <a:r>
+              <a:rPr lang="en-US" dirty="0"/>
+              <a:t>                  </a:t>
+            </a:r>
+            <a:br>
+              <a:rPr lang="en-US" dirty="0"/>
+            </a:br>
+            <a:r>
+              <a:rPr lang="en-US" dirty="0" smtClean="0"/>
+              <a:t/>
+            </a:r>
+            <a:br>
+              <a:rPr lang="en-US" dirty="0" smtClean="0"/>
+            </a:br>
+            <a:endParaRPr lang="en-US" dirty="0"/>
+          </a:p>
+        </p:txBody>
+      </p:sp>
+      <p:sp>
+        <p:nvSpPr>
+          <p:cNvPr id="3" name="Content Placeholder 2"/>
+          <p:cNvSpPr>
+            <a:spLocks noGrp="1"/>
+          </p:cNvSpPr>
+          <p:nvPr>
+            <p:ph idx="1"/>
+          </p:nvPr>
+        </p:nvSpPr>
+        <p:spPr>
+          <a:xfrm>
+            <a:off x="609600" y="1447800"/>
+            <a:ext cx="8229600" cy="4191000"/>
+          </a:xfrm>
+        </p:spPr>
+        <p:txBody>
+          <a:bodyPr rtlCol="0">
+            <a:noAutofit/>
+          </a:bodyPr>
+          <a:lstStyle/>
+          <a:p>
+            <a:pPr fontAlgn="auto">
+              <a:spcAft>
+                <a:spcPts val="0"/>
+              </a:spcAft>
+              <a:defRPr/>
+            </a:pPr>
+            <a:endParaRPr lang="en-US" sz="2400" dirty="0"/>
+          </a:p>
+          <a:p>
+            <a:pPr fontAlgn="auto">
+              <a:spcAft>
+                <a:spcPts val="0"/>
+              </a:spcAft>
+              <a:defRPr/>
+            </a:pPr>
+            <a:endParaRPr lang="en-US" sz="2400" b="1" dirty="0" smtClean="0"/>
+          </a:p>
+          <a:p>
+            <a:pPr fontAlgn="auto">
+              <a:spcAft>
+                <a:spcPts val="0"/>
+              </a:spcAft>
+              <a:defRPr/>
+            </a:pPr>
+            <a:endParaRPr lang="en-US" sz="2400" dirty="0"/>
+          </a:p>
+          <a:p>
+            <a:pPr fontAlgn="auto">
+              <a:spcAft>
+                <a:spcPts val="0"/>
+              </a:spcAft>
+              <a:defRPr/>
+            </a:pPr>
+            <a:endParaRPr lang="ro-RO" sz="2400" dirty="0" smtClean="0"/>
+          </a:p>
+          <a:p>
+            <a:pPr marL="0" indent="0" fontAlgn="auto">
+              <a:spcAft>
+                <a:spcPts val="0"/>
+              </a:spcAft>
+              <a:buFont typeface="Arial" pitchFamily="34" charset="0"/>
+              <a:buNone/>
+              <a:defRPr/>
+            </a:pPr>
+            <a:endParaRPr lang="en-GB" sz="2400" dirty="0" smtClean="0"/>
+          </a:p>
+          <a:p>
+            <a:pPr fontAlgn="auto">
+              <a:spcAft>
+                <a:spcPts val="0"/>
+              </a:spcAft>
+              <a:defRPr/>
+            </a:pPr>
+            <a:endParaRPr lang="en-US" sz="2000" dirty="0"/>
+          </a:p>
+        </p:txBody>
+      </p:sp>
+      <p:sp>
+        <p:nvSpPr>
+          <p:cNvPr id="4" name="Footer Placeholder 3"/>
+          <p:cNvSpPr>
+            <a:spLocks noGrp="1"/>
+          </p:cNvSpPr>
+          <p:nvPr>
+            <p:ph type="ftr" sz="quarter" idx="11"/>
+          </p:nvPr>
+        </p:nvSpPr>
+        <p:spPr/>
+        <p:txBody>
+          <a:bodyPr/>
+          <a:lstStyle/>
+          <a:p>
+            <a:pPr>
+              <a:defRPr/>
+            </a:pPr>
+            <a:endParaRPr lang="en-US" dirty="0"/>
+          </a:p>
+        </p:txBody>
+      </p:sp>
+      <p:sp>
+        <p:nvSpPr>
+          <p:cNvPr id="5" name="Slide Number Placeholder 4"/>
+          <p:cNvSpPr>
+            <a:spLocks noGrp="1"/>
+          </p:cNvSpPr>
+          <p:nvPr>
+            <p:ph type="sldNum" sz="quarter" idx="12"/>
+          </p:nvPr>
+        </p:nvSpPr>
+        <p:spPr/>
+        <p:txBody>
+          <a:bodyPr/>
+          <a:lstStyle/>
+          <a:p>
+            <a:pPr>
+              <a:defRPr/>
+            </a:pPr>
+            <a:endParaRPr lang="en-US" dirty="0"/>
+          </a:p>
+        </p:txBody>
+      </p:sp>
+      <p:cxnSp>
+        <p:nvCxnSpPr>
+          <p:cNvPr id="8" name="Straight Connector 7"/>
+          <p:cNvCxnSpPr/>
+          <p:nvPr/>
+        </p:nvCxnSpPr>
+        <p:spPr>
+          <a:xfrm>
+            <a:off x="685800" y="6629400"/>
+            <a:ext cx="8077200" cy="76200"/>
+          </a:xfrm>
+          <a:prstGeom prst="line">
+            <a:avLst/>
+          </a:prstGeom>
+          <a:ln w="63500">
+            <a:solidFill>
+              <a:srgbClr val="7030A0"/>
+            </a:solidFill>
+          </a:ln>
+        </p:spPr>
+        <p:style>
+          <a:lnRef idx="1">
+            <a:schemeClr val="accent1"/>
+          </a:lnRef>
+          <a:fillRef idx="0">
+            <a:schemeClr val="accent1"/>
+          </a:fillRef>
+          <a:effectRef idx="0">
+            <a:schemeClr val="accent1"/>
+          </a:effectRef>
+          <a:fontRef idx="minor">
+            <a:schemeClr val="tx1"/>
+          </a:fontRef>
+        </p:style>
+      </p:cxnSp>
+      <p:sp>
+        <p:nvSpPr>
+          <p:cNvPr id="9" name="Title 5"/>
+          <p:cNvSpPr txBox="1">
+            <a:spLocks/>
+          </p:cNvSpPr>
+          <p:nvPr/>
+        </p:nvSpPr>
+        <p:spPr bwMode="auto">
+          <a:xfrm>
+            <a:off x="495300" y="304800"/>
+            <a:ext cx="8229600" cy="1143000"/>
+          </a:xfrm>
+          <a:prstGeom prst="rect">
+            <a:avLst/>
+          </a:prstGeom>
+          <a:noFill/>
+          <a:ln>
+            <a:noFill/>
+          </a:ln>
+          <a:extLst>
+            <a:ext uri="{909E8E84-426E-40DD-AFC4-6F175D3DCCD1}">
+              <a14:hiddenFill xmlns:a14="http://schemas.microsoft.com/office/drawing/2010/main">
+                <a:solidFill>
+                  <a:srgbClr val="FFFFFF"/>
+                </a:solidFill>
+              </a14:hiddenFill>
+            </a:ext>
+            <a:ext uri="{91240B29-F687-4F45-9708-019B960494DF}">
+              <a14:hiddenLine xmlns:a14="http://schemas.microsoft.com/office/drawing/2010/main" w="9525">
+                <a:solidFill>
+                  <a:srgbClr val="000000"/>
+                </a:solidFill>
+                <a:miter lim="800000"/>
+                <a:headEnd/>
+                <a:tailEnd/>
+              </a14:hiddenLine>
+            </a:ext>
+          </a:extLst>
+        </p:spPr>
+        <p:txBody>
+          <a:bodyPr vert="horz" wrap="square" lIns="91440" tIns="45720" rIns="91440" bIns="45720" numCol="1" anchor="ctr" anchorCtr="0" compatLnSpc="1">
+            <a:prstTxWarp prst="textNoShape">
+              <a:avLst/>
+            </a:prstTxWarp>
+          </a:bodyPr>
+          <a:lstStyle>
+            <a:lvl1pPr algn="ctr" rtl="0" fontAlgn="base">
+              <a:spcBef>
+                <a:spcPct val="0"/>
+              </a:spcBef>
+              <a:spcAft>
+                <a:spcPct val="0"/>
+              </a:spcAft>
+              <a:defRPr sz="4400" kern="1200">
+                <a:solidFill>
+                  <a:schemeClr val="tx1"/>
+                </a:solidFill>
+                <a:latin typeface="+mj-lt"/>
+                <a:ea typeface="+mj-ea"/>
+                <a:cs typeface="+mj-cs"/>
+              </a:defRPr>
+            </a:lvl1pPr>
+            <a:lvl2pPr algn="ctr" rtl="0" fontAlgn="base">
+              <a:spcBef>
+                <a:spcPct val="0"/>
+              </a:spcBef>
+              <a:spcAft>
+                <a:spcPct val="0"/>
+              </a:spcAft>
+              <a:defRPr sz="4400">
+                <a:solidFill>
+                  <a:schemeClr val="tx1"/>
+                </a:solidFill>
+                <a:latin typeface="Calibri" pitchFamily="34" charset="0"/>
+              </a:defRPr>
+            </a:lvl2pPr>
+            <a:lvl3pPr algn="ctr" rtl="0" fontAlgn="base">
+              <a:spcBef>
+                <a:spcPct val="0"/>
+              </a:spcBef>
+              <a:spcAft>
+                <a:spcPct val="0"/>
+              </a:spcAft>
+              <a:defRPr sz="4400">
+                <a:solidFill>
+                  <a:schemeClr val="tx1"/>
+                </a:solidFill>
+                <a:latin typeface="Calibri" pitchFamily="34" charset="0"/>
+              </a:defRPr>
+            </a:lvl3pPr>
+            <a:lvl4pPr algn="ctr" rtl="0" fontAlgn="base">
+              <a:spcBef>
+                <a:spcPct val="0"/>
+              </a:spcBef>
+              <a:spcAft>
+                <a:spcPct val="0"/>
+              </a:spcAft>
+              <a:defRPr sz="4400">
+                <a:solidFill>
+                  <a:schemeClr val="tx1"/>
+                </a:solidFill>
+                <a:latin typeface="Calibri" pitchFamily="34" charset="0"/>
+              </a:defRPr>
+            </a:lvl4pPr>
+            <a:lvl5pPr algn="ctr" rtl="0" fontAlgn="base">
+              <a:spcBef>
+                <a:spcPct val="0"/>
+              </a:spcBef>
+              <a:spcAft>
+                <a:spcPct val="0"/>
+              </a:spcAft>
+              <a:defRPr sz="4400">
+                <a:solidFill>
+                  <a:schemeClr val="tx1"/>
+                </a:solidFill>
+                <a:latin typeface="Calibri" pitchFamily="34" charset="0"/>
+              </a:defRPr>
+            </a:lvl5pPr>
+            <a:lvl6pPr marL="457200" algn="ctr" rtl="0" fontAlgn="base">
+              <a:spcBef>
+                <a:spcPct val="0"/>
+              </a:spcBef>
+              <a:spcAft>
+                <a:spcPct val="0"/>
+              </a:spcAft>
+              <a:defRPr sz="4400">
+                <a:solidFill>
+                  <a:schemeClr val="tx1"/>
+                </a:solidFill>
+                <a:latin typeface="Calibri" pitchFamily="34" charset="0"/>
+              </a:defRPr>
+            </a:lvl6pPr>
+            <a:lvl7pPr marL="914400" algn="ctr" rtl="0" fontAlgn="base">
+              <a:spcBef>
+                <a:spcPct val="0"/>
+              </a:spcBef>
+              <a:spcAft>
+                <a:spcPct val="0"/>
+              </a:spcAft>
+              <a:defRPr sz="4400">
+                <a:solidFill>
+                  <a:schemeClr val="tx1"/>
+                </a:solidFill>
+                <a:latin typeface="Calibri" pitchFamily="34" charset="0"/>
+              </a:defRPr>
+            </a:lvl7pPr>
+            <a:lvl8pPr marL="1371600" algn="ctr" rtl="0" fontAlgn="base">
+              <a:spcBef>
+                <a:spcPct val="0"/>
+              </a:spcBef>
+              <a:spcAft>
+                <a:spcPct val="0"/>
+              </a:spcAft>
+              <a:defRPr sz="4400">
+                <a:solidFill>
+                  <a:schemeClr val="tx1"/>
+                </a:solidFill>
+                <a:latin typeface="Calibri" pitchFamily="34" charset="0"/>
+              </a:defRPr>
+            </a:lvl8pPr>
+            <a:lvl9pPr marL="1828800" algn="ctr" rtl="0" fontAlgn="base">
+              <a:spcBef>
+                <a:spcPct val="0"/>
+              </a:spcBef>
+              <a:spcAft>
+                <a:spcPct val="0"/>
+              </a:spcAft>
+              <a:defRPr sz="4400">
+                <a:solidFill>
+                  <a:schemeClr val="tx1"/>
+                </a:solidFill>
+                <a:latin typeface="Calibri" pitchFamily="34" charset="0"/>
+              </a:defRPr>
+            </a:lvl9pPr>
+          </a:lstStyle>
+          <a:p>
+            <a:r>
+              <a:rPr lang="en-US" dirty="0" smtClean="0"/>
+              <a:t>Regression model comparison</a:t>
+            </a:r>
+            <a:endParaRPr lang="en-US" dirty="0"/>
+          </a:p>
+        </p:txBody>
+      </p:sp>
+      <p:pic>
+        <p:nvPicPr>
+          <p:cNvPr id="10" name="Picture 9"/>
+          <p:cNvPicPr>
+            <a:picLocks noChangeAspect="1"/>
+          </p:cNvPicPr>
+          <p:nvPr/>
+        </p:nvPicPr>
+        <p:blipFill>
+          <a:blip r:embed="rId2">
+            <a:extLst>
+              <a:ext uri="{28A0092B-C50C-407E-A947-70E740481C1C}">
+                <a14:useLocalDpi xmlns:a14="http://schemas.microsoft.com/office/drawing/2010/main" val="0"/>
+              </a:ext>
+            </a:extLst>
+          </a:blip>
+          <a:stretch>
+            <a:fillRect/>
+          </a:stretch>
+        </p:blipFill>
+        <p:spPr>
+          <a:xfrm>
+            <a:off x="6705600" y="228600"/>
+            <a:ext cx="2225040" cy="434340"/>
+          </a:xfrm>
+          <a:prstGeom prst="rect">
+            <a:avLst/>
+          </a:prstGeom>
+        </p:spPr>
+      </p:pic>
+      <p:graphicFrame>
+        <p:nvGraphicFramePr>
+          <p:cNvPr id="6" name="Table 5"/>
+          <p:cNvGraphicFramePr>
+            <a:graphicFrameLocks noGrp="1"/>
+          </p:cNvGraphicFramePr>
+          <p:nvPr>
+            <p:extLst>
+              <p:ext uri="{D42A27DB-BD31-4B8C-83A1-F6EECF244321}">
+                <p14:modId xmlns:p14="http://schemas.microsoft.com/office/powerpoint/2010/main" val="2435304362"/>
+              </p:ext>
+            </p:extLst>
+          </p:nvPr>
+        </p:nvGraphicFramePr>
+        <p:xfrm>
+          <a:off x="508000" y="1524000"/>
+          <a:ext cx="8331199" cy="1920240"/>
+        </p:xfrm>
+        <a:graphic>
+          <a:graphicData uri="http://schemas.openxmlformats.org/drawingml/2006/table">
+            <a:tbl>
+              <a:tblPr firstRow="1" bandRow="1">
+                <a:tableStyleId>{5C22544A-7EE6-4342-B048-85BDC9FD1C3A}</a:tableStyleId>
+              </a:tblPr>
+              <a:tblGrid>
+                <a:gridCol w="1701800"/>
+                <a:gridCol w="2819400"/>
+                <a:gridCol w="2057400"/>
+                <a:gridCol w="1752599"/>
+              </a:tblGrid>
+              <a:tr h="370840">
+                <a:tc>
+                  <a:txBody>
+                    <a:bodyPr/>
+                    <a:lstStyle/>
+                    <a:p>
+                      <a:r>
+                        <a:rPr lang="en-US" dirty="0" smtClean="0"/>
+                        <a:t>Model</a:t>
+                      </a:r>
+                      <a:endParaRPr lang="en-US" dirty="0"/>
+                    </a:p>
+                  </a:txBody>
+                  <a:tcPr/>
+                </a:tc>
+                <a:tc>
+                  <a:txBody>
+                    <a:bodyPr/>
+                    <a:lstStyle/>
+                    <a:p>
+                      <a:r>
+                        <a:rPr lang="en-US" dirty="0" smtClean="0"/>
+                        <a:t>Action</a:t>
+                      </a:r>
+                      <a:endParaRPr lang="en-US" dirty="0"/>
+                    </a:p>
+                  </a:txBody>
+                  <a:tcPr/>
+                </a:tc>
+                <a:tc>
+                  <a:txBody>
+                    <a:bodyPr/>
+                    <a:lstStyle/>
+                    <a:p>
+                      <a:r>
+                        <a:rPr lang="en-US" dirty="0" smtClean="0"/>
+                        <a:t>Training data accuracy score</a:t>
+                      </a:r>
+                      <a:endParaRPr lang="en-US" dirty="0"/>
+                    </a:p>
+                  </a:txBody>
+                  <a:tcPr/>
+                </a:tc>
+                <a:tc>
+                  <a:txBody>
+                    <a:bodyPr/>
+                    <a:lstStyle/>
+                    <a:p>
+                      <a:pPr marL="0" marR="0" indent="0" algn="l" defTabSz="914400" rtl="0" eaLnBrk="1" fontAlgn="auto" latinLnBrk="0" hangingPunct="1">
+                        <a:lnSpc>
+                          <a:spcPct val="100000"/>
+                        </a:lnSpc>
+                        <a:spcBef>
+                          <a:spcPts val="0"/>
+                        </a:spcBef>
+                        <a:spcAft>
+                          <a:spcPts val="0"/>
+                        </a:spcAft>
+                        <a:buClrTx/>
+                        <a:buSzTx/>
+                        <a:buFontTx/>
+                        <a:buNone/>
+                        <a:tabLst/>
+                        <a:defRPr/>
+                      </a:pPr>
+                      <a:r>
+                        <a:rPr lang="en-US" dirty="0" smtClean="0"/>
+                        <a:t>Test data accuracy score</a:t>
+                      </a:r>
+                    </a:p>
+                    <a:p>
+                      <a:endParaRPr lang="en-US" dirty="0"/>
+                    </a:p>
+                  </a:txBody>
+                  <a:tcPr/>
+                </a:tc>
+              </a:tr>
+              <a:tr h="370840">
+                <a:tc>
+                  <a:txBody>
+                    <a:bodyPr/>
+                    <a:lstStyle/>
+                    <a:p>
+                      <a:r>
+                        <a:rPr lang="en-US" sz="1500" b="1" dirty="0" smtClean="0"/>
+                        <a:t>Linear Regression</a:t>
+                      </a:r>
+                      <a:endParaRPr lang="en-US" sz="1500" dirty="0"/>
+                    </a:p>
+                  </a:txBody>
+                  <a:tcPr/>
+                </a:tc>
+                <a:tc>
+                  <a:txBody>
+                    <a:bodyPr/>
+                    <a:lstStyle/>
+                    <a:p>
+                      <a:pPr marL="0" marR="0" indent="0" algn="l" defTabSz="914400" rtl="0" eaLnBrk="1" fontAlgn="auto" latinLnBrk="0" hangingPunct="1">
+                        <a:lnSpc>
+                          <a:spcPct val="100000"/>
+                        </a:lnSpc>
+                        <a:spcBef>
+                          <a:spcPts val="0"/>
+                        </a:spcBef>
+                        <a:spcAft>
+                          <a:spcPts val="0"/>
+                        </a:spcAft>
+                        <a:buClrTx/>
+                        <a:buSzTx/>
+                        <a:buFontTx/>
+                        <a:buNone/>
+                        <a:tabLst/>
+                        <a:defRPr/>
+                      </a:pPr>
+                      <a:r>
+                        <a:rPr lang="en-US" sz="1500" b="0" kern="1200" dirty="0" smtClean="0">
+                          <a:solidFill>
+                            <a:schemeClr val="dk1"/>
+                          </a:solidFill>
+                          <a:latin typeface="+mn-lt"/>
+                          <a:ea typeface="+mn-ea"/>
+                          <a:cs typeface="+mn-cs"/>
+                        </a:rPr>
+                        <a:t>Predict age with income and job</a:t>
+                      </a:r>
+                    </a:p>
+                  </a:txBody>
+                  <a:tcPr/>
+                </a:tc>
+                <a:tc>
+                  <a:txBody>
+                    <a:bodyPr/>
+                    <a:lstStyle/>
+                    <a:p>
+                      <a:r>
+                        <a:rPr lang="en-US" sz="1200" dirty="0" smtClean="0"/>
+                        <a:t>0.0001112635695025288</a:t>
+                      </a:r>
+                      <a:endParaRPr lang="en-US" sz="1200" dirty="0"/>
+                    </a:p>
+                  </a:txBody>
+                  <a:tcPr/>
+                </a:tc>
+                <a:tc>
+                  <a:txBody>
+                    <a:bodyPr/>
+                    <a:lstStyle/>
+                    <a:p>
+                      <a:r>
+                        <a:rPr lang="en-US" sz="1200" dirty="0" smtClean="0"/>
+                        <a:t>0.00039512717792733465</a:t>
+                      </a:r>
+                      <a:endParaRPr lang="en-US" sz="1200" dirty="0"/>
+                    </a:p>
+                  </a:txBody>
+                  <a:tcPr/>
+                </a:tc>
+              </a:tr>
+              <a:tr h="370840">
+                <a:tc>
+                  <a:txBody>
+                    <a:bodyPr/>
+                    <a:lstStyle/>
+                    <a:p>
+                      <a:pPr marL="0" marR="0" indent="0" algn="l" defTabSz="914400" rtl="0" eaLnBrk="1" fontAlgn="auto" latinLnBrk="0" hangingPunct="1">
+                        <a:lnSpc>
+                          <a:spcPct val="100000"/>
+                        </a:lnSpc>
+                        <a:spcBef>
+                          <a:spcPts val="0"/>
+                        </a:spcBef>
+                        <a:spcAft>
+                          <a:spcPts val="0"/>
+                        </a:spcAft>
+                        <a:buClrTx/>
+                        <a:buSzTx/>
+                        <a:buFontTx/>
+                        <a:buNone/>
+                        <a:tabLst/>
+                        <a:defRPr/>
+                      </a:pPr>
+                      <a:r>
+                        <a:rPr lang="en-US" sz="1500" b="1" dirty="0" smtClean="0"/>
+                        <a:t>Linear Regression</a:t>
+                      </a:r>
+                      <a:endParaRPr lang="en-US" sz="1500" dirty="0" smtClean="0"/>
+                    </a:p>
+                  </a:txBody>
+                  <a:tcPr/>
+                </a:tc>
+                <a:tc>
+                  <a:txBody>
+                    <a:bodyPr/>
+                    <a:lstStyle/>
+                    <a:p>
+                      <a:pPr marL="0" marR="0" indent="0" algn="l" defTabSz="914400" rtl="0" eaLnBrk="1" fontAlgn="auto" latinLnBrk="0" hangingPunct="1">
+                        <a:lnSpc>
+                          <a:spcPct val="100000"/>
+                        </a:lnSpc>
+                        <a:spcBef>
+                          <a:spcPts val="0"/>
+                        </a:spcBef>
+                        <a:spcAft>
+                          <a:spcPts val="0"/>
+                        </a:spcAft>
+                        <a:buClrTx/>
+                        <a:buSzTx/>
+                        <a:buFontTx/>
+                        <a:buNone/>
+                        <a:tabLst/>
+                        <a:defRPr/>
+                      </a:pPr>
+                      <a:r>
+                        <a:rPr lang="en-US" sz="1500" b="0" kern="1200" dirty="0" smtClean="0">
+                          <a:solidFill>
+                            <a:schemeClr val="dk1"/>
+                          </a:solidFill>
+                          <a:latin typeface="+mn-lt"/>
+                          <a:ea typeface="+mn-ea"/>
+                          <a:cs typeface="+mn-cs"/>
+                        </a:rPr>
+                        <a:t>Predict income based on education, drugs and sex</a:t>
+                      </a:r>
+                    </a:p>
+                  </a:txBody>
+                  <a:tcPr/>
+                </a:tc>
+                <a:tc>
+                  <a:txBody>
+                    <a:bodyPr/>
+                    <a:lstStyle/>
+                    <a:p>
+                      <a:r>
+                        <a:rPr lang="en-US" sz="1200" dirty="0" smtClean="0"/>
+                        <a:t>0.008727840073769255</a:t>
+                      </a:r>
+                      <a:endParaRPr lang="en-US" sz="1200" dirty="0"/>
+                    </a:p>
+                  </a:txBody>
+                  <a:tcPr/>
+                </a:tc>
+                <a:tc>
+                  <a:txBody>
+                    <a:bodyPr/>
+                    <a:lstStyle/>
+                    <a:p>
+                      <a:r>
+                        <a:rPr lang="en-US" sz="1200" dirty="0" smtClean="0"/>
+                        <a:t>0.008369123807991374</a:t>
+                      </a:r>
+                      <a:endParaRPr lang="en-US" sz="1200" dirty="0"/>
+                    </a:p>
+                  </a:txBody>
+                  <a:tcPr/>
+                </a:tc>
+              </a:tr>
+            </a:tbl>
+          </a:graphicData>
+        </a:graphic>
+      </p:graphicFrame>
+      <p:pic>
+        <p:nvPicPr>
+          <p:cNvPr id="12" name="Picture 11"/>
+          <p:cNvPicPr>
+            <a:picLocks noChangeAspect="1"/>
+          </p:cNvPicPr>
+          <p:nvPr/>
+        </p:nvPicPr>
+        <p:blipFill>
+          <a:blip r:embed="rId3">
+            <a:extLst>
+              <a:ext uri="{28A0092B-C50C-407E-A947-70E740481C1C}">
+                <a14:useLocalDpi xmlns:a14="http://schemas.microsoft.com/office/drawing/2010/main" val="0"/>
+              </a:ext>
+            </a:extLst>
+          </a:blip>
+          <a:stretch>
+            <a:fillRect/>
+          </a:stretch>
+        </p:blipFill>
+        <p:spPr>
+          <a:xfrm>
+            <a:off x="533191" y="3428999"/>
+            <a:ext cx="4064209" cy="3010055"/>
+          </a:xfrm>
+          <a:prstGeom prst="rect">
+            <a:avLst/>
+          </a:prstGeom>
+        </p:spPr>
+      </p:pic>
+      <p:pic>
+        <p:nvPicPr>
+          <p:cNvPr id="14" name="Picture 13"/>
+          <p:cNvPicPr>
+            <a:picLocks noChangeAspect="1"/>
+          </p:cNvPicPr>
+          <p:nvPr/>
+        </p:nvPicPr>
+        <p:blipFill>
+          <a:blip r:embed="rId4" cstate="print">
+            <a:extLst>
+              <a:ext uri="{28A0092B-C50C-407E-A947-70E740481C1C}">
+                <a14:useLocalDpi xmlns:a14="http://schemas.microsoft.com/office/drawing/2010/main" val="0"/>
+              </a:ext>
+            </a:extLst>
+          </a:blip>
+          <a:stretch>
+            <a:fillRect/>
+          </a:stretch>
+        </p:blipFill>
+        <p:spPr>
+          <a:xfrm>
+            <a:off x="4419600" y="3657599"/>
+            <a:ext cx="4343400" cy="2514601"/>
+          </a:xfrm>
+          <a:prstGeom prst="rect">
+            <a:avLst/>
+          </a:prstGeom>
+        </p:spPr>
+      </p:pic>
+    </p:spTree>
+    <p:extLst>
+      <p:ext uri="{BB962C8B-B14F-4D97-AF65-F5344CB8AC3E}">
+        <p14:creationId xmlns:p14="http://schemas.microsoft.com/office/powerpoint/2010/main" val="3028600445"/>
+      </p:ext>
+    </p:extLst>
+  </p:cSld>
+  <p:clrMapOvr>
+    <a:masterClrMapping/>
+  </p:clrMapOvr>
+  <p:timing>
+    <p:tnLst>
+      <p:par>
+        <p:cTn id="1" dur="indefinite" restart="never" nodeType="tmRoot"/>
+      </p:par>
+    </p:tnLst>
+  </p:timing>
+</p:sld>
+</file>
+
+<file path=ppt/slides/slide15.xml><?xml version="1.0" encoding="utf-8"?>
+<p:sld xmlns:a="http://schemas.openxmlformats.org/drawingml/2006/main" xmlns:r="http://schemas.openxmlformats.org/officeDocument/2006/relationships" xmlns:p="http://schemas.openxmlformats.org/presentationml/2006/main">
+  <p:cSld>
+    <p:spTree>
+      <p:nvGrpSpPr>
+        <p:cNvPr id="1" name=""/>
+        <p:cNvGrpSpPr/>
+        <p:nvPr/>
+      </p:nvGrpSpPr>
+      <p:grpSpPr>
+        <a:xfrm>
+          <a:off x="0" y="0"/>
+          <a:ext cx="0" cy="0"/>
+          <a:chOff x="0" y="0"/>
+          <a:chExt cx="0" cy="0"/>
+        </a:xfrm>
+      </p:grpSpPr>
+      <p:sp>
+        <p:nvSpPr>
+          <p:cNvPr id="2" name="Title 1"/>
+          <p:cNvSpPr>
+            <a:spLocks noGrp="1"/>
+          </p:cNvSpPr>
+          <p:nvPr>
+            <p:ph type="title"/>
+          </p:nvPr>
+        </p:nvSpPr>
+        <p:spPr/>
+        <p:txBody>
+          <a:bodyPr/>
+          <a:lstStyle/>
+          <a:p>
+            <a:r>
+              <a:rPr lang="en-US" dirty="0"/>
+              <a:t>Conclusions/Next </a:t>
+            </a:r>
+            <a:r>
+              <a:rPr lang="en-US" dirty="0" smtClean="0"/>
+              <a:t>steps</a:t>
+            </a:r>
+            <a:endParaRPr lang="en-US" dirty="0"/>
+          </a:p>
+        </p:txBody>
+      </p:sp>
+      <p:sp>
+        <p:nvSpPr>
+          <p:cNvPr id="3" name="Content Placeholder 2"/>
+          <p:cNvSpPr>
+            <a:spLocks noGrp="1"/>
+          </p:cNvSpPr>
+          <p:nvPr>
+            <p:ph idx="1"/>
+          </p:nvPr>
+        </p:nvSpPr>
+        <p:spPr/>
+        <p:txBody>
+          <a:bodyPr/>
+          <a:lstStyle/>
+          <a:p>
+            <a:endParaRPr lang="en-US" dirty="0"/>
+          </a:p>
+        </p:txBody>
+      </p:sp>
+    </p:spTree>
+    <p:extLst>
+      <p:ext uri="{BB962C8B-B14F-4D97-AF65-F5344CB8AC3E}">
+        <p14:creationId xmlns:p14="http://schemas.microsoft.com/office/powerpoint/2010/main" val="1155513152"/>
+      </p:ext>
+    </p:extLst>
+  </p:cSld>
+  <p:clrMapOvr>
+    <a:masterClrMapping/>
+  </p:clrMapOvr>
 </p:sld>
 </file>
 
@@ -5307,8 +9521,22 @@
               <a:t>Classification </a:t>
             </a:r>
             <a:r>
+              <a:rPr lang="en-US" sz="2400" dirty="0" smtClean="0"/>
+              <a:t>Approaches</a:t>
+            </a:r>
+          </a:p>
+          <a:p>
+            <a:r>
+              <a:rPr lang="en-US" sz="2400" dirty="0" smtClean="0"/>
+              <a:t>Classification </a:t>
+            </a:r>
+            <a:r>
               <a:rPr lang="en-US" sz="2400" dirty="0"/>
-              <a:t>Approaches</a:t>
+              <a:t>M</a:t>
+            </a:r>
+            <a:r>
+              <a:rPr lang="en-US" sz="2400" dirty="0" smtClean="0"/>
+              <a:t>odel Comparison</a:t>
             </a:r>
             <a:endParaRPr lang="en-GB" sz="2400" dirty="0" smtClean="0"/>
           </a:p>
@@ -5318,8 +9546,14 @@
               <a:t>Regression </a:t>
             </a:r>
             <a:r>
-              <a:rPr lang="en-US" sz="2400" dirty="0"/>
+              <a:rPr lang="en-US" sz="2400" dirty="0" smtClean="0"/>
               <a:t>Approaches</a:t>
+            </a:r>
+          </a:p>
+          <a:p>
+            <a:r>
+              <a:rPr lang="en-US" sz="2400" dirty="0" smtClean="0"/>
+              <a:t>Regression Model Comparison</a:t>
             </a:r>
             <a:endParaRPr lang="en-GB" sz="2400" dirty="0" smtClean="0"/>
           </a:p>
@@ -7447,14 +11681,7 @@
                 <a:latin typeface="Courier New" pitchFamily="49" charset="0"/>
                 <a:cs typeface="Courier New" pitchFamily="49" charset="0"/>
               </a:rPr>
-              <a:t>: </a:t>
-            </a:r>
-            <a:r>
-              <a:rPr lang="en-US" sz="1000" dirty="0">
-                <a:latin typeface="Courier New" pitchFamily="49" charset="0"/>
-                <a:cs typeface="Courier New" pitchFamily="49" charset="0"/>
-              </a:rPr>
-              <a:t>“classify_sex_knr.py</a:t>
+              <a:t>: “classify_sex_knr.py</a:t>
             </a:r>
             <a:r>
               <a:rPr lang="en-US" sz="1000" dirty="0" smtClean="0">
@@ -7483,38 +11710,14 @@
             </a:pPr>
             <a:r>
               <a:rPr lang="en-US" sz="2000" dirty="0"/>
-              <a:t>Predicts </a:t>
-            </a:r>
-            <a:r>
-              <a:rPr lang="en-US" sz="2000" dirty="0"/>
-              <a:t>if "Is male" </a:t>
-            </a:r>
-            <a:r>
-              <a:rPr lang="en-US" sz="2000" dirty="0"/>
-              <a:t>based on: essay0, essay3, essay6, essay8. </a:t>
+              <a:t>Predicts if "Is male" based on: essay0, essay3, essay6, essay8. </a:t>
             </a:r>
             <a:br>
               <a:rPr lang="en-US" sz="2000" dirty="0"/>
             </a:br>
             <a:r>
               <a:rPr lang="en-US" sz="1300" b="1" dirty="0"/>
-              <a:t>Example: Is male a person </a:t>
-            </a:r>
-            <a:r>
-              <a:rPr lang="en-US" sz="1300" b="1" dirty="0"/>
-              <a:t>that says ‘</a:t>
-            </a:r>
-            <a:r>
-              <a:rPr lang="en-US" sz="1300" b="1" dirty="0"/>
-              <a:t>i believe that life is a bold, dashing adventure</a:t>
-            </a:r>
-            <a:r>
-              <a:rPr lang="en-US" sz="1300" b="1" dirty="0"/>
-              <a:t>’ </a:t>
-            </a:r>
-            <a:r>
-              <a:rPr lang="en-US" sz="1300" b="1" dirty="0"/>
-              <a:t>?</a:t>
+              <a:t>Example: Is male a person that says ‘i believe that life is a bold, dashing adventure’ ?</a:t>
             </a:r>
             <a:br>
               <a:rPr lang="en-US" sz="1300" b="1" dirty="0"/>
@@ -7524,35 +11727,7 @@
                 <a:latin typeface="Courier New" pitchFamily="49" charset="0"/>
                 <a:cs typeface="Courier New" pitchFamily="49" charset="0"/>
               </a:rPr>
-              <a:t>Scripts: </a:t>
-            </a:r>
-            <a:r>
-              <a:rPr lang="en-US" sz="1000" b="1" dirty="0">
-                <a:latin typeface="Courier New" pitchFamily="49" charset="0"/>
-                <a:cs typeface="Courier New" pitchFamily="49" charset="0"/>
-              </a:rPr>
-              <a:t>“</a:t>
-            </a:r>
-            <a:r>
-              <a:rPr lang="en-US" sz="1000" b="1" dirty="0">
-                <a:latin typeface="Courier New" pitchFamily="49" charset="0"/>
-                <a:cs typeface="Courier New" pitchFamily="49" charset="0"/>
-              </a:rPr>
-              <a:t>classify_sex_naive_bayes.py”, </a:t>
-            </a:r>
-            <a:r>
-              <a:rPr lang="en-US" sz="1000" b="1" dirty="0">
-                <a:latin typeface="Courier New" pitchFamily="49" charset="0"/>
-                <a:cs typeface="Courier New" pitchFamily="49" charset="0"/>
-              </a:rPr>
-              <a:t>“</a:t>
-            </a:r>
-            <a:r>
-              <a:rPr lang="en-US" sz="1000" b="1" dirty="0">
-                <a:latin typeface="Courier New" pitchFamily="49" charset="0"/>
-                <a:cs typeface="Courier New" pitchFamily="49" charset="0"/>
-              </a:rPr>
-              <a:t>classify_sex_naive_svc.py</a:t>
+              <a:t>Scripts: “classify_sex_naive_bayes.py”, “classify_sex_naive_svc.py</a:t>
             </a:r>
             <a:r>
               <a:rPr lang="en-US" sz="1000" b="1" dirty="0" smtClean="0">
@@ -7581,30 +11756,14 @@
             </a:pPr>
             <a:r>
               <a:rPr lang="en-US" sz="2000" dirty="0"/>
-              <a:t>Predicts </a:t>
-            </a:r>
-            <a:r>
-              <a:rPr lang="en-US" sz="2000" dirty="0"/>
-              <a:t>age with income and job</a:t>
-            </a:r>
-            <a:r>
-              <a:rPr lang="en-US" sz="2000" dirty="0"/>
-              <a:t>.</a:t>
-            </a:r>
-            <a:r>
-              <a:rPr lang="en-US" sz="2000" dirty="0"/>
-              <a:t/>
+              <a:t>Predicts age with income and job.</a:t>
             </a:r>
             <a:br>
               <a:rPr lang="en-US" sz="2000" dirty="0"/>
             </a:br>
             <a:r>
               <a:rPr lang="en-US" sz="1300" b="1" dirty="0"/>
-              <a:t>Example: What age is a person earning 50000 $ per year and job as 'science / tech / </a:t>
-            </a:r>
-            <a:r>
-              <a:rPr lang="en-US" sz="1300" b="1" dirty="0"/>
-              <a:t>engineering‘?</a:t>
+              <a:t>Example: What age is a person earning 50000 $ per year and job as 'science / tech / engineering‘?</a:t>
             </a:r>
             <a:br>
               <a:rPr lang="en-US" sz="1300" b="1" dirty="0"/>
@@ -7614,21 +11773,7 @@
                 <a:latin typeface="Courier New" pitchFamily="49" charset="0"/>
                 <a:cs typeface="Courier New" pitchFamily="49" charset="0"/>
               </a:rPr>
-              <a:t>Scripts</a:t>
-            </a:r>
-            <a:r>
-              <a:rPr lang="en-US" sz="1000" b="1" dirty="0">
-                <a:latin typeface="Courier New" pitchFamily="49" charset="0"/>
-                <a:cs typeface="Courier New" pitchFamily="49" charset="0"/>
-              </a:rPr>
-              <a:t>: </a:t>
-            </a:r>
-            <a:r>
-              <a:rPr lang="en-US" sz="1000" b="1" dirty="0">
-                <a:latin typeface="Courier New" pitchFamily="49" charset="0"/>
-                <a:cs typeface="Courier New" pitchFamily="49" charset="0"/>
-              </a:rPr>
-              <a:t>“predict_age_knr.py”, “predict_age_mlr.py</a:t>
+              <a:t>Scripts: “predict_age_knr.py”, “predict_age_mlr.py</a:t>
             </a:r>
             <a:r>
               <a:rPr lang="en-US" sz="1000" b="1" dirty="0" smtClean="0">
@@ -7657,11 +11802,7 @@
             </a:pPr>
             <a:r>
               <a:rPr lang="en-US" sz="2000" dirty="0"/>
-              <a:t>Predicts income based on education, drugs and sex</a:t>
-            </a:r>
-            <a:r>
-              <a:rPr lang="en-US" sz="2000" dirty="0"/>
-              <a:t>.</a:t>
+              <a:t>Predicts income based on education, drugs and sex.</a:t>
             </a:r>
             <a:br>
               <a:rPr lang="en-US" sz="2000" dirty="0"/>
@@ -7669,10 +11810,6 @@
             <a:r>
               <a:rPr lang="en-US" sz="1300" b="1" dirty="0"/>
               <a:t>Example: What income has a person with 'graduated from law school' as education level, takes drugs often and is a woman?</a:t>
-            </a:r>
-            <a:r>
-              <a:rPr lang="en-US" sz="1300" b="1" dirty="0"/>
-              <a:t/>
             </a:r>
             <a:br>
               <a:rPr lang="en-US" sz="1300" b="1" dirty="0"/>
@@ -7682,26 +11819,8 @@
                 <a:latin typeface="Courier New" pitchFamily="49" charset="0"/>
                 <a:cs typeface="Courier New" pitchFamily="49" charset="0"/>
               </a:rPr>
-              <a:t>Scripts</a:t>
-            </a:r>
-            <a:r>
-              <a:rPr lang="en-US" sz="1000" b="1" dirty="0">
-                <a:latin typeface="Courier New" pitchFamily="49" charset="0"/>
-                <a:cs typeface="Courier New" pitchFamily="49" charset="0"/>
-              </a:rPr>
-              <a:t>: “predict_income_knr.py</a:t>
-            </a:r>
-            <a:r>
-              <a:rPr lang="en-US" sz="1000" b="1" dirty="0">
-                <a:latin typeface="Courier New" pitchFamily="49" charset="0"/>
-                <a:cs typeface="Courier New" pitchFamily="49" charset="0"/>
-              </a:rPr>
-              <a:t>”, “predict_income_mlr.py”</a:t>
-            </a:r>
-            <a:endParaRPr lang="en-US" sz="1000" b="1" dirty="0">
-              <a:latin typeface="Courier New" pitchFamily="49" charset="0"/>
-              <a:cs typeface="Courier New" pitchFamily="49" charset="0"/>
-            </a:endParaRPr>
+              <a:t>Scripts: “predict_income_knr.py”, “predict_income_mlr.py”</a:t>
+            </a:r>
           </a:p>
           <a:p>
             <a:pPr marL="0" indent="0" fontAlgn="auto">
@@ -7733,7 +11852,6 @@
               <a:rPr lang="en-US" sz="1500" dirty="0"/>
               <a:t>in sociological studies.</a:t>
             </a:r>
-            <a:endParaRPr lang="en-US" sz="1500" dirty="0"/>
           </a:p>
         </p:txBody>
       </p:sp>
@@ -7930,15 +12048,7 @@
             </a:pPr>
             <a:r>
               <a:rPr lang="en-US" sz="2000" dirty="0" smtClean="0"/>
-              <a:t>Columns (features) </a:t>
-            </a:r>
-            <a:r>
-              <a:rPr lang="en-US" sz="2000" dirty="0" smtClean="0"/>
-              <a:t>like </a:t>
-            </a:r>
-            <a:r>
-              <a:rPr lang="en-US" sz="2000" dirty="0" smtClean="0"/>
-              <a:t>“</a:t>
+              <a:t>Columns (features) like “</a:t>
             </a:r>
             <a:r>
               <a:rPr lang="en-US" sz="2000" b="1" dirty="0" smtClean="0"/>
@@ -7954,23 +12064,7 @@
             </a:r>
             <a:r>
               <a:rPr lang="en-US" sz="2000" dirty="0" smtClean="0"/>
-              <a:t>” </a:t>
-            </a:r>
-            <a:r>
-              <a:rPr lang="en-US" sz="2000" dirty="0" smtClean="0"/>
-              <a:t>values. </a:t>
-            </a:r>
-            <a:r>
-              <a:rPr lang="en-US" sz="2000" smtClean="0"/>
-              <a:t>Used in </a:t>
-            </a:r>
-            <a:r>
-              <a:rPr lang="en-US" sz="2000" smtClean="0"/>
-              <a:t>training/testing </a:t>
-            </a:r>
-            <a:r>
-              <a:rPr lang="en-US" sz="2000" dirty="0" smtClean="0"/>
-              <a:t>the models</a:t>
+              <a:t>” values. Used in training/testing the models</a:t>
             </a:r>
             <a:r>
               <a:rPr lang="en-US" sz="2000" b="1" dirty="0" smtClean="0"/>
@@ -7998,8 +12092,36 @@
               <a:t>Example </a:t>
             </a:r>
             <a:r>
-              <a:rPr lang="en-US" sz="2000" dirty="0"/>
-              <a:t>of code from </a:t>
+              <a:rPr lang="en-US" sz="2000" dirty="0" smtClean="0"/>
+              <a:t>augmenting data set with </a:t>
+            </a:r>
+            <a:r>
+              <a:rPr lang="en-US" sz="2000" b="1" dirty="0" err="1" smtClean="0"/>
+              <a:t>education_code</a:t>
+            </a:r>
+            <a:r>
+              <a:rPr lang="en-US" sz="2000" b="1" dirty="0" smtClean="0"/>
+              <a:t>, </a:t>
+            </a:r>
+            <a:r>
+              <a:rPr lang="en-US" sz="2000" b="1" dirty="0" err="1" smtClean="0"/>
+              <a:t>drugs_code</a:t>
+            </a:r>
+            <a:r>
+              <a:rPr lang="en-US" sz="2000" b="1" dirty="0" smtClean="0"/>
+              <a:t> and </a:t>
+            </a:r>
+            <a:r>
+              <a:rPr lang="en-US" sz="2000" b="1" dirty="0" err="1" smtClean="0"/>
+              <a:t>sex_code</a:t>
+            </a:r>
+            <a:r>
+              <a:rPr lang="en-US" sz="2000" b="1" dirty="0" smtClean="0"/>
+              <a:t> </a:t>
+            </a:r>
+            <a:r>
+              <a:rPr lang="en-US" sz="2000" dirty="0" smtClean="0"/>
+              <a:t>columns from </a:t>
             </a:r>
             <a:r>
               <a:rPr lang="en-US" sz="2000" dirty="0" smtClean="0">
@@ -8950,7 +13072,80 @@
               </a:spcAft>
               <a:defRPr/>
             </a:pPr>
-            <a:endParaRPr lang="en-US" sz="2400" b="1" dirty="0" smtClean="0"/>
+            <a:r>
+              <a:rPr lang="en-US" sz="2000" b="1" dirty="0" smtClean="0"/>
+              <a:t>K-Nearest </a:t>
+            </a:r>
+            <a:r>
+              <a:rPr lang="en-US" sz="2000" b="1" dirty="0"/>
+              <a:t>Neighbors </a:t>
+            </a:r>
+            <a:r>
+              <a:rPr lang="en-US" sz="2000" b="1" dirty="0" smtClean="0"/>
+              <a:t>Classifier (</a:t>
+            </a:r>
+            <a:r>
+              <a:rPr lang="en-US" sz="1500" dirty="0">
+                <a:latin typeface="Courier New" pitchFamily="49" charset="0"/>
+                <a:cs typeface="Courier New" pitchFamily="49" charset="0"/>
+              </a:rPr>
+              <a:t>classify_sex_knr.py</a:t>
+            </a:r>
+            <a:r>
+              <a:rPr lang="en-US" sz="2000" b="1" dirty="0" smtClean="0"/>
+              <a:t>)</a:t>
+            </a:r>
+            <a:r>
+              <a:rPr lang="en-US" sz="2000" dirty="0" smtClean="0"/>
+              <a:t> </a:t>
+            </a:r>
+            <a:r>
+              <a:rPr lang="en-US" sz="2000" dirty="0"/>
+              <a:t>model </a:t>
+            </a:r>
+            <a:r>
+              <a:rPr lang="en-US" sz="2000" dirty="0" smtClean="0"/>
+              <a:t> for question: “</a:t>
+            </a:r>
+            <a:r>
+              <a:rPr lang="en-US" sz="1500" i="1" dirty="0" smtClean="0"/>
+              <a:t>Is </a:t>
+            </a:r>
+            <a:r>
+              <a:rPr lang="en-US" sz="1500" i="1" dirty="0"/>
+              <a:t>male a person with 'graduated from law school' as education level, takes drugs often and has an income of 20000 $ per year </a:t>
+            </a:r>
+            <a:r>
+              <a:rPr lang="en-US" sz="1500" i="1" dirty="0" smtClean="0"/>
+              <a:t>?</a:t>
+            </a:r>
+            <a:r>
+              <a:rPr lang="en-US" sz="2000" dirty="0" smtClean="0"/>
+              <a:t>” (formalized as “</a:t>
+            </a:r>
+            <a:r>
+              <a:rPr lang="en-US" sz="1500" i="1" dirty="0"/>
+              <a:t>Predicts if "Is male" by job, education and income</a:t>
+            </a:r>
+            <a:r>
+              <a:rPr lang="en-US" sz="2000" dirty="0" smtClean="0"/>
+              <a:t>”).</a:t>
+            </a:r>
+            <a:r>
+              <a:rPr lang="en-US" sz="2000" dirty="0"/>
+              <a:t/>
+            </a:r>
+            <a:br>
+              <a:rPr lang="en-US" sz="2000" dirty="0"/>
+            </a:br>
+            <a:r>
+              <a:rPr lang="en-US" sz="2000" dirty="0"/>
+              <a:t/>
+            </a:r>
+            <a:br>
+              <a:rPr lang="en-US" sz="2000" dirty="0"/>
+            </a:br>
+            <a:endParaRPr lang="en-US" sz="2000" dirty="0"/>
           </a:p>
           <a:p>
             <a:pPr fontAlgn="auto">
@@ -8959,7 +13154,7 @@
               </a:spcAft>
               <a:defRPr/>
             </a:pPr>
-            <a:endParaRPr lang="en-US" sz="2400" b="1" dirty="0" smtClean="0"/>
+            <a:endParaRPr lang="en-US" sz="2000" dirty="0"/>
           </a:p>
           <a:p>
             <a:pPr fontAlgn="auto">
@@ -8968,25 +13163,7 @@
               </a:spcAft>
               <a:defRPr/>
             </a:pPr>
-            <a:endParaRPr lang="en-US" sz="2400" b="1" dirty="0" smtClean="0"/>
-          </a:p>
-          <a:p>
-            <a:pPr fontAlgn="auto">
-              <a:spcAft>
-                <a:spcPts val="0"/>
-              </a:spcAft>
-              <a:defRPr/>
-            </a:pPr>
-            <a:endParaRPr lang="en-US" sz="2400" b="1" dirty="0" smtClean="0"/>
-          </a:p>
-          <a:p>
-            <a:pPr fontAlgn="auto">
-              <a:spcAft>
-                <a:spcPts val="0"/>
-              </a:spcAft>
-              <a:defRPr/>
-            </a:pPr>
-            <a:endParaRPr lang="en-US" sz="2400" b="1" dirty="0" smtClean="0"/>
+            <a:endParaRPr lang="en-US" sz="2000" dirty="0"/>
           </a:p>
           <a:p>
             <a:pPr fontAlgn="auto">
@@ -9046,26 +13223,6 @@
             <a:pPr>
               <a:defRPr/>
             </a:pPr>
-            <a:r>
-              <a:rPr lang="ro-RO" dirty="0" err="1" smtClean="0"/>
-              <a:t>Ș</a:t>
-            </a:r>
-            <a:r>
-              <a:rPr lang="en-US" dirty="0" err="1" smtClean="0"/>
-              <a:t>coala</a:t>
-            </a:r>
-            <a:r>
-              <a:rPr lang="en-US" dirty="0" smtClean="0"/>
-              <a:t> Informal</a:t>
-            </a:r>
-            <a:r>
-              <a:rPr lang="ro-RO" dirty="0" smtClean="0"/>
-              <a:t>ă</a:t>
-            </a:r>
-            <a:r>
-              <a:rPr lang="en-US" dirty="0" smtClean="0"/>
-              <a:t> de IT</a:t>
-            </a:r>
             <a:endParaRPr lang="en-US" dirty="0"/>
           </a:p>
         </p:txBody>
@@ -9088,18 +13245,6 @@
             <a:pPr>
               <a:defRPr/>
             </a:pPr>
-            <a:r>
-              <a:rPr lang="en-US" dirty="0" err="1"/>
-              <a:t>Madelușa</a:t>
-            </a:r>
-            <a:r>
-              <a:rPr lang="en-US" dirty="0"/>
-              <a:t> Laura </a:t>
-            </a:r>
-            <a:r>
-              <a:rPr lang="en-US" dirty="0" err="1"/>
-              <a:t>Utma</a:t>
-            </a:r>
             <a:endParaRPr lang="en-US" dirty="0"/>
           </a:p>
         </p:txBody>
@@ -9197,6 +13342,176 @@
           </a:prstGeom>
         </p:spPr>
       </p:pic>
+      <p:pic>
+        <p:nvPicPr>
+          <p:cNvPr id="2" name="Picture 1"/>
+          <p:cNvPicPr>
+            <a:picLocks noChangeAspect="1"/>
+          </p:cNvPicPr>
+          <p:nvPr/>
+        </p:nvPicPr>
+        <p:blipFill>
+          <a:blip r:embed="rId3">
+            <a:extLst>
+              <a:ext uri="{28A0092B-C50C-407E-A947-70E740481C1C}">
+                <a14:useLocalDpi xmlns:a14="http://schemas.microsoft.com/office/drawing/2010/main" val="0"/>
+              </a:ext>
+            </a:extLst>
+          </a:blip>
+          <a:stretch>
+            <a:fillRect/>
+          </a:stretch>
+        </p:blipFill>
+        <p:spPr>
+          <a:xfrm>
+            <a:off x="4800600" y="3276600"/>
+            <a:ext cx="3840486" cy="3070103"/>
+          </a:xfrm>
+          <a:prstGeom prst="rect">
+            <a:avLst/>
+          </a:prstGeom>
+        </p:spPr>
+      </p:pic>
+      <p:graphicFrame>
+        <p:nvGraphicFramePr>
+          <p:cNvPr id="7" name="Table 6"/>
+          <p:cNvGraphicFramePr>
+            <a:graphicFrameLocks noGrp="1"/>
+          </p:cNvGraphicFramePr>
+          <p:nvPr>
+            <p:extLst>
+              <p:ext uri="{D42A27DB-BD31-4B8C-83A1-F6EECF244321}">
+                <p14:modId xmlns:p14="http://schemas.microsoft.com/office/powerpoint/2010/main" val="576185124"/>
+              </p:ext>
+            </p:extLst>
+          </p:nvPr>
+        </p:nvGraphicFramePr>
+        <p:xfrm>
+          <a:off x="838200" y="3200399"/>
+          <a:ext cx="3886200" cy="2523393"/>
+        </p:xfrm>
+        <a:graphic>
+          <a:graphicData uri="http://schemas.openxmlformats.org/drawingml/2006/table">
+            <a:tbl>
+              <a:tblPr firstRow="1" bandRow="1">
+                <a:tableStyleId>{5C22544A-7EE6-4342-B048-85BDC9FD1C3A}</a:tableStyleId>
+              </a:tblPr>
+              <a:tblGrid>
+                <a:gridCol w="1943100"/>
+                <a:gridCol w="1943100"/>
+              </a:tblGrid>
+              <a:tr h="600808">
+                <a:tc>
+                  <a:txBody>
+                    <a:bodyPr/>
+                    <a:lstStyle/>
+                    <a:p>
+                      <a:r>
+                        <a:rPr lang="en-US" dirty="0" smtClean="0"/>
+                        <a:t>Action</a:t>
+                      </a:r>
+                      <a:endParaRPr lang="en-US" dirty="0"/>
+                    </a:p>
+                  </a:txBody>
+                  <a:tcPr/>
+                </a:tc>
+                <a:tc>
+                  <a:txBody>
+                    <a:bodyPr/>
+                    <a:lstStyle/>
+                    <a:p>
+                      <a:r>
+                        <a:rPr lang="en-US" dirty="0" smtClean="0"/>
+                        <a:t>Exec</a:t>
+                      </a:r>
+                      <a:r>
+                        <a:rPr lang="en-US" baseline="0" dirty="0" smtClean="0"/>
+                        <a:t> time (sec)</a:t>
+                      </a:r>
+                      <a:endParaRPr lang="en-US" dirty="0"/>
+                    </a:p>
+                  </a:txBody>
+                  <a:tcPr/>
+                </a:tc>
+              </a:tr>
+              <a:tr h="672905">
+                <a:tc>
+                  <a:txBody>
+                    <a:bodyPr/>
+                    <a:lstStyle/>
+                    <a:p>
+                      <a:r>
+                        <a:rPr lang="en-US" dirty="0" smtClean="0"/>
+                        <a:t>Prediction of a question</a:t>
+                      </a:r>
+                      <a:endParaRPr lang="en-US" dirty="0"/>
+                    </a:p>
+                  </a:txBody>
+                  <a:tcPr/>
+                </a:tc>
+                <a:tc>
+                  <a:txBody>
+                    <a:bodyPr/>
+                    <a:lstStyle/>
+                    <a:p>
+                      <a:r>
+                        <a:rPr lang="en-US" sz="1800" kern="1200" dirty="0" smtClean="0">
+                          <a:solidFill>
+                            <a:schemeClr val="dk1"/>
+                          </a:solidFill>
+                          <a:latin typeface="+mn-lt"/>
+                          <a:ea typeface="+mn-ea"/>
+                          <a:cs typeface="+mn-cs"/>
+                        </a:rPr>
+                        <a:t>1.623999834060669</a:t>
+                      </a:r>
+                      <a:endParaRPr lang="en-US" dirty="0"/>
+                    </a:p>
+                  </a:txBody>
+                  <a:tcPr/>
+                </a:tc>
+              </a:tr>
+              <a:tr h="1249680">
+                <a:tc>
+                  <a:txBody>
+                    <a:bodyPr/>
+                    <a:lstStyle/>
+                    <a:p>
+                      <a:r>
+                        <a:rPr lang="en-US" dirty="0" smtClean="0"/>
+                        <a:t>Performance analysis for k between 1 and 100</a:t>
+                      </a:r>
+                      <a:endParaRPr lang="en-US" dirty="0"/>
+                    </a:p>
+                  </a:txBody>
+                  <a:tcPr/>
+                </a:tc>
+                <a:tc>
+                  <a:txBody>
+                    <a:bodyPr/>
+                    <a:lstStyle/>
+                    <a:p>
+                      <a:r>
+                        <a:rPr lang="en-US" sz="1800" kern="1200" dirty="0" smtClean="0">
+                          <a:solidFill>
+                            <a:schemeClr val="dk1"/>
+                          </a:solidFill>
+                          <a:latin typeface="+mn-lt"/>
+                          <a:ea typeface="+mn-ea"/>
+                          <a:cs typeface="+mn-cs"/>
+                        </a:rPr>
+                        <a:t>508.3199999332428</a:t>
+                      </a:r>
+                      <a:endParaRPr lang="en-US" dirty="0"/>
+                    </a:p>
+                  </a:txBody>
+                  <a:tcPr/>
+                </a:tc>
+              </a:tr>
+            </a:tbl>
+          </a:graphicData>
+        </a:graphic>
+      </p:graphicFrame>
     </p:spTree>
   </p:cSld>
   <p:clrMapOvr>

--- a/capstone_starter/resources/Presentation_Emilian_Utma.pptx
+++ b/capstone_starter/resources/Presentation_Emilian_Utma.pptx
@@ -6998,11 +6998,7 @@
             </a:r>
             <a:r>
               <a:rPr lang="en-US" sz="1500" i="1" dirty="0"/>
-              <a:t>What age is a person earning 50000 $ per year and job as 'science / tech / engineering</a:t>
-            </a:r>
-            <a:r>
-              <a:rPr lang="en-US" sz="1500" i="1" dirty="0"/>
-              <a:t>‘?</a:t>
+              <a:t>What age is a person earning 50000 $ per year and job as 'science / tech / engineering‘?</a:t>
             </a:r>
             <a:r>
               <a:rPr lang="en-US" dirty="0"/>
@@ -9352,10 +9348,57 @@
             <p:ph idx="1"/>
           </p:nvPr>
         </p:nvSpPr>
-        <p:spPr/>
+        <p:spPr>
+          <a:xfrm>
+            <a:off x="457200" y="1600201"/>
+            <a:ext cx="8229600" cy="3581400"/>
+          </a:xfrm>
+        </p:spPr>
         <p:txBody>
           <a:bodyPr/>
           <a:lstStyle/>
+          <a:p>
+            <a:r>
+              <a:rPr lang="en-US" sz="2000" dirty="0" smtClean="0"/>
+              <a:t>The ML models implementations in Python are very productive and easier to use even for a “junior data scientist”. What also to mention is the data preparation is very fast to implement.</a:t>
+            </a:r>
+            <a:br>
+              <a:rPr lang="en-US" sz="2000" dirty="0" smtClean="0"/>
+            </a:br>
+            <a:endParaRPr lang="en-US" sz="2000" dirty="0" smtClean="0"/>
+          </a:p>
+          <a:p>
+            <a:r>
+              <a:rPr lang="en-US" sz="2000" dirty="0" smtClean="0"/>
+              <a:t>The “</a:t>
+            </a:r>
+            <a:r>
+              <a:rPr lang="en-US" sz="2000" dirty="0" err="1" smtClean="0"/>
+              <a:t>matplotlib</a:t>
+            </a:r>
+            <a:r>
+              <a:rPr lang="en-US" sz="2000" dirty="0" smtClean="0"/>
+              <a:t>” module is not to ignore as well, for generating graphs in other “non-python” projects.</a:t>
+            </a:r>
+            <a:br>
+              <a:rPr lang="en-US" sz="2000" dirty="0" smtClean="0"/>
+            </a:br>
+            <a:endParaRPr lang="en-US" dirty="0" smtClean="0"/>
+          </a:p>
+          <a:p>
+            <a:r>
+              <a:rPr lang="en-US" sz="2000" dirty="0" smtClean="0"/>
+              <a:t>As next step the most interesting to play with </a:t>
+            </a:r>
+            <a:r>
+              <a:rPr lang="en-US" sz="2000" dirty="0"/>
+              <a:t>is “Naive Bayes Classifier</a:t>
+            </a:r>
+            <a:r>
+              <a:rPr lang="en-US" sz="2000" dirty="0" smtClean="0"/>
+              <a:t>” model in order to improve its accuracy in prediction other features based on users opinions.</a:t>
+            </a:r>
+          </a:p>
           <a:p>
             <a:endParaRPr lang="en-US" dirty="0"/>
           </a:p>
@@ -9518,11 +9561,7 @@
           <a:p>
             <a:r>
               <a:rPr lang="en-US" sz="2400" dirty="0" smtClean="0"/>
-              <a:t>Classification </a:t>
-            </a:r>
-            <a:r>
-              <a:rPr lang="en-US" sz="2400" dirty="0" smtClean="0"/>
-              <a:t>Approaches</a:t>
+              <a:t>Classification Approaches</a:t>
             </a:r>
           </a:p>
           <a:p>
@@ -9543,11 +9582,7 @@
           <a:p>
             <a:r>
               <a:rPr lang="en-US" sz="2400" dirty="0" smtClean="0"/>
-              <a:t>Regression </a:t>
-            </a:r>
-            <a:r>
-              <a:rPr lang="en-US" sz="2400" dirty="0" smtClean="0"/>
-              <a:t>Approaches</a:t>
+              <a:t>Regression Approaches</a:t>
             </a:r>
           </a:p>
           <a:p>
